--- a/notes/knitr.pptx
+++ b/notes/knitr.pptx
@@ -147,6 +147,22 @@
       </a:defRPr>
     </a:lvl9pPr>
   </p:defaultTextStyle>
+  <p:extLst>
+    <p:ext uri="{EFAFB233-063F-42B5-8137-9DF3F51BA10A}">
+      <p15:sldGuideLst xmlns:p15="http://schemas.microsoft.com/office/powerpoint/2012/main">
+        <p15:guide id="1" orient="horz" pos="1620">
+          <p15:clr>
+            <a:srgbClr val="A4A3A4"/>
+          </p15:clr>
+        </p15:guide>
+        <p15:guide id="2" pos="2880">
+          <p15:clr>
+            <a:srgbClr val="A4A3A4"/>
+          </p15:clr>
+        </p15:guide>
+      </p15:sldGuideLst>
+    </p:ext>
+  </p:extLst>
 </p:presentation>
 </file>
 
@@ -231,7 +247,7 @@
           </a:lstStyle>
           <a:p>
             <a:fld id="{4D074C83-68D5-4B48-A61F-90A019AAA79E}" type="datetimeFigureOut">
-              <a:t>10/3/13</a:t>
+              <a:t>9/6/16</a:t>
             </a:fld>
             <a:endParaRPr lang="en-US"/>
           </a:p>
@@ -927,7 +943,7 @@
           <a:p>
             <a:fld id="{0E5D33D5-4C79-2644-97D0-9A6C8983A5BE}" type="datetimeFigureOut">
               <a:rPr lang="en-US" smtClean="0"/>
-              <a:t>10/3/13</a:t>
+              <a:t>9/6/16</a:t>
             </a:fld>
             <a:endParaRPr lang="en-US"/>
           </a:p>
@@ -1097,7 +1113,7 @@
           <a:p>
             <a:fld id="{0E5D33D5-4C79-2644-97D0-9A6C8983A5BE}" type="datetimeFigureOut">
               <a:rPr lang="en-US" smtClean="0"/>
-              <a:t>10/3/13</a:t>
+              <a:t>9/6/16</a:t>
             </a:fld>
             <a:endParaRPr lang="en-US"/>
           </a:p>
@@ -1277,7 +1293,7 @@
           <a:p>
             <a:fld id="{0E5D33D5-4C79-2644-97D0-9A6C8983A5BE}" type="datetimeFigureOut">
               <a:rPr lang="en-US" smtClean="0"/>
-              <a:t>10/3/13</a:t>
+              <a:t>9/6/16</a:t>
             </a:fld>
             <a:endParaRPr lang="en-US"/>
           </a:p>
@@ -1447,7 +1463,7 @@
           <a:p>
             <a:fld id="{0E5D33D5-4C79-2644-97D0-9A6C8983A5BE}" type="datetimeFigureOut">
               <a:rPr lang="en-US" smtClean="0"/>
-              <a:t>10/3/13</a:t>
+              <a:t>9/6/16</a:t>
             </a:fld>
             <a:endParaRPr lang="en-US"/>
           </a:p>
@@ -1693,7 +1709,7 @@
           <a:p>
             <a:fld id="{0E5D33D5-4C79-2644-97D0-9A6C8983A5BE}" type="datetimeFigureOut">
               <a:rPr lang="en-US" smtClean="0"/>
-              <a:t>10/3/13</a:t>
+              <a:t>9/6/16</a:t>
             </a:fld>
             <a:endParaRPr lang="en-US"/>
           </a:p>
@@ -1981,7 +1997,7 @@
           <a:p>
             <a:fld id="{0E5D33D5-4C79-2644-97D0-9A6C8983A5BE}" type="datetimeFigureOut">
               <a:rPr lang="en-US" smtClean="0"/>
-              <a:t>10/3/13</a:t>
+              <a:t>9/6/16</a:t>
             </a:fld>
             <a:endParaRPr lang="en-US"/>
           </a:p>
@@ -2408,7 +2424,7 @@
           <a:p>
             <a:fld id="{0E5D33D5-4C79-2644-97D0-9A6C8983A5BE}" type="datetimeFigureOut">
               <a:rPr lang="en-US" smtClean="0"/>
-              <a:t>10/3/13</a:t>
+              <a:t>9/6/16</a:t>
             </a:fld>
             <a:endParaRPr lang="en-US"/>
           </a:p>
@@ -2526,7 +2542,7 @@
           <a:p>
             <a:fld id="{0E5D33D5-4C79-2644-97D0-9A6C8983A5BE}" type="datetimeFigureOut">
               <a:rPr lang="en-US" smtClean="0"/>
-              <a:t>10/3/13</a:t>
+              <a:t>9/6/16</a:t>
             </a:fld>
             <a:endParaRPr lang="en-US"/>
           </a:p>
@@ -2621,7 +2637,7 @@
           <a:p>
             <a:fld id="{0E5D33D5-4C79-2644-97D0-9A6C8983A5BE}" type="datetimeFigureOut">
               <a:rPr lang="en-US" smtClean="0"/>
-              <a:t>10/3/13</a:t>
+              <a:t>9/6/16</a:t>
             </a:fld>
             <a:endParaRPr lang="en-US"/>
           </a:p>
@@ -2898,7 +2914,7 @@
           <a:p>
             <a:fld id="{0E5D33D5-4C79-2644-97D0-9A6C8983A5BE}" type="datetimeFigureOut">
               <a:rPr lang="en-US" smtClean="0"/>
-              <a:t>10/3/13</a:t>
+              <a:t>9/6/16</a:t>
             </a:fld>
             <a:endParaRPr lang="en-US"/>
           </a:p>
@@ -3151,7 +3167,7 @@
           <a:p>
             <a:fld id="{0E5D33D5-4C79-2644-97D0-9A6C8983A5BE}" type="datetimeFigureOut">
               <a:rPr lang="en-US" smtClean="0"/>
-              <a:t>10/3/13</a:t>
+              <a:t>9/6/16</a:t>
             </a:fld>
             <a:endParaRPr lang="en-US"/>
           </a:p>
@@ -3364,7 +3380,7 @@
           <a:p>
             <a:fld id="{0E5D33D5-4C79-2644-97D0-9A6C8983A5BE}" type="datetimeFigureOut">
               <a:rPr lang="en-US" smtClean="0"/>
-              <a:t>10/3/13</a:t>
+              <a:t>9/6/16</a:t>
             </a:fld>
             <a:endParaRPr lang="en-US"/>
           </a:p>
@@ -3764,6 +3780,10 @@
               <a:rPr lang="en-US" dirty="0" err="1" smtClean="0"/>
               <a:t>knitr</a:t>
             </a:r>
+            <a:r>
+              <a:rPr lang="en-US" dirty="0" smtClean="0"/>
+              <a:t> and R Markdown</a:t>
+            </a:r>
             <a:endParaRPr lang="en-US" dirty="0"/>
           </a:p>
         </p:txBody>
@@ -4103,34 +4123,55 @@
           <a:lstStyle/>
           <a:p>
             <a:r>
-              <a:rPr lang="en-US" smtClean="0"/>
+              <a:rPr lang="en-US" dirty="0" smtClean="0"/>
               <a:t>A recent version of R</a:t>
             </a:r>
           </a:p>
           <a:p>
             <a:r>
-              <a:rPr lang="en-US" smtClean="0"/>
-              <a:t>A text editor (the one that comes with RStudio is okay)</a:t>
-            </a:r>
-          </a:p>
-          <a:p>
-            <a:r>
-              <a:rPr lang="en-US" smtClean="0"/>
+              <a:rPr lang="en-US" dirty="0" smtClean="0"/>
+              <a:t>A text editor (the one that comes with </a:t>
+            </a:r>
+            <a:r>
+              <a:rPr lang="en-US" dirty="0" err="1" smtClean="0"/>
+              <a:t>RStudio</a:t>
+            </a:r>
+            <a:r>
+              <a:rPr lang="en-US" dirty="0" smtClean="0"/>
+              <a:t> is </a:t>
+            </a:r>
+            <a:r>
+              <a:rPr lang="en-US" dirty="0" smtClean="0"/>
+              <a:t>good)</a:t>
+            </a:r>
+            <a:endParaRPr lang="en-US" dirty="0" smtClean="0"/>
+          </a:p>
+          <a:p>
+            <a:r>
+              <a:rPr lang="en-US" dirty="0" smtClean="0"/>
               <a:t>Some support packages also available on CRAN</a:t>
             </a:r>
           </a:p>
           <a:p>
             <a:r>
-              <a:rPr lang="en-US" smtClean="0"/>
-              <a:t>Some knowledge of Markdown, LaTeX, or HTML</a:t>
-            </a:r>
-          </a:p>
-          <a:p>
-            <a:r>
-              <a:rPr lang="en-US" smtClean="0"/>
+              <a:rPr lang="en-US" dirty="0" smtClean="0"/>
+              <a:t>Some knowledge of Markdown, </a:t>
+            </a:r>
+            <a:r>
+              <a:rPr lang="en-US" dirty="0" err="1" smtClean="0"/>
+              <a:t>LaTeX</a:t>
+            </a:r>
+            <a:r>
+              <a:rPr lang="en-US" dirty="0" smtClean="0"/>
+              <a:t>, or HTML</a:t>
+            </a:r>
+          </a:p>
+          <a:p>
+            <a:r>
+              <a:rPr lang="en-US" dirty="0" smtClean="0"/>
               <a:t>We will use Markdown here</a:t>
             </a:r>
-            <a:endParaRPr lang="en-US"/>
+            <a:endParaRPr lang="en-US" dirty="0"/>
           </a:p>
         </p:txBody>
       </p:sp>
@@ -4442,7 +4483,7 @@
   <p:timing>
     <p:tnLst>
       <p:par>
-        <p:cTn xmlns:p14="http://schemas.microsoft.com/office/powerpoint/2010/main" id="1" dur="indefinite" restart="never" nodeType="tmRoot"/>
+        <p:cTn id="1" dur="indefinite" restart="never" nodeType="tmRoot"/>
       </p:par>
     </p:tnLst>
   </p:timing>
@@ -4466,32 +4507,9 @@
           <a:chExt cx="0" cy="0"/>
         </a:xfrm>
       </p:grpSpPr>
-      <p:sp>
-        <p:nvSpPr>
-          <p:cNvPr id="4" name="Title 3"/>
-          <p:cNvSpPr>
-            <a:spLocks noGrp="1"/>
-          </p:cNvSpPr>
-          <p:nvPr>
-            <p:ph type="title"/>
-          </p:nvPr>
-        </p:nvSpPr>
-        <p:spPr/>
-        <p:txBody>
-          <a:bodyPr/>
-          <a:lstStyle/>
-          <a:p>
-            <a:r>
-              <a:rPr lang="en-US" smtClean="0"/>
-              <a:t>My First knitr Document</a:t>
-            </a:r>
-            <a:endParaRPr lang="en-US"/>
-          </a:p>
-        </p:txBody>
-      </p:sp>
       <p:pic>
         <p:nvPicPr>
-          <p:cNvPr id="5" name="Picture 4" descr="Screen Shot 2013-09-04 at 4.29.23 PM.png"/>
+          <p:cNvPr id="2" name="Picture 1"/>
           <p:cNvPicPr>
             <a:picLocks noChangeAspect="1"/>
           </p:cNvPicPr>
@@ -4511,14 +4529,37 @@
         </p:blipFill>
         <p:spPr>
           <a:xfrm>
-            <a:off x="2157696" y="1186539"/>
-            <a:ext cx="6127851" cy="3842890"/>
+            <a:off x="2201481" y="977647"/>
+            <a:ext cx="5669900" cy="3783654"/>
           </a:xfrm>
           <a:prstGeom prst="rect">
             <a:avLst/>
           </a:prstGeom>
         </p:spPr>
       </p:pic>
+      <p:sp>
+        <p:nvSpPr>
+          <p:cNvPr id="4" name="Title 3"/>
+          <p:cNvSpPr>
+            <a:spLocks noGrp="1"/>
+          </p:cNvSpPr>
+          <p:nvPr>
+            <p:ph type="title"/>
+          </p:nvPr>
+        </p:nvSpPr>
+        <p:spPr/>
+        <p:txBody>
+          <a:bodyPr/>
+          <a:lstStyle/>
+          <a:p>
+            <a:r>
+              <a:rPr lang="en-US" smtClean="0"/>
+              <a:t>My First knitr Document</a:t>
+            </a:r>
+            <a:endParaRPr lang="en-US"/>
+          </a:p>
+        </p:txBody>
+      </p:sp>
       <p:sp>
         <p:nvSpPr>
           <p:cNvPr id="6" name="Rounded Rectangle 5"/>
@@ -4612,9 +4653,9 @@
           <p:nvPr/>
         </p:nvCxnSpPr>
         <p:spPr>
-          <a:xfrm flipH="1">
-            <a:off x="4056465" y="3617365"/>
-            <a:ext cx="2741633" cy="81886"/>
+          <a:xfrm flipH="1" flipV="1">
+            <a:off x="3751868" y="2092751"/>
+            <a:ext cx="3046230" cy="1524614"/>
           </a:xfrm>
           <a:prstGeom prst="straightConnector1">
             <a:avLst/>
@@ -4648,8 +4689,8 @@
         </p:nvCxnSpPr>
         <p:spPr>
           <a:xfrm flipV="1">
-            <a:off x="912397" y="1627671"/>
-            <a:ext cx="1343935" cy="863158"/>
+            <a:off x="912397" y="1131216"/>
+            <a:ext cx="1289084" cy="1359613"/>
           </a:xfrm>
           <a:prstGeom prst="straightConnector1">
             <a:avLst/>
@@ -4686,7 +4727,7 @@
   <p:timing>
     <p:tnLst>
       <p:par>
-        <p:cTn xmlns:p14="http://schemas.microsoft.com/office/powerpoint/2010/main" id="1" dur="indefinite" restart="never" nodeType="tmRoot">
+        <p:cTn id="1" dur="indefinite" restart="never" nodeType="tmRoot">
           <p:childTnLst>
             <p:seq concurrent="1" nextAc="seek">
               <p:cTn id="2" dur="indefinite" nodeType="mainSeq">
@@ -5101,7 +5142,7 @@
   <p:timing>
     <p:tnLst>
       <p:par>
-        <p:cTn xmlns:p14="http://schemas.microsoft.com/office/powerpoint/2010/main" id="1" dur="indefinite" restart="never" nodeType="tmRoot">
+        <p:cTn id="1" dur="indefinite" restart="never" nodeType="tmRoot">
           <p:childTnLst>
             <p:seq concurrent="1" nextAc="seek">
               <p:cTn id="2" dur="indefinite" nodeType="mainSeq">
@@ -5296,32 +5337,9 @@
           <a:chExt cx="0" cy="0"/>
         </a:xfrm>
       </p:grpSpPr>
-      <p:sp>
-        <p:nvSpPr>
-          <p:cNvPr id="2" name="Title 1"/>
-          <p:cNvSpPr>
-            <a:spLocks noGrp="1"/>
-          </p:cNvSpPr>
-          <p:nvPr>
-            <p:ph type="title"/>
-          </p:nvPr>
-        </p:nvSpPr>
-        <p:spPr/>
-        <p:txBody>
-          <a:bodyPr/>
-          <a:lstStyle/>
-          <a:p>
-            <a:r>
-              <a:rPr lang="en-US" smtClean="0"/>
-              <a:t>Processing a knitr Document</a:t>
-            </a:r>
-            <a:endParaRPr lang="en-US"/>
-          </a:p>
-        </p:txBody>
-      </p:sp>
       <p:pic>
         <p:nvPicPr>
-          <p:cNvPr id="3" name="Picture 2" descr="Screen Shot 2013-09-04 at 4.09.06 PM.png"/>
+          <p:cNvPr id="5" name="Picture 4"/>
           <p:cNvPicPr>
             <a:picLocks noChangeAspect="1"/>
           </p:cNvPicPr>
@@ -5341,8 +5359,8 @@
         </p:blipFill>
         <p:spPr>
           <a:xfrm>
-            <a:off x="228600" y="1281740"/>
-            <a:ext cx="8674702" cy="3467341"/>
+            <a:off x="954464" y="1279019"/>
+            <a:ext cx="7235072" cy="3713178"/>
           </a:xfrm>
           <a:prstGeom prst="rect">
             <a:avLst/>
@@ -5351,13 +5369,36 @@
       </p:pic>
       <p:sp>
         <p:nvSpPr>
+          <p:cNvPr id="2" name="Title 1"/>
+          <p:cNvSpPr>
+            <a:spLocks noGrp="1"/>
+          </p:cNvSpPr>
+          <p:nvPr>
+            <p:ph type="title"/>
+          </p:nvPr>
+        </p:nvSpPr>
+        <p:spPr/>
+        <p:txBody>
+          <a:bodyPr/>
+          <a:lstStyle/>
+          <a:p>
+            <a:r>
+              <a:rPr lang="en-US" smtClean="0"/>
+              <a:t>Processing a knitr Document</a:t>
+            </a:r>
+            <a:endParaRPr lang="en-US"/>
+          </a:p>
+        </p:txBody>
+      </p:sp>
+      <p:sp>
+        <p:nvSpPr>
           <p:cNvPr id="4" name="Rectangle 3"/>
           <p:cNvSpPr/>
           <p:nvPr/>
         </p:nvSpPr>
         <p:spPr>
           <a:xfrm>
-            <a:off x="4845565" y="1504362"/>
+            <a:off x="4883272" y="922353"/>
             <a:ext cx="1516551" cy="431579"/>
           </a:xfrm>
           <a:prstGeom prst="rect">
@@ -5401,7 +5442,7 @@
         </p:nvCxnSpPr>
         <p:spPr>
           <a:xfrm flipH="1">
-            <a:off x="3612597" y="1720152"/>
+            <a:off x="3650304" y="1138143"/>
             <a:ext cx="1232968" cy="450075"/>
           </a:xfrm>
           <a:prstGeom prst="straightConnector1">
@@ -5439,7 +5480,7 @@
   <p:timing>
     <p:tnLst>
       <p:par>
-        <p:cTn xmlns:p14="http://schemas.microsoft.com/office/powerpoint/2010/main" id="1" dur="indefinite" restart="never" nodeType="tmRoot">
+        <p:cTn id="1" dur="indefinite" restart="never" nodeType="tmRoot">
           <p:childTnLst>
             <p:seq concurrent="1" nextAc="seek">
               <p:cTn id="2" dur="indefinite" nodeType="mainSeq">
@@ -5603,24 +5644,52 @@
               <a:buNone/>
             </a:pPr>
             <a:r>
-              <a:rPr lang="en-US" smtClean="0">
+              <a:rPr lang="en-US" dirty="0" smtClean="0">
                 <a:latin typeface="Courier"/>
                 <a:cs typeface="Courier"/>
               </a:rPr>
-              <a:t>library(knitr)</a:t>
+              <a:t>library(</a:t>
+            </a:r>
+            <a:r>
+              <a:rPr lang="en-US" dirty="0" err="1" smtClean="0">
+                <a:latin typeface="Courier"/>
+                <a:cs typeface="Courier"/>
+              </a:rPr>
+              <a:t>rmarkdown</a:t>
+            </a:r>
+            <a:r>
+              <a:rPr lang="en-US" dirty="0" smtClean="0">
+                <a:latin typeface="Courier"/>
+                <a:cs typeface="Courier"/>
+              </a:rPr>
+              <a:t>)</a:t>
+            </a:r>
+            <a:r>
+              <a:rPr lang="en-US" dirty="0" smtClean="0">
+                <a:latin typeface="Courier"/>
+                <a:cs typeface="Courier"/>
+              </a:rPr>
+              <a:t/>
             </a:r>
             <a:br>
-              <a:rPr lang="en-US" smtClean="0">
+              <a:rPr lang="en-US" dirty="0" smtClean="0">
                 <a:latin typeface="Courier"/>
                 <a:cs typeface="Courier"/>
               </a:rPr>
             </a:br>
             <a:r>
-              <a:rPr lang="en-US" smtClean="0">
+              <a:rPr lang="en-US" dirty="0" err="1" smtClean="0">
                 <a:latin typeface="Courier"/>
                 <a:cs typeface="Courier"/>
               </a:rPr>
-              <a:t>setwd(&lt;working directory&gt;)</a:t>
+              <a:t>setwd</a:t>
+            </a:r>
+            <a:r>
+              <a:rPr lang="en-US" dirty="0" smtClean="0">
+                <a:latin typeface="Courier"/>
+                <a:cs typeface="Courier"/>
+              </a:rPr>
+              <a:t>(&lt;working directory&gt;)</a:t>
             </a:r>
           </a:p>
           <a:p>
@@ -5628,11 +5697,32 @@
               <a:buNone/>
             </a:pPr>
             <a:r>
-              <a:rPr lang="en-US" smtClean="0">
+              <a:rPr lang="en-US" dirty="0" smtClean="0">
                 <a:latin typeface="Courier"/>
                 <a:cs typeface="Courier"/>
               </a:rPr>
-              <a:t>knit2html(“document.Rmd”)</a:t>
+              <a:t>render</a:t>
+            </a:r>
+            <a:r>
+              <a:rPr lang="en-US" dirty="0" smtClean="0">
+                <a:latin typeface="Courier"/>
+                <a:cs typeface="Courier"/>
+              </a:rPr>
+              <a:t>(“</a:t>
+            </a:r>
+            <a:r>
+              <a:rPr lang="en-US" dirty="0" err="1" smtClean="0">
+                <a:latin typeface="Courier"/>
+                <a:cs typeface="Courier"/>
+              </a:rPr>
+              <a:t>document.Rmd</a:t>
+            </a:r>
+            <a:r>
+              <a:rPr lang="en-US" dirty="0" smtClean="0">
+                <a:latin typeface="Courier"/>
+                <a:cs typeface="Courier"/>
+              </a:rPr>
+              <a:t>”)</a:t>
             </a:r>
           </a:p>
           <a:p>
@@ -5640,13 +5730,34 @@
               <a:buNone/>
             </a:pPr>
             <a:r>
-              <a:rPr lang="en-US" smtClean="0">
+              <a:rPr lang="en-US" dirty="0" err="1" smtClean="0">
                 <a:latin typeface="Courier"/>
                 <a:cs typeface="Courier"/>
               </a:rPr>
-              <a:t>browseURL(“document.html”)</a:t>
-            </a:r>
-            <a:endParaRPr lang="en-US">
+              <a:t>browseURL</a:t>
+            </a:r>
+            <a:r>
+              <a:rPr lang="en-US" dirty="0" smtClean="0">
+                <a:latin typeface="Courier"/>
+                <a:cs typeface="Courier"/>
+              </a:rPr>
+              <a:t>(“</a:t>
+            </a:r>
+            <a:r>
+              <a:rPr lang="en-US" dirty="0" err="1" smtClean="0">
+                <a:latin typeface="Courier"/>
+                <a:cs typeface="Courier"/>
+              </a:rPr>
+              <a:t>document.html</a:t>
+            </a:r>
+            <a:r>
+              <a:rPr lang="en-US" dirty="0" smtClean="0">
+                <a:latin typeface="Courier"/>
+                <a:cs typeface="Courier"/>
+              </a:rPr>
+              <a:t>”)</a:t>
+            </a:r>
+            <a:endParaRPr lang="en-US" dirty="0">
               <a:latin typeface="Courier"/>
               <a:cs typeface="Courier"/>
             </a:endParaRPr>
@@ -5666,7 +5777,7 @@
   <p:timing>
     <p:tnLst>
       <p:par>
-        <p:cTn xmlns:p14="http://schemas.microsoft.com/office/powerpoint/2010/main" id="1" dur="indefinite" restart="never" nodeType="tmRoot"/>
+        <p:cTn id="1" dur="indefinite" restart="never" nodeType="tmRoot"/>
       </p:par>
     </p:tnLst>
   </p:timing>
@@ -5936,7 +6047,7 @@
   <p:timing>
     <p:tnLst>
       <p:par>
-        <p:cTn xmlns:p14="http://schemas.microsoft.com/office/powerpoint/2010/main" id="1" dur="indefinite" restart="never" nodeType="tmRoot">
+        <p:cTn id="1" dur="indefinite" restart="never" nodeType="tmRoot">
           <p:childTnLst>
             <p:seq concurrent="1" nextAc="seek">
               <p:cTn id="2" dur="indefinite" nodeType="mainSeq">
@@ -6404,7 +6515,7 @@
   <p:timing>
     <p:tnLst>
       <p:par>
-        <p:cTn xmlns:p14="http://schemas.microsoft.com/office/powerpoint/2010/main" id="1" dur="indefinite" restart="never" nodeType="tmRoot">
+        <p:cTn id="1" dur="indefinite" restart="never" nodeType="tmRoot">
           <p:childTnLst>
             <p:seq concurrent="1" nextAc="seek">
               <p:cTn id="2" dur="indefinite" nodeType="mainSeq">
@@ -6777,7 +6888,7 @@
   <p:timing>
     <p:tnLst>
       <p:par>
-        <p:cTn xmlns:p14="http://schemas.microsoft.com/office/powerpoint/2010/main" id="1" dur="indefinite" restart="never" nodeType="tmRoot"/>
+        <p:cTn id="1" dur="indefinite" restart="never" nodeType="tmRoot"/>
       </p:par>
     </p:tnLst>
   </p:timing>
@@ -6911,7 +7022,7 @@
   <p:timing>
     <p:tnLst>
       <p:par>
-        <p:cTn xmlns:p14="http://schemas.microsoft.com/office/powerpoint/2010/main" id="1" dur="indefinite" restart="never" nodeType="tmRoot"/>
+        <p:cTn id="1" dur="indefinite" restart="never" nodeType="tmRoot"/>
       </p:par>
     </p:tnLst>
   </p:timing>
@@ -7232,7 +7343,7 @@
   <p:timing>
     <p:tnLst>
       <p:par>
-        <p:cTn xmlns:p14="http://schemas.microsoft.com/office/powerpoint/2010/main" id="1" dur="indefinite" restart="never" nodeType="tmRoot">
+        <p:cTn id="1" dur="indefinite" restart="never" nodeType="tmRoot">
           <p:childTnLst>
             <p:seq concurrent="1" nextAc="seek">
               <p:cTn id="2" dur="indefinite" nodeType="mainSeq">
@@ -7566,7 +7677,7 @@
   <p:timing>
     <p:tnLst>
       <p:par>
-        <p:cTn xmlns:p14="http://schemas.microsoft.com/office/powerpoint/2010/main" id="1" dur="indefinite" restart="never" nodeType="tmRoot"/>
+        <p:cTn id="1" dur="indefinite" restart="never" nodeType="tmRoot"/>
       </p:par>
     </p:tnLst>
   </p:timing>
@@ -7656,7 +7767,7 @@
   <p:timing>
     <p:tnLst>
       <p:par>
-        <p:cTn xmlns:p14="http://schemas.microsoft.com/office/powerpoint/2010/main" id="1" dur="indefinite" restart="never" nodeType="tmRoot"/>
+        <p:cTn id="1" dur="indefinite" restart="never" nodeType="tmRoot"/>
       </p:par>
     </p:tnLst>
   </p:timing>
@@ -7743,6 +7854,13 @@
   <p:clrMapOvr>
     <a:masterClrMapping/>
   </p:clrMapOvr>
+  <p:timing>
+    <p:tnLst>
+      <p:par>
+        <p:cTn id="1" dur="indefinite" restart="never" nodeType="tmRoot"/>
+      </p:par>
+    </p:tnLst>
+  </p:timing>
 </p:sld>
 </file>
 
@@ -7826,6 +7944,13 @@
   <p:clrMapOvr>
     <a:masterClrMapping/>
   </p:clrMapOvr>
+  <p:timing>
+    <p:tnLst>
+      <p:par>
+        <p:cTn id="1" dur="indefinite" restart="never" nodeType="tmRoot"/>
+      </p:par>
+    </p:tnLst>
+  </p:timing>
 </p:sld>
 </file>
 
@@ -7909,6 +8034,13 @@
   <p:clrMapOvr>
     <a:masterClrMapping/>
   </p:clrMapOvr>
+  <p:timing>
+    <p:tnLst>
+      <p:par>
+        <p:cTn id="1" dur="indefinite" restart="never" nodeType="tmRoot"/>
+      </p:par>
+    </p:tnLst>
+  </p:timing>
 </p:sld>
 </file>
 
@@ -8072,7 +8204,7 @@
       </p:grpSpPr>
       <p:pic>
         <p:nvPicPr>
-          <p:cNvPr id="8" name="Picture 7" descr="Screen Shot 2013-09-04 at 4.51.20 PM.png"/>
+          <p:cNvPr id="3" name="Picture 2"/>
           <p:cNvPicPr>
             <a:picLocks noChangeAspect="1"/>
           </p:cNvPicPr>
@@ -8092,8 +8224,8 @@
         </p:blipFill>
         <p:spPr>
           <a:xfrm>
-            <a:off x="1205272" y="1344062"/>
-            <a:ext cx="6679762" cy="3366318"/>
+            <a:off x="812202" y="1197204"/>
+            <a:ext cx="7519595" cy="3365205"/>
           </a:xfrm>
           <a:prstGeom prst="rect">
             <a:avLst/>
@@ -8131,7 +8263,7 @@
         </p:nvSpPr>
         <p:spPr>
           <a:xfrm>
-            <a:off x="5844269" y="4562409"/>
+            <a:off x="5844269" y="4430500"/>
             <a:ext cx="2354969" cy="531767"/>
           </a:xfrm>
           <a:prstGeom prst="roundRect">
@@ -8175,7 +8307,7 @@
         </p:nvCxnSpPr>
         <p:spPr>
           <a:xfrm flipH="1" flipV="1">
-            <a:off x="4204421" y="3785567"/>
+            <a:off x="4204421" y="3653658"/>
             <a:ext cx="1639848" cy="1042726"/>
           </a:xfrm>
           <a:prstGeom prst="straightConnector1">
@@ -8213,7 +8345,7 @@
   <p:timing>
     <p:tnLst>
       <p:par>
-        <p:cTn xmlns:p14="http://schemas.microsoft.com/office/powerpoint/2010/main" id="1" dur="indefinite" restart="never" nodeType="tmRoot">
+        <p:cTn id="1" dur="indefinite" restart="never" nodeType="tmRoot">
           <p:childTnLst>
             <p:seq concurrent="1" nextAc="seek">
               <p:cTn id="2" dur="indefinite" nodeType="mainSeq">
@@ -8475,6 +8607,13 @@
   <p:clrMapOvr>
     <a:masterClrMapping/>
   </p:clrMapOvr>
+  <p:timing>
+    <p:tnLst>
+      <p:par>
+        <p:cTn id="1" dur="indefinite" restart="never" nodeType="tmRoot"/>
+      </p:par>
+    </p:tnLst>
+  </p:timing>
 </p:sld>
 </file>
 
@@ -8520,7 +8659,7 @@
       </p:sp>
       <p:pic>
         <p:nvPicPr>
-          <p:cNvPr id="4" name="Picture 3" descr="Screen Shot 2013-09-04 at 4.50.43 PM.png"/>
+          <p:cNvPr id="3" name="Picture 2"/>
           <p:cNvPicPr>
             <a:picLocks noChangeAspect="1"/>
           </p:cNvPicPr>
@@ -8540,8 +8679,8 @@
         </p:blipFill>
         <p:spPr>
           <a:xfrm>
-            <a:off x="1331608" y="1112056"/>
-            <a:ext cx="6479589" cy="3895803"/>
+            <a:off x="2354868" y="1058332"/>
+            <a:ext cx="4434264" cy="4085168"/>
           </a:xfrm>
           <a:prstGeom prst="rect">
             <a:avLst/>
@@ -8561,7 +8700,7 @@
   <p:timing>
     <p:tnLst>
       <p:par>
-        <p:cTn xmlns:p14="http://schemas.microsoft.com/office/powerpoint/2010/main" id="1" dur="indefinite" restart="never" nodeType="tmRoot"/>
+        <p:cTn id="1" dur="indefinite" restart="never" nodeType="tmRoot"/>
       </p:par>
     </p:tnLst>
   </p:timing>
@@ -8648,6 +8787,13 @@
   <p:clrMapOvr>
     <a:masterClrMapping/>
   </p:clrMapOvr>
+  <p:timing>
+    <p:tnLst>
+      <p:par>
+        <p:cTn id="1" dur="indefinite" restart="never" nodeType="tmRoot"/>
+      </p:par>
+    </p:tnLst>
+  </p:timing>
 </p:sld>
 </file>
 
@@ -8849,32 +8995,9 @@
           <a:chExt cx="0" cy="0"/>
         </a:xfrm>
       </p:grpSpPr>
-      <p:sp>
-        <p:nvSpPr>
-          <p:cNvPr id="2" name="Title 1"/>
-          <p:cNvSpPr>
-            <a:spLocks noGrp="1"/>
-          </p:cNvSpPr>
-          <p:nvPr>
-            <p:ph type="title"/>
-          </p:nvPr>
-        </p:nvSpPr>
-        <p:spPr/>
-        <p:txBody>
-          <a:bodyPr/>
-          <a:lstStyle/>
-          <a:p>
-            <a:r>
-              <a:rPr lang="en-US" smtClean="0"/>
-              <a:t>Setting Global Options</a:t>
-            </a:r>
-            <a:endParaRPr lang="en-US"/>
-          </a:p>
-        </p:txBody>
-      </p:sp>
       <p:pic>
         <p:nvPicPr>
-          <p:cNvPr id="4" name="Picture 3" descr="Screen Shot 2013-09-04 at 5.16.22 PM.png"/>
+          <p:cNvPr id="6" name="Picture 5"/>
           <p:cNvPicPr>
             <a:picLocks noChangeAspect="1"/>
           </p:cNvPicPr>
@@ -8894,14 +9017,37 @@
         </p:blipFill>
         <p:spPr>
           <a:xfrm>
-            <a:off x="457200" y="1063229"/>
-            <a:ext cx="6649035" cy="3983222"/>
+            <a:off x="316286" y="1063229"/>
+            <a:ext cx="6489700" cy="3937000"/>
           </a:xfrm>
           <a:prstGeom prst="rect">
             <a:avLst/>
           </a:prstGeom>
         </p:spPr>
       </p:pic>
+      <p:sp>
+        <p:nvSpPr>
+          <p:cNvPr id="2" name="Title 1"/>
+          <p:cNvSpPr>
+            <a:spLocks noGrp="1"/>
+          </p:cNvSpPr>
+          <p:nvPr>
+            <p:ph type="title"/>
+          </p:nvPr>
+        </p:nvSpPr>
+        <p:spPr/>
+        <p:txBody>
+          <a:bodyPr/>
+          <a:lstStyle/>
+          <a:p>
+            <a:r>
+              <a:rPr lang="en-US" smtClean="0"/>
+              <a:t>Setting Global Options</a:t>
+            </a:r>
+            <a:endParaRPr lang="en-US"/>
+          </a:p>
+        </p:txBody>
+      </p:sp>
       <p:sp>
         <p:nvSpPr>
           <p:cNvPr id="5" name="Rounded Rectangle 4"/>
@@ -9111,7 +9257,7 @@
   <p:timing>
     <p:tnLst>
       <p:par>
-        <p:cTn xmlns:p14="http://schemas.microsoft.com/office/powerpoint/2010/main" id="1" dur="indefinite" restart="never" nodeType="tmRoot">
+        <p:cTn id="1" dur="indefinite" restart="never" nodeType="tmRoot">
           <p:childTnLst>
             <p:seq concurrent="1" nextAc="seek">
               <p:cTn id="2" dur="indefinite" nodeType="mainSeq">
@@ -9377,7 +9523,7 @@
       </p:sp>
       <p:pic>
         <p:nvPicPr>
-          <p:cNvPr id="3" name="Picture 2" descr="Screen Shot 2013-09-04 at 5.16.56 PM.png"/>
+          <p:cNvPr id="4" name="Picture 3"/>
           <p:cNvPicPr>
             <a:picLocks noChangeAspect="1"/>
           </p:cNvPicPr>
@@ -9397,8 +9543,8 @@
         </p:blipFill>
         <p:spPr>
           <a:xfrm>
-            <a:off x="457200" y="1040960"/>
-            <a:ext cx="6852088" cy="4053216"/>
+            <a:off x="2043456" y="1018204"/>
+            <a:ext cx="5057088" cy="4125296"/>
           </a:xfrm>
           <a:prstGeom prst="rect">
             <a:avLst/>
@@ -9418,7 +9564,7 @@
   <p:timing>
     <p:tnLst>
       <p:par>
-        <p:cTn xmlns:p14="http://schemas.microsoft.com/office/powerpoint/2010/main" id="1" dur="indefinite" restart="never" nodeType="tmRoot"/>
+        <p:cTn id="1" dur="indefinite" restart="never" nodeType="tmRoot"/>
       </p:par>
     </p:tnLst>
   </p:timing>
@@ -9535,7 +9681,7 @@
   <p:timing>
     <p:tnLst>
       <p:par>
-        <p:cTn xmlns:p14="http://schemas.microsoft.com/office/powerpoint/2010/main" id="1" dur="indefinite" restart="never" nodeType="tmRoot"/>
+        <p:cTn id="1" dur="indefinite" restart="never" nodeType="tmRoot"/>
       </p:par>
     </p:tnLst>
   </p:timing>
@@ -9892,7 +10038,7 @@
   <p:timing>
     <p:tnLst>
       <p:par>
-        <p:cTn xmlns:p14="http://schemas.microsoft.com/office/powerpoint/2010/main" id="1" dur="indefinite" restart="never" nodeType="tmRoot"/>
+        <p:cTn id="1" dur="indefinite" restart="never" nodeType="tmRoot"/>
       </p:par>
     </p:tnLst>
   </p:timing>
@@ -10196,7 +10342,7 @@
   <p:timing>
     <p:tnLst>
       <p:par>
-        <p:cTn xmlns:p14="http://schemas.microsoft.com/office/powerpoint/2010/main" id="1" dur="indefinite" restart="never" nodeType="tmRoot"/>
+        <p:cTn id="1" dur="indefinite" restart="never" nodeType="tmRoot"/>
       </p:par>
     </p:tnLst>
   </p:timing>
@@ -10367,7 +10513,7 @@
   <p:timing>
     <p:tnLst>
       <p:par>
-        <p:cTn xmlns:p14="http://schemas.microsoft.com/office/powerpoint/2010/main" id="1" dur="indefinite" restart="never" nodeType="tmRoot"/>
+        <p:cTn id="1" dur="indefinite" restart="never" nodeType="tmRoot"/>
       </p:par>
     </p:tnLst>
   </p:timing>

--- a/notes/knitr.pptx
+++ b/notes/knitr.pptx
@@ -5,50 +5,39 @@
     <p:sldMasterId id="2147483648" r:id="rId1"/>
   </p:sldMasterIdLst>
   <p:notesMasterIdLst>
-    <p:notesMasterId r:id="rId43"/>
+    <p:notesMasterId r:id="rId32"/>
   </p:notesMasterIdLst>
   <p:sldIdLst>
     <p:sldId id="256" r:id="rId2"/>
-    <p:sldId id="260" r:id="rId3"/>
-    <p:sldId id="261" r:id="rId4"/>
-    <p:sldId id="296" r:id="rId5"/>
-    <p:sldId id="297" r:id="rId6"/>
-    <p:sldId id="298" r:id="rId7"/>
-    <p:sldId id="262" r:id="rId8"/>
-    <p:sldId id="263" r:id="rId9"/>
-    <p:sldId id="264" r:id="rId10"/>
-    <p:sldId id="265" r:id="rId11"/>
-    <p:sldId id="258" r:id="rId12"/>
-    <p:sldId id="259" r:id="rId13"/>
-    <p:sldId id="269" r:id="rId14"/>
-    <p:sldId id="266" r:id="rId15"/>
-    <p:sldId id="267" r:id="rId16"/>
-    <p:sldId id="276" r:id="rId17"/>
-    <p:sldId id="268" r:id="rId18"/>
-    <p:sldId id="270" r:id="rId19"/>
-    <p:sldId id="271" r:id="rId20"/>
-    <p:sldId id="272" r:id="rId21"/>
-    <p:sldId id="273" r:id="rId22"/>
-    <p:sldId id="274" r:id="rId23"/>
-    <p:sldId id="275" r:id="rId24"/>
-    <p:sldId id="277" r:id="rId25"/>
-    <p:sldId id="278" r:id="rId26"/>
-    <p:sldId id="279" r:id="rId27"/>
-    <p:sldId id="280" r:id="rId28"/>
-    <p:sldId id="281" r:id="rId29"/>
-    <p:sldId id="282" r:id="rId30"/>
-    <p:sldId id="283" r:id="rId31"/>
-    <p:sldId id="285" r:id="rId32"/>
-    <p:sldId id="284" r:id="rId33"/>
-    <p:sldId id="286" r:id="rId34"/>
-    <p:sldId id="287" r:id="rId35"/>
-    <p:sldId id="288" r:id="rId36"/>
-    <p:sldId id="289" r:id="rId37"/>
-    <p:sldId id="290" r:id="rId38"/>
-    <p:sldId id="291" r:id="rId39"/>
-    <p:sldId id="292" r:id="rId40"/>
-    <p:sldId id="293" r:id="rId41"/>
-    <p:sldId id="294" r:id="rId42"/>
+    <p:sldId id="258" r:id="rId3"/>
+    <p:sldId id="266" r:id="rId4"/>
+    <p:sldId id="267" r:id="rId5"/>
+    <p:sldId id="276" r:id="rId6"/>
+    <p:sldId id="268" r:id="rId7"/>
+    <p:sldId id="270" r:id="rId8"/>
+    <p:sldId id="271" r:id="rId9"/>
+    <p:sldId id="272" r:id="rId10"/>
+    <p:sldId id="273" r:id="rId11"/>
+    <p:sldId id="274" r:id="rId12"/>
+    <p:sldId id="275" r:id="rId13"/>
+    <p:sldId id="277" r:id="rId14"/>
+    <p:sldId id="278" r:id="rId15"/>
+    <p:sldId id="279" r:id="rId16"/>
+    <p:sldId id="280" r:id="rId17"/>
+    <p:sldId id="281" r:id="rId18"/>
+    <p:sldId id="282" r:id="rId19"/>
+    <p:sldId id="283" r:id="rId20"/>
+    <p:sldId id="285" r:id="rId21"/>
+    <p:sldId id="284" r:id="rId22"/>
+    <p:sldId id="286" r:id="rId23"/>
+    <p:sldId id="287" r:id="rId24"/>
+    <p:sldId id="288" r:id="rId25"/>
+    <p:sldId id="289" r:id="rId26"/>
+    <p:sldId id="290" r:id="rId27"/>
+    <p:sldId id="291" r:id="rId28"/>
+    <p:sldId id="292" r:id="rId29"/>
+    <p:sldId id="293" r:id="rId30"/>
+    <p:sldId id="294" r:id="rId31"/>
   </p:sldIdLst>
   <p:sldSz cx="9144000" cy="5143500" type="screen16x9"/>
   <p:notesSz cx="6858000" cy="9144000"/>
@@ -247,7 +236,7 @@
           </a:lstStyle>
           <a:p>
             <a:fld id="{4D074C83-68D5-4B48-A61F-90A019AAA79E}" type="datetimeFigureOut">
-              <a:t>9/6/16</a:t>
+              <a:t>9/8/16</a:t>
             </a:fld>
             <a:endParaRPr lang="en-US"/>
           </a:p>
@@ -513,255 +502,6 @@
 </p:notesMaster>
 </file>
 
-<file path=ppt/notesSlides/notesSlide1.xml><?xml version="1.0" encoding="utf-8"?>
-<p:notes xmlns:a="http://schemas.openxmlformats.org/drawingml/2006/main" xmlns:r="http://schemas.openxmlformats.org/officeDocument/2006/relationships" xmlns:p="http://schemas.openxmlformats.org/presentationml/2006/main">
-  <p:cSld>
-    <p:spTree>
-      <p:nvGrpSpPr>
-        <p:cNvPr id="1" name=""/>
-        <p:cNvGrpSpPr/>
-        <p:nvPr/>
-      </p:nvGrpSpPr>
-      <p:grpSpPr>
-        <a:xfrm>
-          <a:off x="0" y="0"/>
-          <a:ext cx="0" cy="0"/>
-          <a:chOff x="0" y="0"/>
-          <a:chExt cx="0" cy="0"/>
-        </a:xfrm>
-      </p:grpSpPr>
-      <p:sp>
-        <p:nvSpPr>
-          <p:cNvPr id="2" name="Slide Image Placeholder 1"/>
-          <p:cNvSpPr>
-            <a:spLocks noGrp="1" noRot="1" noChangeAspect="1"/>
-          </p:cNvSpPr>
-          <p:nvPr>
-            <p:ph type="sldImg"/>
-          </p:nvPr>
-        </p:nvSpPr>
-        <p:spPr/>
-      </p:sp>
-      <p:sp>
-        <p:nvSpPr>
-          <p:cNvPr id="3" name="Notes Placeholder 2"/>
-          <p:cNvSpPr>
-            <a:spLocks noGrp="1"/>
-          </p:cNvSpPr>
-          <p:nvPr>
-            <p:ph type="body" idx="1"/>
-          </p:nvPr>
-        </p:nvSpPr>
-        <p:spPr/>
-        <p:txBody>
-          <a:bodyPr/>
-          <a:lstStyle/>
-          <a:p>
-            <a:endParaRPr lang="en-US"/>
-          </a:p>
-        </p:txBody>
-      </p:sp>
-      <p:sp>
-        <p:nvSpPr>
-          <p:cNvPr id="4" name="Slide Number Placeholder 3"/>
-          <p:cNvSpPr>
-            <a:spLocks noGrp="1"/>
-          </p:cNvSpPr>
-          <p:nvPr>
-            <p:ph type="sldNum" sz="quarter" idx="10"/>
-          </p:nvPr>
-        </p:nvSpPr>
-        <p:spPr/>
-        <p:txBody>
-          <a:bodyPr/>
-          <a:lstStyle/>
-          <a:p>
-            <a:fld id="{CB258EC7-C42A-2740-9A93-31EDE6B07C7D}" type="slidenum">
-              <a:t>4</a:t>
-            </a:fld>
-            <a:endParaRPr lang="en-US"/>
-          </a:p>
-        </p:txBody>
-      </p:sp>
-    </p:spTree>
-    <p:extLst>
-      <p:ext uri="{BB962C8B-B14F-4D97-AF65-F5344CB8AC3E}">
-        <p14:creationId xmlns:p14="http://schemas.microsoft.com/office/powerpoint/2010/main" val="3231823657"/>
-      </p:ext>
-    </p:extLst>
-  </p:cSld>
-  <p:clrMapOvr>
-    <a:masterClrMapping/>
-  </p:clrMapOvr>
-</p:notes>
-</file>
-
-<file path=ppt/notesSlides/notesSlide2.xml><?xml version="1.0" encoding="utf-8"?>
-<p:notes xmlns:a="http://schemas.openxmlformats.org/drawingml/2006/main" xmlns:r="http://schemas.openxmlformats.org/officeDocument/2006/relationships" xmlns:p="http://schemas.openxmlformats.org/presentationml/2006/main">
-  <p:cSld>
-    <p:spTree>
-      <p:nvGrpSpPr>
-        <p:cNvPr id="1" name=""/>
-        <p:cNvGrpSpPr/>
-        <p:nvPr/>
-      </p:nvGrpSpPr>
-      <p:grpSpPr>
-        <a:xfrm>
-          <a:off x="0" y="0"/>
-          <a:ext cx="0" cy="0"/>
-          <a:chOff x="0" y="0"/>
-          <a:chExt cx="0" cy="0"/>
-        </a:xfrm>
-      </p:grpSpPr>
-      <p:sp>
-        <p:nvSpPr>
-          <p:cNvPr id="2" name="Slide Image Placeholder 1"/>
-          <p:cNvSpPr>
-            <a:spLocks noGrp="1" noRot="1" noChangeAspect="1"/>
-          </p:cNvSpPr>
-          <p:nvPr>
-            <p:ph type="sldImg"/>
-          </p:nvPr>
-        </p:nvSpPr>
-        <p:spPr/>
-      </p:sp>
-      <p:sp>
-        <p:nvSpPr>
-          <p:cNvPr id="3" name="Notes Placeholder 2"/>
-          <p:cNvSpPr>
-            <a:spLocks noGrp="1"/>
-          </p:cNvSpPr>
-          <p:nvPr>
-            <p:ph type="body" idx="1"/>
-          </p:nvPr>
-        </p:nvSpPr>
-        <p:spPr/>
-        <p:txBody>
-          <a:bodyPr/>
-          <a:lstStyle/>
-          <a:p>
-            <a:endParaRPr lang="en-US"/>
-          </a:p>
-        </p:txBody>
-      </p:sp>
-      <p:sp>
-        <p:nvSpPr>
-          <p:cNvPr id="4" name="Slide Number Placeholder 3"/>
-          <p:cNvSpPr>
-            <a:spLocks noGrp="1"/>
-          </p:cNvSpPr>
-          <p:nvPr>
-            <p:ph type="sldNum" sz="quarter" idx="10"/>
-          </p:nvPr>
-        </p:nvSpPr>
-        <p:spPr/>
-        <p:txBody>
-          <a:bodyPr/>
-          <a:lstStyle/>
-          <a:p>
-            <a:fld id="{CB258EC7-C42A-2740-9A93-31EDE6B07C7D}" type="slidenum">
-              <a:t>5</a:t>
-            </a:fld>
-            <a:endParaRPr lang="en-US"/>
-          </a:p>
-        </p:txBody>
-      </p:sp>
-    </p:spTree>
-    <p:extLst>
-      <p:ext uri="{BB962C8B-B14F-4D97-AF65-F5344CB8AC3E}">
-        <p14:creationId xmlns:p14="http://schemas.microsoft.com/office/powerpoint/2010/main" val="1782662606"/>
-      </p:ext>
-    </p:extLst>
-  </p:cSld>
-  <p:clrMapOvr>
-    <a:masterClrMapping/>
-  </p:clrMapOvr>
-</p:notes>
-</file>
-
-<file path=ppt/notesSlides/notesSlide3.xml><?xml version="1.0" encoding="utf-8"?>
-<p:notes xmlns:a="http://schemas.openxmlformats.org/drawingml/2006/main" xmlns:r="http://schemas.openxmlformats.org/officeDocument/2006/relationships" xmlns:p="http://schemas.openxmlformats.org/presentationml/2006/main">
-  <p:cSld>
-    <p:spTree>
-      <p:nvGrpSpPr>
-        <p:cNvPr id="1" name=""/>
-        <p:cNvGrpSpPr/>
-        <p:nvPr/>
-      </p:nvGrpSpPr>
-      <p:grpSpPr>
-        <a:xfrm>
-          <a:off x="0" y="0"/>
-          <a:ext cx="0" cy="0"/>
-          <a:chOff x="0" y="0"/>
-          <a:chExt cx="0" cy="0"/>
-        </a:xfrm>
-      </p:grpSpPr>
-      <p:sp>
-        <p:nvSpPr>
-          <p:cNvPr id="2" name="Slide Image Placeholder 1"/>
-          <p:cNvSpPr>
-            <a:spLocks noGrp="1" noRot="1" noChangeAspect="1"/>
-          </p:cNvSpPr>
-          <p:nvPr>
-            <p:ph type="sldImg"/>
-          </p:nvPr>
-        </p:nvSpPr>
-        <p:spPr/>
-      </p:sp>
-      <p:sp>
-        <p:nvSpPr>
-          <p:cNvPr id="3" name="Notes Placeholder 2"/>
-          <p:cNvSpPr>
-            <a:spLocks noGrp="1"/>
-          </p:cNvSpPr>
-          <p:nvPr>
-            <p:ph type="body" idx="1"/>
-          </p:nvPr>
-        </p:nvSpPr>
-        <p:spPr/>
-        <p:txBody>
-          <a:bodyPr/>
-          <a:lstStyle/>
-          <a:p>
-            <a:endParaRPr lang="en-US"/>
-          </a:p>
-        </p:txBody>
-      </p:sp>
-      <p:sp>
-        <p:nvSpPr>
-          <p:cNvPr id="4" name="Slide Number Placeholder 3"/>
-          <p:cNvSpPr>
-            <a:spLocks noGrp="1"/>
-          </p:cNvSpPr>
-          <p:nvPr>
-            <p:ph type="sldNum" sz="quarter" idx="10"/>
-          </p:nvPr>
-        </p:nvSpPr>
-        <p:spPr/>
-        <p:txBody>
-          <a:bodyPr/>
-          <a:lstStyle/>
-          <a:p>
-            <a:fld id="{CB258EC7-C42A-2740-9A93-31EDE6B07C7D}" type="slidenum">
-              <a:t>6</a:t>
-            </a:fld>
-            <a:endParaRPr lang="en-US"/>
-          </a:p>
-        </p:txBody>
-      </p:sp>
-    </p:spTree>
-    <p:extLst>
-      <p:ext uri="{BB962C8B-B14F-4D97-AF65-F5344CB8AC3E}">
-        <p14:creationId xmlns:p14="http://schemas.microsoft.com/office/powerpoint/2010/main" val="2684228375"/>
-      </p:ext>
-    </p:extLst>
-  </p:cSld>
-  <p:clrMapOvr>
-    <a:masterClrMapping/>
-  </p:clrMapOvr>
-</p:notes>
-</file>
-
 <file path=ppt/slideLayouts/slideLayout1.xml><?xml version="1.0" encoding="utf-8"?>
 <p:sldLayout xmlns:a="http://schemas.openxmlformats.org/drawingml/2006/main" xmlns:r="http://schemas.openxmlformats.org/officeDocument/2006/relationships" xmlns:p="http://schemas.openxmlformats.org/presentationml/2006/main" type="title" preserve="1">
   <p:cSld name="Title Slide">
@@ -943,7 +683,7 @@
           <a:p>
             <a:fld id="{0E5D33D5-4C79-2644-97D0-9A6C8983A5BE}" type="datetimeFigureOut">
               <a:rPr lang="en-US" smtClean="0"/>
-              <a:t>9/6/16</a:t>
+              <a:t>9/8/16</a:t>
             </a:fld>
             <a:endParaRPr lang="en-US"/>
           </a:p>
@@ -1113,7 +853,7 @@
           <a:p>
             <a:fld id="{0E5D33D5-4C79-2644-97D0-9A6C8983A5BE}" type="datetimeFigureOut">
               <a:rPr lang="en-US" smtClean="0"/>
-              <a:t>9/6/16</a:t>
+              <a:t>9/8/16</a:t>
             </a:fld>
             <a:endParaRPr lang="en-US"/>
           </a:p>
@@ -1293,7 +1033,7 @@
           <a:p>
             <a:fld id="{0E5D33D5-4C79-2644-97D0-9A6C8983A5BE}" type="datetimeFigureOut">
               <a:rPr lang="en-US" smtClean="0"/>
-              <a:t>9/6/16</a:t>
+              <a:t>9/8/16</a:t>
             </a:fld>
             <a:endParaRPr lang="en-US"/>
           </a:p>
@@ -1463,7 +1203,7 @@
           <a:p>
             <a:fld id="{0E5D33D5-4C79-2644-97D0-9A6C8983A5BE}" type="datetimeFigureOut">
               <a:rPr lang="en-US" smtClean="0"/>
-              <a:t>9/6/16</a:t>
+              <a:t>9/8/16</a:t>
             </a:fld>
             <a:endParaRPr lang="en-US"/>
           </a:p>
@@ -1709,7 +1449,7 @@
           <a:p>
             <a:fld id="{0E5D33D5-4C79-2644-97D0-9A6C8983A5BE}" type="datetimeFigureOut">
               <a:rPr lang="en-US" smtClean="0"/>
-              <a:t>9/6/16</a:t>
+              <a:t>9/8/16</a:t>
             </a:fld>
             <a:endParaRPr lang="en-US"/>
           </a:p>
@@ -1997,7 +1737,7 @@
           <a:p>
             <a:fld id="{0E5D33D5-4C79-2644-97D0-9A6C8983A5BE}" type="datetimeFigureOut">
               <a:rPr lang="en-US" smtClean="0"/>
-              <a:t>9/6/16</a:t>
+              <a:t>9/8/16</a:t>
             </a:fld>
             <a:endParaRPr lang="en-US"/>
           </a:p>
@@ -2424,7 +2164,7 @@
           <a:p>
             <a:fld id="{0E5D33D5-4C79-2644-97D0-9A6C8983A5BE}" type="datetimeFigureOut">
               <a:rPr lang="en-US" smtClean="0"/>
-              <a:t>9/6/16</a:t>
+              <a:t>9/8/16</a:t>
             </a:fld>
             <a:endParaRPr lang="en-US"/>
           </a:p>
@@ -2542,7 +2282,7 @@
           <a:p>
             <a:fld id="{0E5D33D5-4C79-2644-97D0-9A6C8983A5BE}" type="datetimeFigureOut">
               <a:rPr lang="en-US" smtClean="0"/>
-              <a:t>9/6/16</a:t>
+              <a:t>9/8/16</a:t>
             </a:fld>
             <a:endParaRPr lang="en-US"/>
           </a:p>
@@ -2637,7 +2377,7 @@
           <a:p>
             <a:fld id="{0E5D33D5-4C79-2644-97D0-9A6C8983A5BE}" type="datetimeFigureOut">
               <a:rPr lang="en-US" smtClean="0"/>
-              <a:t>9/6/16</a:t>
+              <a:t>9/8/16</a:t>
             </a:fld>
             <a:endParaRPr lang="en-US"/>
           </a:p>
@@ -2914,7 +2654,7 @@
           <a:p>
             <a:fld id="{0E5D33D5-4C79-2644-97D0-9A6C8983A5BE}" type="datetimeFigureOut">
               <a:rPr lang="en-US" smtClean="0"/>
-              <a:t>9/6/16</a:t>
+              <a:t>9/8/16</a:t>
             </a:fld>
             <a:endParaRPr lang="en-US"/>
           </a:p>
@@ -3167,7 +2907,7 @@
           <a:p>
             <a:fld id="{0E5D33D5-4C79-2644-97D0-9A6C8983A5BE}" type="datetimeFigureOut">
               <a:rPr lang="en-US" smtClean="0"/>
-              <a:t>9/6/16</a:t>
+              <a:t>9/8/16</a:t>
             </a:fld>
             <a:endParaRPr lang="en-US"/>
           </a:p>
@@ -3380,7 +3120,7 @@
           <a:p>
             <a:fld id="{0E5D33D5-4C79-2644-97D0-9A6C8983A5BE}" type="datetimeFigureOut">
               <a:rPr lang="en-US" smtClean="0"/>
-              <a:t>9/6/16</a:t>
+              <a:t>9/8/16</a:t>
             </a:fld>
             <a:endParaRPr lang="en-US"/>
           </a:p>
@@ -3858,2335 +3598,6 @@
           <a:p>
             <a:r>
               <a:rPr lang="en-US" smtClean="0"/>
-              <a:t>Literate Programming: Cons</a:t>
-            </a:r>
-            <a:endParaRPr lang="en-US"/>
-          </a:p>
-        </p:txBody>
-      </p:sp>
-      <p:sp>
-        <p:nvSpPr>
-          <p:cNvPr id="3" name="Content Placeholder 2"/>
-          <p:cNvSpPr>
-            <a:spLocks noGrp="1"/>
-          </p:cNvSpPr>
-          <p:nvPr>
-            <p:ph idx="1"/>
-          </p:nvPr>
-        </p:nvSpPr>
-        <p:spPr/>
-        <p:txBody>
-          <a:bodyPr/>
-          <a:lstStyle/>
-          <a:p>
-            <a:r>
-              <a:rPr lang="en-US" smtClean="0"/>
-              <a:t>Text and code all in one place; can make documents difficult to read, especially if there is a </a:t>
-            </a:r>
-            <a:r>
-              <a:rPr lang="en-US" b="1" smtClean="0"/>
-              <a:t>lot </a:t>
-            </a:r>
-            <a:r>
-              <a:rPr lang="en-US" smtClean="0"/>
-              <a:t>of code</a:t>
-            </a:r>
-          </a:p>
-          <a:p>
-            <a:r>
-              <a:rPr lang="en-US" smtClean="0"/>
-              <a:t>Can substantially slow down processing of documents (although there are tools to help)</a:t>
-            </a:r>
-            <a:endParaRPr lang="en-US"/>
-          </a:p>
-        </p:txBody>
-      </p:sp>
-    </p:spTree>
-    <p:extLst>
-      <p:ext uri="{BB962C8B-B14F-4D97-AF65-F5344CB8AC3E}">
-        <p14:creationId xmlns:p14="http://schemas.microsoft.com/office/powerpoint/2010/main" val="3075502494"/>
-      </p:ext>
-    </p:extLst>
-  </p:cSld>
-  <p:clrMapOvr>
-    <a:masterClrMapping/>
-  </p:clrMapOvr>
-</p:sld>
-</file>
-
-<file path=ppt/slides/slide11.xml><?xml version="1.0" encoding="utf-8"?>
-<p:sld xmlns:a="http://schemas.openxmlformats.org/drawingml/2006/main" xmlns:r="http://schemas.openxmlformats.org/officeDocument/2006/relationships" xmlns:p="http://schemas.openxmlformats.org/presentationml/2006/main">
-  <p:cSld>
-    <p:spTree>
-      <p:nvGrpSpPr>
-        <p:cNvPr id="1" name=""/>
-        <p:cNvGrpSpPr/>
-        <p:nvPr/>
-      </p:nvGrpSpPr>
-      <p:grpSpPr>
-        <a:xfrm>
-          <a:off x="0" y="0"/>
-          <a:ext cx="0" cy="0"/>
-          <a:chOff x="0" y="0"/>
-          <a:chExt cx="0" cy="0"/>
-        </a:xfrm>
-      </p:grpSpPr>
-      <p:sp>
-        <p:nvSpPr>
-          <p:cNvPr id="2" name="Title 1"/>
-          <p:cNvSpPr>
-            <a:spLocks noGrp="1"/>
-          </p:cNvSpPr>
-          <p:nvPr>
-            <p:ph type="title"/>
-          </p:nvPr>
-        </p:nvSpPr>
-        <p:spPr/>
-        <p:txBody>
-          <a:bodyPr/>
-          <a:lstStyle/>
-          <a:p>
-            <a:r>
-              <a:rPr lang="en-US" dirty="0" smtClean="0"/>
-              <a:t>What is </a:t>
-            </a:r>
-            <a:r>
-              <a:rPr lang="en-US" dirty="0" err="1" smtClean="0"/>
-              <a:t>knitr</a:t>
-            </a:r>
-            <a:r>
-              <a:rPr lang="en-US" dirty="0" smtClean="0"/>
-              <a:t>?</a:t>
-            </a:r>
-            <a:endParaRPr lang="en-US" dirty="0"/>
-          </a:p>
-        </p:txBody>
-      </p:sp>
-      <p:sp>
-        <p:nvSpPr>
-          <p:cNvPr id="3" name="Content Placeholder 2"/>
-          <p:cNvSpPr>
-            <a:spLocks noGrp="1"/>
-          </p:cNvSpPr>
-          <p:nvPr>
-            <p:ph idx="1"/>
-          </p:nvPr>
-        </p:nvSpPr>
-        <p:spPr/>
-        <p:txBody>
-          <a:bodyPr>
-            <a:normAutofit fontScale="92500" lnSpcReduction="10000"/>
-          </a:bodyPr>
-          <a:lstStyle/>
-          <a:p>
-            <a:r>
-              <a:rPr lang="en-US" dirty="0" smtClean="0"/>
-              <a:t>An R package written by </a:t>
-            </a:r>
-            <a:r>
-              <a:rPr lang="en-US" dirty="0" err="1" smtClean="0"/>
-              <a:t>Yihui</a:t>
-            </a:r>
-            <a:r>
-              <a:rPr lang="en-US" dirty="0" smtClean="0"/>
-              <a:t> </a:t>
-            </a:r>
-            <a:r>
-              <a:rPr lang="en-US" dirty="0" err="1" smtClean="0"/>
-              <a:t>Xie</a:t>
-            </a:r>
-            <a:r>
-              <a:rPr lang="en-US" dirty="0" smtClean="0"/>
-              <a:t> (while he was a grad student at Iowa State)</a:t>
-            </a:r>
-          </a:p>
-          <a:p>
-            <a:pPr lvl="1"/>
-            <a:r>
-              <a:rPr lang="en-US" dirty="0" smtClean="0"/>
-              <a:t>Available on CRAN</a:t>
-            </a:r>
-          </a:p>
-          <a:p>
-            <a:r>
-              <a:rPr lang="en-US" dirty="0" smtClean="0"/>
-              <a:t>Supports </a:t>
-            </a:r>
-            <a:r>
-              <a:rPr lang="en-US" dirty="0" err="1" smtClean="0"/>
-              <a:t>RMarkdown</a:t>
-            </a:r>
-            <a:r>
-              <a:rPr lang="en-US" dirty="0" smtClean="0"/>
-              <a:t>, </a:t>
-            </a:r>
-            <a:r>
-              <a:rPr lang="en-US" dirty="0" err="1" smtClean="0"/>
-              <a:t>LaTeX</a:t>
-            </a:r>
-            <a:r>
-              <a:rPr lang="en-US" dirty="0" smtClean="0"/>
-              <a:t>, and HTML as documentation languages</a:t>
-            </a:r>
-          </a:p>
-          <a:p>
-            <a:r>
-              <a:rPr lang="en-US" dirty="0" smtClean="0"/>
-              <a:t>Can export to PDF, HTML</a:t>
-            </a:r>
-          </a:p>
-          <a:p>
-            <a:r>
-              <a:rPr lang="en-US" dirty="0" smtClean="0"/>
-              <a:t>Built right into </a:t>
-            </a:r>
-            <a:r>
-              <a:rPr lang="en-US" smtClean="0"/>
-              <a:t>RStudio</a:t>
-            </a:r>
-            <a:r>
-              <a:rPr lang="en-US" dirty="0" smtClean="0"/>
-              <a:t> for your convenience</a:t>
-            </a:r>
-            <a:endParaRPr lang="en-US" dirty="0"/>
-          </a:p>
-        </p:txBody>
-      </p:sp>
-    </p:spTree>
-    <p:extLst>
-      <p:ext uri="{BB962C8B-B14F-4D97-AF65-F5344CB8AC3E}">
-        <p14:creationId xmlns:p14="http://schemas.microsoft.com/office/powerpoint/2010/main" val="3096023671"/>
-      </p:ext>
-    </p:extLst>
-  </p:cSld>
-  <p:clrMapOvr>
-    <a:masterClrMapping/>
-  </p:clrMapOvr>
-</p:sld>
-</file>
-
-<file path=ppt/slides/slide12.xml><?xml version="1.0" encoding="utf-8"?>
-<p:sld xmlns:a="http://schemas.openxmlformats.org/drawingml/2006/main" xmlns:r="http://schemas.openxmlformats.org/officeDocument/2006/relationships" xmlns:p="http://schemas.openxmlformats.org/presentationml/2006/main">
-  <p:cSld>
-    <p:spTree>
-      <p:nvGrpSpPr>
-        <p:cNvPr id="1" name=""/>
-        <p:cNvGrpSpPr/>
-        <p:nvPr/>
-      </p:nvGrpSpPr>
-      <p:grpSpPr>
-        <a:xfrm>
-          <a:off x="0" y="0"/>
-          <a:ext cx="0" cy="0"/>
-          <a:chOff x="0" y="0"/>
-          <a:chExt cx="0" cy="0"/>
-        </a:xfrm>
-      </p:grpSpPr>
-      <p:sp>
-        <p:nvSpPr>
-          <p:cNvPr id="2" name="Title 1"/>
-          <p:cNvSpPr>
-            <a:spLocks noGrp="1"/>
-          </p:cNvSpPr>
-          <p:nvPr>
-            <p:ph type="title"/>
-          </p:nvPr>
-        </p:nvSpPr>
-        <p:spPr/>
-        <p:txBody>
-          <a:bodyPr/>
-          <a:lstStyle/>
-          <a:p>
-            <a:r>
-              <a:rPr lang="en-US" smtClean="0"/>
-              <a:t>Requirements</a:t>
-            </a:r>
-            <a:endParaRPr lang="en-US"/>
-          </a:p>
-        </p:txBody>
-      </p:sp>
-      <p:sp>
-        <p:nvSpPr>
-          <p:cNvPr id="3" name="Content Placeholder 2"/>
-          <p:cNvSpPr>
-            <a:spLocks noGrp="1"/>
-          </p:cNvSpPr>
-          <p:nvPr>
-            <p:ph idx="1"/>
-          </p:nvPr>
-        </p:nvSpPr>
-        <p:spPr/>
-        <p:txBody>
-          <a:bodyPr>
-            <a:normAutofit fontScale="92500"/>
-          </a:bodyPr>
-          <a:lstStyle/>
-          <a:p>
-            <a:r>
-              <a:rPr lang="en-US" dirty="0" smtClean="0"/>
-              <a:t>A recent version of R</a:t>
-            </a:r>
-          </a:p>
-          <a:p>
-            <a:r>
-              <a:rPr lang="en-US" dirty="0" smtClean="0"/>
-              <a:t>A text editor (the one that comes with </a:t>
-            </a:r>
-            <a:r>
-              <a:rPr lang="en-US" dirty="0" err="1" smtClean="0"/>
-              <a:t>RStudio</a:t>
-            </a:r>
-            <a:r>
-              <a:rPr lang="en-US" dirty="0" smtClean="0"/>
-              <a:t> is </a:t>
-            </a:r>
-            <a:r>
-              <a:rPr lang="en-US" dirty="0" smtClean="0"/>
-              <a:t>good)</a:t>
-            </a:r>
-            <a:endParaRPr lang="en-US" dirty="0" smtClean="0"/>
-          </a:p>
-          <a:p>
-            <a:r>
-              <a:rPr lang="en-US" dirty="0" smtClean="0"/>
-              <a:t>Some support packages also available on CRAN</a:t>
-            </a:r>
-          </a:p>
-          <a:p>
-            <a:r>
-              <a:rPr lang="en-US" dirty="0" smtClean="0"/>
-              <a:t>Some knowledge of Markdown, </a:t>
-            </a:r>
-            <a:r>
-              <a:rPr lang="en-US" dirty="0" err="1" smtClean="0"/>
-              <a:t>LaTeX</a:t>
-            </a:r>
-            <a:r>
-              <a:rPr lang="en-US" dirty="0" smtClean="0"/>
-              <a:t>, or HTML</a:t>
-            </a:r>
-          </a:p>
-          <a:p>
-            <a:r>
-              <a:rPr lang="en-US" dirty="0" smtClean="0"/>
-              <a:t>We will use Markdown here</a:t>
-            </a:r>
-            <a:endParaRPr lang="en-US" dirty="0"/>
-          </a:p>
-        </p:txBody>
-      </p:sp>
-    </p:spTree>
-    <p:extLst>
-      <p:ext uri="{BB962C8B-B14F-4D97-AF65-F5344CB8AC3E}">
-        <p14:creationId xmlns:p14="http://schemas.microsoft.com/office/powerpoint/2010/main" val="3422824653"/>
-      </p:ext>
-    </p:extLst>
-  </p:cSld>
-  <p:clrMapOvr>
-    <a:masterClrMapping/>
-  </p:clrMapOvr>
-</p:sld>
-</file>
-
-<file path=ppt/slides/slide13.xml><?xml version="1.0" encoding="utf-8"?>
-<p:sld xmlns:a="http://schemas.openxmlformats.org/drawingml/2006/main" xmlns:r="http://schemas.openxmlformats.org/officeDocument/2006/relationships" xmlns:p="http://schemas.openxmlformats.org/presentationml/2006/main">
-  <p:cSld>
-    <p:spTree>
-      <p:nvGrpSpPr>
-        <p:cNvPr id="1" name=""/>
-        <p:cNvGrpSpPr/>
-        <p:nvPr/>
-      </p:nvGrpSpPr>
-      <p:grpSpPr>
-        <a:xfrm>
-          <a:off x="0" y="0"/>
-          <a:ext cx="0" cy="0"/>
-          <a:chOff x="0" y="0"/>
-          <a:chExt cx="0" cy="0"/>
-        </a:xfrm>
-      </p:grpSpPr>
-      <p:sp>
-        <p:nvSpPr>
-          <p:cNvPr id="2" name="Title 1"/>
-          <p:cNvSpPr>
-            <a:spLocks noGrp="1"/>
-          </p:cNvSpPr>
-          <p:nvPr>
-            <p:ph type="title"/>
-          </p:nvPr>
-        </p:nvSpPr>
-        <p:spPr/>
-        <p:txBody>
-          <a:bodyPr/>
-          <a:lstStyle/>
-          <a:p>
-            <a:r>
-              <a:rPr lang="en-US" smtClean="0"/>
-              <a:t>What is Markdown?</a:t>
-            </a:r>
-            <a:endParaRPr lang="en-US"/>
-          </a:p>
-        </p:txBody>
-      </p:sp>
-      <p:sp>
-        <p:nvSpPr>
-          <p:cNvPr id="3" name="Content Placeholder 2"/>
-          <p:cNvSpPr>
-            <a:spLocks noGrp="1"/>
-          </p:cNvSpPr>
-          <p:nvPr>
-            <p:ph idx="1"/>
-          </p:nvPr>
-        </p:nvSpPr>
-        <p:spPr/>
-        <p:txBody>
-          <a:bodyPr/>
-          <a:lstStyle/>
-          <a:p>
-            <a:r>
-              <a:rPr lang="en-US" smtClean="0"/>
-              <a:t>A simplified version of “markup” languages</a:t>
-            </a:r>
-          </a:p>
-          <a:p>
-            <a:r>
-              <a:rPr lang="en-US" smtClean="0"/>
-              <a:t>No special editor required</a:t>
-            </a:r>
-          </a:p>
-          <a:p>
-            <a:r>
-              <a:rPr lang="en-US" smtClean="0"/>
-              <a:t>Simple, intuitive formatting elements</a:t>
-            </a:r>
-          </a:p>
-          <a:p>
-            <a:r>
-              <a:rPr lang="en-US" smtClean="0"/>
-              <a:t>Complete information available at </a:t>
-            </a:r>
-            <a:r>
-              <a:rPr lang="en-US" smtClean="0">
-                <a:hlinkClick r:id="rId2"/>
-              </a:rPr>
-              <a:t>http://goo.gl/MUt9i5</a:t>
-            </a:r>
-            <a:endParaRPr lang="en-US" smtClean="0"/>
-          </a:p>
-        </p:txBody>
-      </p:sp>
-    </p:spTree>
-    <p:extLst>
-      <p:ext uri="{BB962C8B-B14F-4D97-AF65-F5344CB8AC3E}">
-        <p14:creationId xmlns:p14="http://schemas.microsoft.com/office/powerpoint/2010/main" val="794468349"/>
-      </p:ext>
-    </p:extLst>
-  </p:cSld>
-  <p:clrMapOvr>
-    <a:masterClrMapping/>
-  </p:clrMapOvr>
-</p:sld>
-</file>
-
-<file path=ppt/slides/slide14.xml><?xml version="1.0" encoding="utf-8"?>
-<p:sld xmlns:a="http://schemas.openxmlformats.org/drawingml/2006/main" xmlns:r="http://schemas.openxmlformats.org/officeDocument/2006/relationships" xmlns:p="http://schemas.openxmlformats.org/presentationml/2006/main">
-  <p:cSld>
-    <p:spTree>
-      <p:nvGrpSpPr>
-        <p:cNvPr id="1" name=""/>
-        <p:cNvGrpSpPr/>
-        <p:nvPr/>
-      </p:nvGrpSpPr>
-      <p:grpSpPr>
-        <a:xfrm>
-          <a:off x="0" y="0"/>
-          <a:ext cx="0" cy="0"/>
-          <a:chOff x="0" y="0"/>
-          <a:chExt cx="0" cy="0"/>
-        </a:xfrm>
-      </p:grpSpPr>
-      <p:sp>
-        <p:nvSpPr>
-          <p:cNvPr id="2" name="Title 1"/>
-          <p:cNvSpPr>
-            <a:spLocks noGrp="1"/>
-          </p:cNvSpPr>
-          <p:nvPr>
-            <p:ph type="title"/>
-          </p:nvPr>
-        </p:nvSpPr>
-        <p:spPr/>
-        <p:txBody>
-          <a:bodyPr>
-            <a:noAutofit/>
-          </a:bodyPr>
-          <a:lstStyle/>
-          <a:p>
-            <a:r>
-              <a:rPr lang="en-US" sz="4000" smtClean="0"/>
-              <a:t>What is knitr Good For?</a:t>
-            </a:r>
-            <a:endParaRPr lang="en-US" sz="4000"/>
-          </a:p>
-        </p:txBody>
-      </p:sp>
-      <p:sp>
-        <p:nvSpPr>
-          <p:cNvPr id="3" name="Content Placeholder 2"/>
-          <p:cNvSpPr>
-            <a:spLocks noGrp="1"/>
-          </p:cNvSpPr>
-          <p:nvPr>
-            <p:ph idx="1"/>
-          </p:nvPr>
-        </p:nvSpPr>
-        <p:spPr>
-          <a:xfrm>
-            <a:off x="457200" y="1360452"/>
-            <a:ext cx="8229600" cy="3394472"/>
-          </a:xfrm>
-        </p:spPr>
-        <p:txBody>
-          <a:bodyPr/>
-          <a:lstStyle/>
-          <a:p>
-            <a:r>
-              <a:rPr lang="en-US" smtClean="0"/>
-              <a:t>Manuals</a:t>
-            </a:r>
-          </a:p>
-          <a:p>
-            <a:r>
-              <a:rPr lang="en-US" smtClean="0"/>
-              <a:t>Short/medium-length technical documents</a:t>
-            </a:r>
-          </a:p>
-          <a:p>
-            <a:r>
-              <a:rPr lang="en-US" smtClean="0"/>
-              <a:t>Tutorials</a:t>
-            </a:r>
-          </a:p>
-          <a:p>
-            <a:r>
-              <a:rPr lang="en-US" smtClean="0"/>
-              <a:t>Reports (esp. if generated periodically)</a:t>
-            </a:r>
-          </a:p>
-          <a:p>
-            <a:r>
-              <a:rPr lang="en-US" smtClean="0"/>
-              <a:t>Data preprocessing documents/summaries</a:t>
-            </a:r>
-            <a:endParaRPr lang="en-US"/>
-          </a:p>
-        </p:txBody>
-      </p:sp>
-    </p:spTree>
-    <p:extLst>
-      <p:ext uri="{BB962C8B-B14F-4D97-AF65-F5344CB8AC3E}">
-        <p14:creationId xmlns:p14="http://schemas.microsoft.com/office/powerpoint/2010/main" val="81591838"/>
-      </p:ext>
-    </p:extLst>
-  </p:cSld>
-  <p:clrMapOvr>
-    <a:masterClrMapping/>
-  </p:clrMapOvr>
-</p:sld>
-</file>
-
-<file path=ppt/slides/slide15.xml><?xml version="1.0" encoding="utf-8"?>
-<p:sld xmlns:a="http://schemas.openxmlformats.org/drawingml/2006/main" xmlns:r="http://schemas.openxmlformats.org/officeDocument/2006/relationships" xmlns:p="http://schemas.openxmlformats.org/presentationml/2006/main">
-  <p:cSld>
-    <p:spTree>
-      <p:nvGrpSpPr>
-        <p:cNvPr id="1" name=""/>
-        <p:cNvGrpSpPr/>
-        <p:nvPr/>
-      </p:nvGrpSpPr>
-      <p:grpSpPr>
-        <a:xfrm>
-          <a:off x="0" y="0"/>
-          <a:ext cx="0" cy="0"/>
-          <a:chOff x="0" y="0"/>
-          <a:chExt cx="0" cy="0"/>
-        </a:xfrm>
-      </p:grpSpPr>
-      <p:sp>
-        <p:nvSpPr>
-          <p:cNvPr id="2" name="Title 1"/>
-          <p:cNvSpPr>
-            <a:spLocks noGrp="1"/>
-          </p:cNvSpPr>
-          <p:nvPr>
-            <p:ph type="title"/>
-          </p:nvPr>
-        </p:nvSpPr>
-        <p:spPr/>
-        <p:txBody>
-          <a:bodyPr/>
-          <a:lstStyle/>
-          <a:p>
-            <a:r>
-              <a:rPr lang="en-US" smtClean="0"/>
-              <a:t>What is knitr NOT Good For?</a:t>
-            </a:r>
-            <a:endParaRPr lang="en-US"/>
-          </a:p>
-        </p:txBody>
-      </p:sp>
-      <p:sp>
-        <p:nvSpPr>
-          <p:cNvPr id="3" name="Content Placeholder 2"/>
-          <p:cNvSpPr>
-            <a:spLocks noGrp="1"/>
-          </p:cNvSpPr>
-          <p:nvPr>
-            <p:ph idx="1"/>
-          </p:nvPr>
-        </p:nvSpPr>
-        <p:spPr/>
-        <p:txBody>
-          <a:bodyPr/>
-          <a:lstStyle/>
-          <a:p>
-            <a:r>
-              <a:rPr lang="en-US" smtClean="0"/>
-              <a:t>Very long research articles</a:t>
-            </a:r>
-          </a:p>
-          <a:p>
-            <a:r>
-              <a:rPr lang="en-US" smtClean="0"/>
-              <a:t>Complex time-consuming computations</a:t>
-            </a:r>
-          </a:p>
-          <a:p>
-            <a:r>
-              <a:rPr lang="en-US" smtClean="0"/>
-              <a:t>Documents that require precise formatting</a:t>
-            </a:r>
-            <a:endParaRPr lang="en-US"/>
-          </a:p>
-        </p:txBody>
-      </p:sp>
-    </p:spTree>
-    <p:extLst>
-      <p:ext uri="{BB962C8B-B14F-4D97-AF65-F5344CB8AC3E}">
-        <p14:creationId xmlns:p14="http://schemas.microsoft.com/office/powerpoint/2010/main" val="3955909567"/>
-      </p:ext>
-    </p:extLst>
-  </p:cSld>
-  <p:clrMapOvr>
-    <a:masterClrMapping/>
-  </p:clrMapOvr>
-  <p:timing>
-    <p:tnLst>
-      <p:par>
-        <p:cTn id="1" dur="indefinite" restart="never" nodeType="tmRoot"/>
-      </p:par>
-    </p:tnLst>
-  </p:timing>
-</p:sld>
-</file>
-
-<file path=ppt/slides/slide16.xml><?xml version="1.0" encoding="utf-8"?>
-<p:sld xmlns:a="http://schemas.openxmlformats.org/drawingml/2006/main" xmlns:r="http://schemas.openxmlformats.org/officeDocument/2006/relationships" xmlns:p="http://schemas.openxmlformats.org/presentationml/2006/main">
-  <p:cSld>
-    <p:spTree>
-      <p:nvGrpSpPr>
-        <p:cNvPr id="1" name=""/>
-        <p:cNvGrpSpPr/>
-        <p:nvPr/>
-      </p:nvGrpSpPr>
-      <p:grpSpPr>
-        <a:xfrm>
-          <a:off x="0" y="0"/>
-          <a:ext cx="0" cy="0"/>
-          <a:chOff x="0" y="0"/>
-          <a:chExt cx="0" cy="0"/>
-        </a:xfrm>
-      </p:grpSpPr>
-      <p:pic>
-        <p:nvPicPr>
-          <p:cNvPr id="2" name="Picture 1"/>
-          <p:cNvPicPr>
-            <a:picLocks noChangeAspect="1"/>
-          </p:cNvPicPr>
-          <p:nvPr/>
-        </p:nvPicPr>
-        <p:blipFill>
-          <a:blip r:embed="rId2">
-            <a:extLst>
-              <a:ext uri="{28A0092B-C50C-407E-A947-70E740481C1C}">
-                <a14:useLocalDpi xmlns:a14="http://schemas.microsoft.com/office/drawing/2010/main" val="0"/>
-              </a:ext>
-            </a:extLst>
-          </a:blip>
-          <a:stretch>
-            <a:fillRect/>
-          </a:stretch>
-        </p:blipFill>
-        <p:spPr>
-          <a:xfrm>
-            <a:off x="2201481" y="977647"/>
-            <a:ext cx="5669900" cy="3783654"/>
-          </a:xfrm>
-          <a:prstGeom prst="rect">
-            <a:avLst/>
-          </a:prstGeom>
-        </p:spPr>
-      </p:pic>
-      <p:sp>
-        <p:nvSpPr>
-          <p:cNvPr id="4" name="Title 3"/>
-          <p:cNvSpPr>
-            <a:spLocks noGrp="1"/>
-          </p:cNvSpPr>
-          <p:nvPr>
-            <p:ph type="title"/>
-          </p:nvPr>
-        </p:nvSpPr>
-        <p:spPr/>
-        <p:txBody>
-          <a:bodyPr/>
-          <a:lstStyle/>
-          <a:p>
-            <a:r>
-              <a:rPr lang="en-US" smtClean="0"/>
-              <a:t>My First knitr Document</a:t>
-            </a:r>
-            <a:endParaRPr lang="en-US"/>
-          </a:p>
-        </p:txBody>
-      </p:sp>
-      <p:sp>
-        <p:nvSpPr>
-          <p:cNvPr id="6" name="Rounded Rectangle 5"/>
-          <p:cNvSpPr/>
-          <p:nvPr/>
-        </p:nvSpPr>
-        <p:spPr>
-          <a:xfrm>
-            <a:off x="110967" y="2490829"/>
-            <a:ext cx="1602859" cy="974136"/>
-          </a:xfrm>
-          <a:prstGeom prst="roundRect">
-            <a:avLst/>
-          </a:prstGeom>
-        </p:spPr>
-        <p:style>
-          <a:lnRef idx="1">
-            <a:schemeClr val="accent1"/>
-          </a:lnRef>
-          <a:fillRef idx="3">
-            <a:schemeClr val="accent1"/>
-          </a:fillRef>
-          <a:effectRef idx="2">
-            <a:schemeClr val="accent1"/>
-          </a:effectRef>
-          <a:fontRef idx="minor">
-            <a:schemeClr val="lt1"/>
-          </a:fontRef>
-        </p:style>
-        <p:txBody>
-          <a:bodyPr rtlCol="0" anchor="ctr"/>
-          <a:lstStyle/>
-          <a:p>
-            <a:pPr algn="ctr"/>
-            <a:r>
-              <a:rPr lang="en-US" smtClean="0"/>
-              <a:t>Create a new document</a:t>
-            </a:r>
-            <a:endParaRPr lang="en-US"/>
-          </a:p>
-        </p:txBody>
-      </p:sp>
-      <p:sp>
-        <p:nvSpPr>
-          <p:cNvPr id="7" name="Rounded Rectangle 6"/>
-          <p:cNvSpPr/>
-          <p:nvPr/>
-        </p:nvSpPr>
-        <p:spPr>
-          <a:xfrm>
-            <a:off x="6798098" y="3130297"/>
-            <a:ext cx="1602859" cy="974136"/>
-          </a:xfrm>
-          <a:prstGeom prst="roundRect">
-            <a:avLst/>
-          </a:prstGeom>
-        </p:spPr>
-        <p:style>
-          <a:lnRef idx="1">
-            <a:schemeClr val="accent1"/>
-          </a:lnRef>
-          <a:fillRef idx="3">
-            <a:schemeClr val="accent1"/>
-          </a:fillRef>
-          <a:effectRef idx="2">
-            <a:schemeClr val="accent1"/>
-          </a:effectRef>
-          <a:fontRef idx="minor">
-            <a:schemeClr val="lt1"/>
-          </a:fontRef>
-        </p:style>
-        <p:txBody>
-          <a:bodyPr rtlCol="0" anchor="ctr"/>
-          <a:lstStyle/>
-          <a:p>
-            <a:pPr algn="ctr"/>
-            <a:r>
-              <a:rPr lang="en-US" smtClean="0"/>
-              <a:t>Choose an R Markdown Document</a:t>
-            </a:r>
-            <a:endParaRPr lang="en-US"/>
-          </a:p>
-        </p:txBody>
-      </p:sp>
-      <p:cxnSp>
-        <p:nvCxnSpPr>
-          <p:cNvPr id="9" name="Straight Arrow Connector 8"/>
-          <p:cNvCxnSpPr>
-            <a:stCxn id="7" idx="1"/>
-          </p:cNvCxnSpPr>
-          <p:nvPr/>
-        </p:nvCxnSpPr>
-        <p:spPr>
-          <a:xfrm flipH="1" flipV="1">
-            <a:off x="3751868" y="2092751"/>
-            <a:ext cx="3046230" cy="1524614"/>
-          </a:xfrm>
-          <a:prstGeom prst="straightConnector1">
-            <a:avLst/>
-          </a:prstGeom>
-          <a:ln>
-            <a:tailEnd type="arrow"/>
-          </a:ln>
-        </p:spPr>
-        <p:style>
-          <a:lnRef idx="2">
-            <a:schemeClr val="accent1"/>
-          </a:lnRef>
-          <a:fillRef idx="0">
-            <a:schemeClr val="accent1"/>
-          </a:fillRef>
-          <a:effectRef idx="1">
-            <a:schemeClr val="accent1"/>
-          </a:effectRef>
-          <a:fontRef idx="minor">
-            <a:schemeClr val="tx1"/>
-          </a:fontRef>
-        </p:style>
-      </p:cxnSp>
-      <p:cxnSp>
-        <p:nvCxnSpPr>
-          <p:cNvPr id="11" name="Straight Arrow Connector 10"/>
-          <p:cNvCxnSpPr>
-            <a:stCxn id="6" idx="0"/>
-          </p:cNvCxnSpPr>
-          <p:nvPr/>
-        </p:nvCxnSpPr>
-        <p:spPr>
-          <a:xfrm flipV="1">
-            <a:off x="912397" y="1131216"/>
-            <a:ext cx="1289084" cy="1359613"/>
-          </a:xfrm>
-          <a:prstGeom prst="straightConnector1">
-            <a:avLst/>
-          </a:prstGeom>
-          <a:ln>
-            <a:tailEnd type="arrow"/>
-          </a:ln>
-        </p:spPr>
-        <p:style>
-          <a:lnRef idx="2">
-            <a:schemeClr val="accent1"/>
-          </a:lnRef>
-          <a:fillRef idx="0">
-            <a:schemeClr val="accent1"/>
-          </a:fillRef>
-          <a:effectRef idx="1">
-            <a:schemeClr val="accent1"/>
-          </a:effectRef>
-          <a:fontRef idx="minor">
-            <a:schemeClr val="tx1"/>
-          </a:fontRef>
-        </p:style>
-      </p:cxnSp>
-    </p:spTree>
-    <p:extLst>
-      <p:ext uri="{BB962C8B-B14F-4D97-AF65-F5344CB8AC3E}">
-        <p14:creationId xmlns:p14="http://schemas.microsoft.com/office/powerpoint/2010/main" val="1751205832"/>
-      </p:ext>
-    </p:extLst>
-  </p:cSld>
-  <p:clrMapOvr>
-    <a:masterClrMapping/>
-  </p:clrMapOvr>
-  <p:timing>
-    <p:tnLst>
-      <p:par>
-        <p:cTn id="1" dur="indefinite" restart="never" nodeType="tmRoot">
-          <p:childTnLst>
-            <p:seq concurrent="1" nextAc="seek">
-              <p:cTn id="2" dur="indefinite" nodeType="mainSeq">
-                <p:childTnLst>
-                  <p:par>
-                    <p:cTn id="3" fill="hold">
-                      <p:stCondLst>
-                        <p:cond delay="indefinite"/>
-                      </p:stCondLst>
-                      <p:childTnLst>
-                        <p:par>
-                          <p:cTn id="4" fill="hold">
-                            <p:stCondLst>
-                              <p:cond delay="0"/>
-                            </p:stCondLst>
-                            <p:childTnLst>
-                              <p:par>
-                                <p:cTn id="5" presetID="1" presetClass="entr" presetSubtype="0" fill="hold" grpId="0" nodeType="clickEffect">
-                                  <p:stCondLst>
-                                    <p:cond delay="0"/>
-                                  </p:stCondLst>
-                                  <p:childTnLst>
-                                    <p:set>
-                                      <p:cBhvr>
-                                        <p:cTn id="6" dur="1" fill="hold">
-                                          <p:stCondLst>
-                                            <p:cond delay="0"/>
-                                          </p:stCondLst>
-                                        </p:cTn>
-                                        <p:tgtEl>
-                                          <p:spTgt spid="6"/>
-                                        </p:tgtEl>
-                                        <p:attrNameLst>
-                                          <p:attrName>style.visibility</p:attrName>
-                                        </p:attrNameLst>
-                                      </p:cBhvr>
-                                      <p:to>
-                                        <p:strVal val="visible"/>
-                                      </p:to>
-                                    </p:set>
-                                  </p:childTnLst>
-                                </p:cTn>
-                              </p:par>
-                              <p:par>
-                                <p:cTn id="7" presetID="1" presetClass="entr" presetSubtype="0" fill="hold" nodeType="withEffect">
-                                  <p:stCondLst>
-                                    <p:cond delay="0"/>
-                                  </p:stCondLst>
-                                  <p:childTnLst>
-                                    <p:set>
-                                      <p:cBhvr>
-                                        <p:cTn id="8" dur="1" fill="hold">
-                                          <p:stCondLst>
-                                            <p:cond delay="0"/>
-                                          </p:stCondLst>
-                                        </p:cTn>
-                                        <p:tgtEl>
-                                          <p:spTgt spid="11"/>
-                                        </p:tgtEl>
-                                        <p:attrNameLst>
-                                          <p:attrName>style.visibility</p:attrName>
-                                        </p:attrNameLst>
-                                      </p:cBhvr>
-                                      <p:to>
-                                        <p:strVal val="visible"/>
-                                      </p:to>
-                                    </p:set>
-                                  </p:childTnLst>
-                                </p:cTn>
-                              </p:par>
-                            </p:childTnLst>
-                          </p:cTn>
-                        </p:par>
-                      </p:childTnLst>
-                    </p:cTn>
-                  </p:par>
-                  <p:par>
-                    <p:cTn id="9" fill="hold">
-                      <p:stCondLst>
-                        <p:cond delay="indefinite"/>
-                      </p:stCondLst>
-                      <p:childTnLst>
-                        <p:par>
-                          <p:cTn id="10" fill="hold">
-                            <p:stCondLst>
-                              <p:cond delay="0"/>
-                            </p:stCondLst>
-                            <p:childTnLst>
-                              <p:par>
-                                <p:cTn id="11" presetID="1" presetClass="entr" presetSubtype="0" fill="hold" grpId="0" nodeType="clickEffect">
-                                  <p:stCondLst>
-                                    <p:cond delay="0"/>
-                                  </p:stCondLst>
-                                  <p:childTnLst>
-                                    <p:set>
-                                      <p:cBhvr>
-                                        <p:cTn id="12" dur="1" fill="hold">
-                                          <p:stCondLst>
-                                            <p:cond delay="0"/>
-                                          </p:stCondLst>
-                                        </p:cTn>
-                                        <p:tgtEl>
-                                          <p:spTgt spid="7"/>
-                                        </p:tgtEl>
-                                        <p:attrNameLst>
-                                          <p:attrName>style.visibility</p:attrName>
-                                        </p:attrNameLst>
-                                      </p:cBhvr>
-                                      <p:to>
-                                        <p:strVal val="visible"/>
-                                      </p:to>
-                                    </p:set>
-                                  </p:childTnLst>
-                                </p:cTn>
-                              </p:par>
-                              <p:par>
-                                <p:cTn id="13" presetID="1" presetClass="entr" presetSubtype="0" fill="hold" nodeType="withEffect">
-                                  <p:stCondLst>
-                                    <p:cond delay="0"/>
-                                  </p:stCondLst>
-                                  <p:childTnLst>
-                                    <p:set>
-                                      <p:cBhvr>
-                                        <p:cTn id="14" dur="1" fill="hold">
-                                          <p:stCondLst>
-                                            <p:cond delay="0"/>
-                                          </p:stCondLst>
-                                        </p:cTn>
-                                        <p:tgtEl>
-                                          <p:spTgt spid="9"/>
-                                        </p:tgtEl>
-                                        <p:attrNameLst>
-                                          <p:attrName>style.visibility</p:attrName>
-                                        </p:attrNameLst>
-                                      </p:cBhvr>
-                                      <p:to>
-                                        <p:strVal val="visible"/>
-                                      </p:to>
-                                    </p:set>
-                                  </p:childTnLst>
-                                </p:cTn>
-                              </p:par>
-                            </p:childTnLst>
-                          </p:cTn>
-                        </p:par>
-                      </p:childTnLst>
-                    </p:cTn>
-                  </p:par>
-                </p:childTnLst>
-              </p:cTn>
-              <p:prevCondLst>
-                <p:cond evt="onPrev" delay="0">
-                  <p:tgtEl>
-                    <p:sldTgt/>
-                  </p:tgtEl>
-                </p:cond>
-              </p:prevCondLst>
-              <p:nextCondLst>
-                <p:cond evt="onNext" delay="0">
-                  <p:tgtEl>
-                    <p:sldTgt/>
-                  </p:tgtEl>
-                </p:cond>
-              </p:nextCondLst>
-            </p:seq>
-          </p:childTnLst>
-        </p:cTn>
-      </p:par>
-    </p:tnLst>
-    <p:bldLst>
-      <p:bldP spid="6" grpId="0" animBg="1"/>
-      <p:bldP spid="7" grpId="0" animBg="1"/>
-    </p:bldLst>
-  </p:timing>
-</p:sld>
-</file>
-
-<file path=ppt/slides/slide17.xml><?xml version="1.0" encoding="utf-8"?>
-<p:sld xmlns:a="http://schemas.openxmlformats.org/drawingml/2006/main" xmlns:r="http://schemas.openxmlformats.org/officeDocument/2006/relationships" xmlns:p="http://schemas.openxmlformats.org/presentationml/2006/main">
-  <p:cSld>
-    <p:spTree>
-      <p:nvGrpSpPr>
-        <p:cNvPr id="1" name=""/>
-        <p:cNvGrpSpPr/>
-        <p:nvPr/>
-      </p:nvGrpSpPr>
-      <p:grpSpPr>
-        <a:xfrm>
-          <a:off x="0" y="0"/>
-          <a:ext cx="0" cy="0"/>
-          <a:chOff x="0" y="0"/>
-          <a:chExt cx="0" cy="0"/>
-        </a:xfrm>
-      </p:grpSpPr>
-      <p:sp>
-        <p:nvSpPr>
-          <p:cNvPr id="2" name="Title 1"/>
-          <p:cNvSpPr>
-            <a:spLocks noGrp="1"/>
-          </p:cNvSpPr>
-          <p:nvPr>
-            <p:ph type="title"/>
-          </p:nvPr>
-        </p:nvSpPr>
-        <p:spPr/>
-        <p:txBody>
-          <a:bodyPr/>
-          <a:lstStyle/>
-          <a:p>
-            <a:r>
-              <a:rPr lang="en-US" smtClean="0"/>
-              <a:t>My First knitr Document</a:t>
-            </a:r>
-            <a:endParaRPr lang="en-US"/>
-          </a:p>
-        </p:txBody>
-      </p:sp>
-      <p:pic>
-        <p:nvPicPr>
-          <p:cNvPr id="4" name="Picture 3" descr="Screen Shot 2013-09-04 at 4.04.48 PM.png"/>
-          <p:cNvPicPr>
-            <a:picLocks noChangeAspect="1"/>
-          </p:cNvPicPr>
-          <p:nvPr/>
-        </p:nvPicPr>
-        <p:blipFill>
-          <a:blip r:embed="rId2">
-            <a:extLst>
-              <a:ext uri="{28A0092B-C50C-407E-A947-70E740481C1C}">
-                <a14:useLocalDpi xmlns:a14="http://schemas.microsoft.com/office/drawing/2010/main" val="0"/>
-              </a:ext>
-            </a:extLst>
-          </a:blip>
-          <a:stretch>
-            <a:fillRect/>
-          </a:stretch>
-        </p:blipFill>
-        <p:spPr>
-          <a:xfrm>
-            <a:off x="565810" y="1346200"/>
-            <a:ext cx="7867692" cy="3496752"/>
-          </a:xfrm>
-          <a:prstGeom prst="rect">
-            <a:avLst/>
-          </a:prstGeom>
-        </p:spPr>
-      </p:pic>
-      <p:sp>
-        <p:nvSpPr>
-          <p:cNvPr id="5" name="Rectangle 4"/>
-          <p:cNvSpPr/>
-          <p:nvPr/>
-        </p:nvSpPr>
-        <p:spPr>
-          <a:xfrm>
-            <a:off x="5166137" y="3045717"/>
-            <a:ext cx="2367298" cy="468571"/>
-          </a:xfrm>
-          <a:prstGeom prst="rect">
-            <a:avLst/>
-          </a:prstGeom>
-        </p:spPr>
-        <p:style>
-          <a:lnRef idx="1">
-            <a:schemeClr val="accent1"/>
-          </a:lnRef>
-          <a:fillRef idx="3">
-            <a:schemeClr val="accent1"/>
-          </a:fillRef>
-          <a:effectRef idx="2">
-            <a:schemeClr val="accent1"/>
-          </a:effectRef>
-          <a:fontRef idx="minor">
-            <a:schemeClr val="lt1"/>
-          </a:fontRef>
-        </p:style>
-        <p:txBody>
-          <a:bodyPr rtlCol="0" anchor="ctr"/>
-          <a:lstStyle/>
-          <a:p>
-            <a:pPr algn="ctr"/>
-            <a:r>
-              <a:rPr lang="en-US" smtClean="0"/>
-              <a:t>Start of code chunk</a:t>
-            </a:r>
-            <a:endParaRPr lang="en-US"/>
-          </a:p>
-        </p:txBody>
-      </p:sp>
-      <p:sp>
-        <p:nvSpPr>
-          <p:cNvPr id="6" name="Rectangle 5"/>
-          <p:cNvSpPr/>
-          <p:nvPr/>
-        </p:nvSpPr>
-        <p:spPr>
-          <a:xfrm>
-            <a:off x="5166137" y="4374381"/>
-            <a:ext cx="2367298" cy="468571"/>
-          </a:xfrm>
-          <a:prstGeom prst="rect">
-            <a:avLst/>
-          </a:prstGeom>
-        </p:spPr>
-        <p:style>
-          <a:lnRef idx="1">
-            <a:schemeClr val="accent1"/>
-          </a:lnRef>
-          <a:fillRef idx="3">
-            <a:schemeClr val="accent1"/>
-          </a:fillRef>
-          <a:effectRef idx="2">
-            <a:schemeClr val="accent1"/>
-          </a:effectRef>
-          <a:fontRef idx="minor">
-            <a:schemeClr val="lt1"/>
-          </a:fontRef>
-        </p:style>
-        <p:txBody>
-          <a:bodyPr rtlCol="0" anchor="ctr"/>
-          <a:lstStyle/>
-          <a:p>
-            <a:pPr algn="ctr"/>
-            <a:r>
-              <a:rPr lang="en-US" smtClean="0"/>
-              <a:t>End of code chunk</a:t>
-            </a:r>
-            <a:endParaRPr lang="en-US"/>
-          </a:p>
-        </p:txBody>
-      </p:sp>
-      <p:cxnSp>
-        <p:nvCxnSpPr>
-          <p:cNvPr id="8" name="Straight Arrow Connector 7"/>
-          <p:cNvCxnSpPr>
-            <a:stCxn id="5" idx="1"/>
-          </p:cNvCxnSpPr>
-          <p:nvPr/>
-        </p:nvCxnSpPr>
-        <p:spPr>
-          <a:xfrm flipH="1">
-            <a:off x="2009738" y="3280003"/>
-            <a:ext cx="3156399" cy="123308"/>
-          </a:xfrm>
-          <a:prstGeom prst="straightConnector1">
-            <a:avLst/>
-          </a:prstGeom>
-          <a:ln>
-            <a:tailEnd type="arrow"/>
-          </a:ln>
-        </p:spPr>
-        <p:style>
-          <a:lnRef idx="2">
-            <a:schemeClr val="accent1"/>
-          </a:lnRef>
-          <a:fillRef idx="0">
-            <a:schemeClr val="accent1"/>
-          </a:fillRef>
-          <a:effectRef idx="1">
-            <a:schemeClr val="accent1"/>
-          </a:effectRef>
-          <a:fontRef idx="minor">
-            <a:schemeClr val="tx1"/>
-          </a:fontRef>
-        </p:style>
-      </p:cxnSp>
-      <p:cxnSp>
-        <p:nvCxnSpPr>
-          <p:cNvPr id="9" name="Straight Arrow Connector 8"/>
-          <p:cNvCxnSpPr>
-            <a:stCxn id="6" idx="1"/>
-          </p:cNvCxnSpPr>
-          <p:nvPr/>
-        </p:nvCxnSpPr>
-        <p:spPr>
-          <a:xfrm flipH="1">
-            <a:off x="1726155" y="4608667"/>
-            <a:ext cx="3439982" cy="0"/>
-          </a:xfrm>
-          <a:prstGeom prst="straightConnector1">
-            <a:avLst/>
-          </a:prstGeom>
-          <a:ln>
-            <a:tailEnd type="arrow"/>
-          </a:ln>
-        </p:spPr>
-        <p:style>
-          <a:lnRef idx="2">
-            <a:schemeClr val="accent1"/>
-          </a:lnRef>
-          <a:fillRef idx="0">
-            <a:schemeClr val="accent1"/>
-          </a:fillRef>
-          <a:effectRef idx="1">
-            <a:schemeClr val="accent1"/>
-          </a:effectRef>
-          <a:fontRef idx="minor">
-            <a:schemeClr val="tx1"/>
-          </a:fontRef>
-        </p:style>
-      </p:cxnSp>
-    </p:spTree>
-    <p:extLst>
-      <p:ext uri="{BB962C8B-B14F-4D97-AF65-F5344CB8AC3E}">
-        <p14:creationId xmlns:p14="http://schemas.microsoft.com/office/powerpoint/2010/main" val="1789113151"/>
-      </p:ext>
-    </p:extLst>
-  </p:cSld>
-  <p:clrMapOvr>
-    <a:masterClrMapping/>
-  </p:clrMapOvr>
-  <p:timing>
-    <p:tnLst>
-      <p:par>
-        <p:cTn id="1" dur="indefinite" restart="never" nodeType="tmRoot">
-          <p:childTnLst>
-            <p:seq concurrent="1" nextAc="seek">
-              <p:cTn id="2" dur="indefinite" nodeType="mainSeq">
-                <p:childTnLst>
-                  <p:par>
-                    <p:cTn id="3" fill="hold">
-                      <p:stCondLst>
-                        <p:cond delay="indefinite"/>
-                      </p:stCondLst>
-                      <p:childTnLst>
-                        <p:par>
-                          <p:cTn id="4" fill="hold">
-                            <p:stCondLst>
-                              <p:cond delay="0"/>
-                            </p:stCondLst>
-                            <p:childTnLst>
-                              <p:par>
-                                <p:cTn id="5" presetID="1" presetClass="entr" presetSubtype="0" fill="hold" grpId="0" nodeType="clickEffect">
-                                  <p:stCondLst>
-                                    <p:cond delay="0"/>
-                                  </p:stCondLst>
-                                  <p:childTnLst>
-                                    <p:set>
-                                      <p:cBhvr>
-                                        <p:cTn id="6" dur="1" fill="hold">
-                                          <p:stCondLst>
-                                            <p:cond delay="0"/>
-                                          </p:stCondLst>
-                                        </p:cTn>
-                                        <p:tgtEl>
-                                          <p:spTgt spid="5"/>
-                                        </p:tgtEl>
-                                        <p:attrNameLst>
-                                          <p:attrName>style.visibility</p:attrName>
-                                        </p:attrNameLst>
-                                      </p:cBhvr>
-                                      <p:to>
-                                        <p:strVal val="visible"/>
-                                      </p:to>
-                                    </p:set>
-                                  </p:childTnLst>
-                                </p:cTn>
-                              </p:par>
-                              <p:par>
-                                <p:cTn id="7" presetID="1" presetClass="entr" presetSubtype="0" fill="hold" nodeType="withEffect">
-                                  <p:stCondLst>
-                                    <p:cond delay="0"/>
-                                  </p:stCondLst>
-                                  <p:childTnLst>
-                                    <p:set>
-                                      <p:cBhvr>
-                                        <p:cTn id="8" dur="1" fill="hold">
-                                          <p:stCondLst>
-                                            <p:cond delay="0"/>
-                                          </p:stCondLst>
-                                        </p:cTn>
-                                        <p:tgtEl>
-                                          <p:spTgt spid="8"/>
-                                        </p:tgtEl>
-                                        <p:attrNameLst>
-                                          <p:attrName>style.visibility</p:attrName>
-                                        </p:attrNameLst>
-                                      </p:cBhvr>
-                                      <p:to>
-                                        <p:strVal val="visible"/>
-                                      </p:to>
-                                    </p:set>
-                                  </p:childTnLst>
-                                </p:cTn>
-                              </p:par>
-                            </p:childTnLst>
-                          </p:cTn>
-                        </p:par>
-                      </p:childTnLst>
-                    </p:cTn>
-                  </p:par>
-                  <p:par>
-                    <p:cTn id="9" fill="hold">
-                      <p:stCondLst>
-                        <p:cond delay="indefinite"/>
-                      </p:stCondLst>
-                      <p:childTnLst>
-                        <p:par>
-                          <p:cTn id="10" fill="hold">
-                            <p:stCondLst>
-                              <p:cond delay="0"/>
-                            </p:stCondLst>
-                            <p:childTnLst>
-                              <p:par>
-                                <p:cTn id="11" presetID="1" presetClass="entr" presetSubtype="0" fill="hold" grpId="0" nodeType="clickEffect">
-                                  <p:stCondLst>
-                                    <p:cond delay="0"/>
-                                  </p:stCondLst>
-                                  <p:childTnLst>
-                                    <p:set>
-                                      <p:cBhvr>
-                                        <p:cTn id="12" dur="1" fill="hold">
-                                          <p:stCondLst>
-                                            <p:cond delay="0"/>
-                                          </p:stCondLst>
-                                        </p:cTn>
-                                        <p:tgtEl>
-                                          <p:spTgt spid="6"/>
-                                        </p:tgtEl>
-                                        <p:attrNameLst>
-                                          <p:attrName>style.visibility</p:attrName>
-                                        </p:attrNameLst>
-                                      </p:cBhvr>
-                                      <p:to>
-                                        <p:strVal val="visible"/>
-                                      </p:to>
-                                    </p:set>
-                                  </p:childTnLst>
-                                </p:cTn>
-                              </p:par>
-                              <p:par>
-                                <p:cTn id="13" presetID="1" presetClass="entr" presetSubtype="0" fill="hold" nodeType="withEffect">
-                                  <p:stCondLst>
-                                    <p:cond delay="0"/>
-                                  </p:stCondLst>
-                                  <p:childTnLst>
-                                    <p:set>
-                                      <p:cBhvr>
-                                        <p:cTn id="14" dur="1" fill="hold">
-                                          <p:stCondLst>
-                                            <p:cond delay="0"/>
-                                          </p:stCondLst>
-                                        </p:cTn>
-                                        <p:tgtEl>
-                                          <p:spTgt spid="9"/>
-                                        </p:tgtEl>
-                                        <p:attrNameLst>
-                                          <p:attrName>style.visibility</p:attrName>
-                                        </p:attrNameLst>
-                                      </p:cBhvr>
-                                      <p:to>
-                                        <p:strVal val="visible"/>
-                                      </p:to>
-                                    </p:set>
-                                  </p:childTnLst>
-                                </p:cTn>
-                              </p:par>
-                            </p:childTnLst>
-                          </p:cTn>
-                        </p:par>
-                      </p:childTnLst>
-                    </p:cTn>
-                  </p:par>
-                </p:childTnLst>
-              </p:cTn>
-              <p:prevCondLst>
-                <p:cond evt="onPrev" delay="0">
-                  <p:tgtEl>
-                    <p:sldTgt/>
-                  </p:tgtEl>
-                </p:cond>
-              </p:prevCondLst>
-              <p:nextCondLst>
-                <p:cond evt="onNext" delay="0">
-                  <p:tgtEl>
-                    <p:sldTgt/>
-                  </p:tgtEl>
-                </p:cond>
-              </p:nextCondLst>
-            </p:seq>
-          </p:childTnLst>
-        </p:cTn>
-      </p:par>
-    </p:tnLst>
-    <p:bldLst>
-      <p:bldP spid="5" grpId="0" animBg="1"/>
-      <p:bldP spid="6" grpId="0" animBg="1"/>
-    </p:bldLst>
-  </p:timing>
-</p:sld>
-</file>
-
-<file path=ppt/slides/slide18.xml><?xml version="1.0" encoding="utf-8"?>
-<p:sld xmlns:a="http://schemas.openxmlformats.org/drawingml/2006/main" xmlns:r="http://schemas.openxmlformats.org/officeDocument/2006/relationships" xmlns:p="http://schemas.openxmlformats.org/presentationml/2006/main">
-  <p:cSld>
-    <p:spTree>
-      <p:nvGrpSpPr>
-        <p:cNvPr id="1" name=""/>
-        <p:cNvGrpSpPr/>
-        <p:nvPr/>
-      </p:nvGrpSpPr>
-      <p:grpSpPr>
-        <a:xfrm>
-          <a:off x="0" y="0"/>
-          <a:ext cx="0" cy="0"/>
-          <a:chOff x="0" y="0"/>
-          <a:chExt cx="0" cy="0"/>
-        </a:xfrm>
-      </p:grpSpPr>
-      <p:pic>
-        <p:nvPicPr>
-          <p:cNvPr id="5" name="Picture 4"/>
-          <p:cNvPicPr>
-            <a:picLocks noChangeAspect="1"/>
-          </p:cNvPicPr>
-          <p:nvPr/>
-        </p:nvPicPr>
-        <p:blipFill>
-          <a:blip r:embed="rId2">
-            <a:extLst>
-              <a:ext uri="{28A0092B-C50C-407E-A947-70E740481C1C}">
-                <a14:useLocalDpi xmlns:a14="http://schemas.microsoft.com/office/drawing/2010/main" val="0"/>
-              </a:ext>
-            </a:extLst>
-          </a:blip>
-          <a:stretch>
-            <a:fillRect/>
-          </a:stretch>
-        </p:blipFill>
-        <p:spPr>
-          <a:xfrm>
-            <a:off x="954464" y="1279019"/>
-            <a:ext cx="7235072" cy="3713178"/>
-          </a:xfrm>
-          <a:prstGeom prst="rect">
-            <a:avLst/>
-          </a:prstGeom>
-        </p:spPr>
-      </p:pic>
-      <p:sp>
-        <p:nvSpPr>
-          <p:cNvPr id="2" name="Title 1"/>
-          <p:cNvSpPr>
-            <a:spLocks noGrp="1"/>
-          </p:cNvSpPr>
-          <p:nvPr>
-            <p:ph type="title"/>
-          </p:nvPr>
-        </p:nvSpPr>
-        <p:spPr/>
-        <p:txBody>
-          <a:bodyPr/>
-          <a:lstStyle/>
-          <a:p>
-            <a:r>
-              <a:rPr lang="en-US" smtClean="0"/>
-              <a:t>Processing a knitr Document</a:t>
-            </a:r>
-            <a:endParaRPr lang="en-US"/>
-          </a:p>
-        </p:txBody>
-      </p:sp>
-      <p:sp>
-        <p:nvSpPr>
-          <p:cNvPr id="4" name="Rectangle 3"/>
-          <p:cNvSpPr/>
-          <p:nvPr/>
-        </p:nvSpPr>
-        <p:spPr>
-          <a:xfrm>
-            <a:off x="4883272" y="922353"/>
-            <a:ext cx="1516551" cy="431579"/>
-          </a:xfrm>
-          <a:prstGeom prst="rect">
-            <a:avLst/>
-          </a:prstGeom>
-        </p:spPr>
-        <p:style>
-          <a:lnRef idx="1">
-            <a:schemeClr val="accent1"/>
-          </a:lnRef>
-          <a:fillRef idx="3">
-            <a:schemeClr val="accent1"/>
-          </a:fillRef>
-          <a:effectRef idx="2">
-            <a:schemeClr val="accent1"/>
-          </a:effectRef>
-          <a:fontRef idx="minor">
-            <a:schemeClr val="lt1"/>
-          </a:fontRef>
-        </p:style>
-        <p:txBody>
-          <a:bodyPr rtlCol="0" anchor="ctr"/>
-          <a:lstStyle/>
-          <a:p>
-            <a:pPr algn="ctr"/>
-            <a:r>
-              <a:rPr lang="en-US" smtClean="0"/>
-              <a:t>Push here</a:t>
-            </a:r>
-            <a:endParaRPr lang="en-US"/>
-          </a:p>
-        </p:txBody>
-      </p:sp>
-      <p:cxnSp>
-        <p:nvCxnSpPr>
-          <p:cNvPr id="6" name="Straight Arrow Connector 5"/>
-          <p:cNvCxnSpPr>
-            <a:stCxn id="4" idx="1"/>
-          </p:cNvCxnSpPr>
-          <p:nvPr/>
-        </p:nvCxnSpPr>
-        <p:spPr>
-          <a:xfrm flipH="1">
-            <a:off x="3650304" y="1138143"/>
-            <a:ext cx="1232968" cy="450075"/>
-          </a:xfrm>
-          <a:prstGeom prst="straightConnector1">
-            <a:avLst/>
-          </a:prstGeom>
-          <a:ln>
-            <a:tailEnd type="arrow"/>
-          </a:ln>
-        </p:spPr>
-        <p:style>
-          <a:lnRef idx="2">
-            <a:schemeClr val="accent1"/>
-          </a:lnRef>
-          <a:fillRef idx="0">
-            <a:schemeClr val="accent1"/>
-          </a:fillRef>
-          <a:effectRef idx="1">
-            <a:schemeClr val="accent1"/>
-          </a:effectRef>
-          <a:fontRef idx="minor">
-            <a:schemeClr val="tx1"/>
-          </a:fontRef>
-        </p:style>
-      </p:cxnSp>
-    </p:spTree>
-    <p:extLst>
-      <p:ext uri="{BB962C8B-B14F-4D97-AF65-F5344CB8AC3E}">
-        <p14:creationId xmlns:p14="http://schemas.microsoft.com/office/powerpoint/2010/main" val="3212027696"/>
-      </p:ext>
-    </p:extLst>
-  </p:cSld>
-  <p:clrMapOvr>
-    <a:masterClrMapping/>
-  </p:clrMapOvr>
-  <p:timing>
-    <p:tnLst>
-      <p:par>
-        <p:cTn id="1" dur="indefinite" restart="never" nodeType="tmRoot">
-          <p:childTnLst>
-            <p:seq concurrent="1" nextAc="seek">
-              <p:cTn id="2" dur="indefinite" nodeType="mainSeq">
-                <p:childTnLst>
-                  <p:par>
-                    <p:cTn id="3" fill="hold">
-                      <p:stCondLst>
-                        <p:cond delay="indefinite"/>
-                      </p:stCondLst>
-                      <p:childTnLst>
-                        <p:par>
-                          <p:cTn id="4" fill="hold">
-                            <p:stCondLst>
-                              <p:cond delay="0"/>
-                            </p:stCondLst>
-                            <p:childTnLst>
-                              <p:par>
-                                <p:cTn id="5" presetID="1" presetClass="entr" presetSubtype="0" fill="hold" grpId="0" nodeType="clickEffect">
-                                  <p:stCondLst>
-                                    <p:cond delay="0"/>
-                                  </p:stCondLst>
-                                  <p:childTnLst>
-                                    <p:set>
-                                      <p:cBhvr>
-                                        <p:cTn id="6" dur="1" fill="hold">
-                                          <p:stCondLst>
-                                            <p:cond delay="0"/>
-                                          </p:stCondLst>
-                                        </p:cTn>
-                                        <p:tgtEl>
-                                          <p:spTgt spid="4"/>
-                                        </p:tgtEl>
-                                        <p:attrNameLst>
-                                          <p:attrName>style.visibility</p:attrName>
-                                        </p:attrNameLst>
-                                      </p:cBhvr>
-                                      <p:to>
-                                        <p:strVal val="visible"/>
-                                      </p:to>
-                                    </p:set>
-                                  </p:childTnLst>
-                                </p:cTn>
-                              </p:par>
-                              <p:par>
-                                <p:cTn id="7" presetID="1" presetClass="entr" presetSubtype="0" fill="hold" nodeType="withEffect">
-                                  <p:stCondLst>
-                                    <p:cond delay="0"/>
-                                  </p:stCondLst>
-                                  <p:childTnLst>
-                                    <p:set>
-                                      <p:cBhvr>
-                                        <p:cTn id="8" dur="1" fill="hold">
-                                          <p:stCondLst>
-                                            <p:cond delay="0"/>
-                                          </p:stCondLst>
-                                        </p:cTn>
-                                        <p:tgtEl>
-                                          <p:spTgt spid="6"/>
-                                        </p:tgtEl>
-                                        <p:attrNameLst>
-                                          <p:attrName>style.visibility</p:attrName>
-                                        </p:attrNameLst>
-                                      </p:cBhvr>
-                                      <p:to>
-                                        <p:strVal val="visible"/>
-                                      </p:to>
-                                    </p:set>
-                                  </p:childTnLst>
-                                </p:cTn>
-                              </p:par>
-                            </p:childTnLst>
-                          </p:cTn>
-                        </p:par>
-                      </p:childTnLst>
-                    </p:cTn>
-                  </p:par>
-                </p:childTnLst>
-              </p:cTn>
-              <p:prevCondLst>
-                <p:cond evt="onPrev" delay="0">
-                  <p:tgtEl>
-                    <p:sldTgt/>
-                  </p:tgtEl>
-                </p:cond>
-              </p:prevCondLst>
-              <p:nextCondLst>
-                <p:cond evt="onNext" delay="0">
-                  <p:tgtEl>
-                    <p:sldTgt/>
-                  </p:tgtEl>
-                </p:cond>
-              </p:nextCondLst>
-            </p:seq>
-          </p:childTnLst>
-        </p:cTn>
-      </p:par>
-    </p:tnLst>
-    <p:bldLst>
-      <p:bldP spid="4" grpId="0" animBg="1"/>
-    </p:bldLst>
-  </p:timing>
-</p:sld>
-</file>
-
-<file path=ppt/slides/slide19.xml><?xml version="1.0" encoding="utf-8"?>
-<p:sld xmlns:a="http://schemas.openxmlformats.org/drawingml/2006/main" xmlns:r="http://schemas.openxmlformats.org/officeDocument/2006/relationships" xmlns:p="http://schemas.openxmlformats.org/presentationml/2006/main">
-  <p:cSld>
-    <p:spTree>
-      <p:nvGrpSpPr>
-        <p:cNvPr id="1" name=""/>
-        <p:cNvGrpSpPr/>
-        <p:nvPr/>
-      </p:nvGrpSpPr>
-      <p:grpSpPr>
-        <a:xfrm>
-          <a:off x="0" y="0"/>
-          <a:ext cx="0" cy="0"/>
-          <a:chOff x="0" y="0"/>
-          <a:chExt cx="0" cy="0"/>
-        </a:xfrm>
-      </p:grpSpPr>
-      <p:sp>
-        <p:nvSpPr>
-          <p:cNvPr id="2" name="Title 1"/>
-          <p:cNvSpPr>
-            <a:spLocks noGrp="1"/>
-          </p:cNvSpPr>
-          <p:nvPr>
-            <p:ph type="title"/>
-          </p:nvPr>
-        </p:nvSpPr>
-        <p:spPr/>
-        <p:txBody>
-          <a:bodyPr/>
-          <a:lstStyle/>
-          <a:p>
-            <a:r>
-              <a:rPr lang="en-US" smtClean="0"/>
-              <a:t>More Complicated Way</a:t>
-            </a:r>
-            <a:endParaRPr lang="en-US"/>
-          </a:p>
-        </p:txBody>
-      </p:sp>
-      <p:sp>
-        <p:nvSpPr>
-          <p:cNvPr id="3" name="Content Placeholder 2"/>
-          <p:cNvSpPr>
-            <a:spLocks noGrp="1"/>
-          </p:cNvSpPr>
-          <p:nvPr>
-            <p:ph idx="1"/>
-          </p:nvPr>
-        </p:nvSpPr>
-        <p:spPr/>
-        <p:txBody>
-          <a:bodyPr/>
-          <a:lstStyle/>
-          <a:p>
-            <a:pPr marL="0" indent="0">
-              <a:buNone/>
-            </a:pPr>
-            <a:r>
-              <a:rPr lang="en-US" dirty="0" smtClean="0">
-                <a:latin typeface="Courier"/>
-                <a:cs typeface="Courier"/>
-              </a:rPr>
-              <a:t>library(</a:t>
-            </a:r>
-            <a:r>
-              <a:rPr lang="en-US" dirty="0" err="1" smtClean="0">
-                <a:latin typeface="Courier"/>
-                <a:cs typeface="Courier"/>
-              </a:rPr>
-              <a:t>rmarkdown</a:t>
-            </a:r>
-            <a:r>
-              <a:rPr lang="en-US" dirty="0" smtClean="0">
-                <a:latin typeface="Courier"/>
-                <a:cs typeface="Courier"/>
-              </a:rPr>
-              <a:t>)</a:t>
-            </a:r>
-            <a:r>
-              <a:rPr lang="en-US" dirty="0" smtClean="0">
-                <a:latin typeface="Courier"/>
-                <a:cs typeface="Courier"/>
-              </a:rPr>
-              <a:t/>
-            </a:r>
-            <a:br>
-              <a:rPr lang="en-US" dirty="0" smtClean="0">
-                <a:latin typeface="Courier"/>
-                <a:cs typeface="Courier"/>
-              </a:rPr>
-            </a:br>
-            <a:r>
-              <a:rPr lang="en-US" dirty="0" err="1" smtClean="0">
-                <a:latin typeface="Courier"/>
-                <a:cs typeface="Courier"/>
-              </a:rPr>
-              <a:t>setwd</a:t>
-            </a:r>
-            <a:r>
-              <a:rPr lang="en-US" dirty="0" smtClean="0">
-                <a:latin typeface="Courier"/>
-                <a:cs typeface="Courier"/>
-              </a:rPr>
-              <a:t>(&lt;working directory&gt;)</a:t>
-            </a:r>
-          </a:p>
-          <a:p>
-            <a:pPr marL="0" indent="0">
-              <a:buNone/>
-            </a:pPr>
-            <a:r>
-              <a:rPr lang="en-US" dirty="0" smtClean="0">
-                <a:latin typeface="Courier"/>
-                <a:cs typeface="Courier"/>
-              </a:rPr>
-              <a:t>render</a:t>
-            </a:r>
-            <a:r>
-              <a:rPr lang="en-US" dirty="0" smtClean="0">
-                <a:latin typeface="Courier"/>
-                <a:cs typeface="Courier"/>
-              </a:rPr>
-              <a:t>(“</a:t>
-            </a:r>
-            <a:r>
-              <a:rPr lang="en-US" dirty="0" err="1" smtClean="0">
-                <a:latin typeface="Courier"/>
-                <a:cs typeface="Courier"/>
-              </a:rPr>
-              <a:t>document.Rmd</a:t>
-            </a:r>
-            <a:r>
-              <a:rPr lang="en-US" dirty="0" smtClean="0">
-                <a:latin typeface="Courier"/>
-                <a:cs typeface="Courier"/>
-              </a:rPr>
-              <a:t>”)</a:t>
-            </a:r>
-          </a:p>
-          <a:p>
-            <a:pPr marL="0" indent="0">
-              <a:buNone/>
-            </a:pPr>
-            <a:r>
-              <a:rPr lang="en-US" dirty="0" err="1" smtClean="0">
-                <a:latin typeface="Courier"/>
-                <a:cs typeface="Courier"/>
-              </a:rPr>
-              <a:t>browseURL</a:t>
-            </a:r>
-            <a:r>
-              <a:rPr lang="en-US" dirty="0" smtClean="0">
-                <a:latin typeface="Courier"/>
-                <a:cs typeface="Courier"/>
-              </a:rPr>
-              <a:t>(“</a:t>
-            </a:r>
-            <a:r>
-              <a:rPr lang="en-US" dirty="0" err="1" smtClean="0">
-                <a:latin typeface="Courier"/>
-                <a:cs typeface="Courier"/>
-              </a:rPr>
-              <a:t>document.html</a:t>
-            </a:r>
-            <a:r>
-              <a:rPr lang="en-US" dirty="0" smtClean="0">
-                <a:latin typeface="Courier"/>
-                <a:cs typeface="Courier"/>
-              </a:rPr>
-              <a:t>”)</a:t>
-            </a:r>
-            <a:endParaRPr lang="en-US" dirty="0">
-              <a:latin typeface="Courier"/>
-              <a:cs typeface="Courier"/>
-            </a:endParaRPr>
-          </a:p>
-        </p:txBody>
-      </p:sp>
-    </p:spTree>
-    <p:extLst>
-      <p:ext uri="{BB962C8B-B14F-4D97-AF65-F5344CB8AC3E}">
-        <p14:creationId xmlns:p14="http://schemas.microsoft.com/office/powerpoint/2010/main" val="3490930295"/>
-      </p:ext>
-    </p:extLst>
-  </p:cSld>
-  <p:clrMapOvr>
-    <a:masterClrMapping/>
-  </p:clrMapOvr>
-  <p:timing>
-    <p:tnLst>
-      <p:par>
-        <p:cTn id="1" dur="indefinite" restart="never" nodeType="tmRoot"/>
-      </p:par>
-    </p:tnLst>
-  </p:timing>
-</p:sld>
-</file>
-
-<file path=ppt/slides/slide2.xml><?xml version="1.0" encoding="utf-8"?>
-<p:sld xmlns:a="http://schemas.openxmlformats.org/drawingml/2006/main" xmlns:r="http://schemas.openxmlformats.org/officeDocument/2006/relationships" xmlns:p="http://schemas.openxmlformats.org/presentationml/2006/main">
-  <p:cSld>
-    <p:spTree>
-      <p:nvGrpSpPr>
-        <p:cNvPr id="1" name=""/>
-        <p:cNvGrpSpPr/>
-        <p:nvPr/>
-      </p:nvGrpSpPr>
-      <p:grpSpPr>
-        <a:xfrm>
-          <a:off x="0" y="0"/>
-          <a:ext cx="0" cy="0"/>
-          <a:chOff x="0" y="0"/>
-          <a:chExt cx="0" cy="0"/>
-        </a:xfrm>
-      </p:grpSpPr>
-      <p:sp>
-        <p:nvSpPr>
-          <p:cNvPr id="2" name="Title 1"/>
-          <p:cNvSpPr>
-            <a:spLocks noGrp="1"/>
-          </p:cNvSpPr>
-          <p:nvPr>
-            <p:ph type="title"/>
-          </p:nvPr>
-        </p:nvSpPr>
-        <p:spPr/>
-        <p:txBody>
-          <a:bodyPr/>
-          <a:lstStyle/>
-          <a:p>
-            <a:r>
-              <a:rPr lang="en-US" smtClean="0"/>
-              <a:t>Problems, Problems</a:t>
-            </a:r>
-            <a:endParaRPr lang="en-US"/>
-          </a:p>
-        </p:txBody>
-      </p:sp>
-      <p:sp>
-        <p:nvSpPr>
-          <p:cNvPr id="3" name="Content Placeholder 2"/>
-          <p:cNvSpPr>
-            <a:spLocks noGrp="1"/>
-          </p:cNvSpPr>
-          <p:nvPr>
-            <p:ph idx="1"/>
-          </p:nvPr>
-        </p:nvSpPr>
-        <p:spPr/>
-        <p:txBody>
-          <a:bodyPr>
-            <a:normAutofit fontScale="85000" lnSpcReduction="20000"/>
-          </a:bodyPr>
-          <a:lstStyle/>
-          <a:p>
-            <a:r>
-              <a:rPr lang="en-US" smtClean="0"/>
-              <a:t>Authors must undertake considerable effort to put data/results on the web</a:t>
-            </a:r>
-          </a:p>
-          <a:p>
-            <a:r>
-              <a:rPr lang="en-US" smtClean="0"/>
-              <a:t>Readers must download data/results individually and piece together which data go with which code sections, etc.</a:t>
-            </a:r>
-          </a:p>
-          <a:p>
-            <a:r>
-              <a:rPr lang="en-US" smtClean="0"/>
-              <a:t>Authors/readers must manually interact with websites</a:t>
-            </a:r>
-          </a:p>
-          <a:p>
-            <a:r>
-              <a:rPr lang="en-US" smtClean="0"/>
-              <a:t>There is no single document to integrate data analysis with textual representations; i.e. data, code, and text are not linked</a:t>
-            </a:r>
-            <a:endParaRPr lang="en-US"/>
-          </a:p>
-        </p:txBody>
-      </p:sp>
-    </p:spTree>
-    <p:extLst>
-      <p:ext uri="{BB962C8B-B14F-4D97-AF65-F5344CB8AC3E}">
-        <p14:creationId xmlns:p14="http://schemas.microsoft.com/office/powerpoint/2010/main" val="298781031"/>
-      </p:ext>
-    </p:extLst>
-  </p:cSld>
-  <p:clrMapOvr>
-    <a:masterClrMapping/>
-  </p:clrMapOvr>
-</p:sld>
-</file>
-
-<file path=ppt/slides/slide20.xml><?xml version="1.0" encoding="utf-8"?>
-<p:sld xmlns:a="http://schemas.openxmlformats.org/drawingml/2006/main" xmlns:r="http://schemas.openxmlformats.org/officeDocument/2006/relationships" xmlns:p="http://schemas.openxmlformats.org/presentationml/2006/main">
-  <p:cSld>
-    <p:spTree>
-      <p:nvGrpSpPr>
-        <p:cNvPr id="1" name=""/>
-        <p:cNvGrpSpPr/>
-        <p:nvPr/>
-      </p:nvGrpSpPr>
-      <p:grpSpPr>
-        <a:xfrm>
-          <a:off x="0" y="0"/>
-          <a:ext cx="0" cy="0"/>
-          <a:chOff x="0" y="0"/>
-          <a:chExt cx="0" cy="0"/>
-        </a:xfrm>
-      </p:grpSpPr>
-      <p:sp>
-        <p:nvSpPr>
-          <p:cNvPr id="2" name="Title 1"/>
-          <p:cNvSpPr>
-            <a:spLocks noGrp="1"/>
-          </p:cNvSpPr>
-          <p:nvPr>
-            <p:ph type="title"/>
-          </p:nvPr>
-        </p:nvSpPr>
-        <p:spPr/>
-        <p:txBody>
-          <a:bodyPr/>
-          <a:lstStyle/>
-          <a:p>
-            <a:r>
-              <a:rPr lang="en-US" smtClean="0"/>
-              <a:t>HTML Output</a:t>
-            </a:r>
-            <a:endParaRPr lang="en-US"/>
-          </a:p>
-        </p:txBody>
-      </p:sp>
-      <p:pic>
-        <p:nvPicPr>
-          <p:cNvPr id="4" name="Picture 3" descr="Screen Shot 2013-09-04 at 4.14.38 PM.png"/>
-          <p:cNvPicPr>
-            <a:picLocks noChangeAspect="1"/>
-          </p:cNvPicPr>
-          <p:nvPr/>
-        </p:nvPicPr>
-        <p:blipFill>
-          <a:blip r:embed="rId2">
-            <a:extLst>
-              <a:ext uri="{28A0092B-C50C-407E-A947-70E740481C1C}">
-                <a14:useLocalDpi xmlns:a14="http://schemas.microsoft.com/office/drawing/2010/main" val="0"/>
-              </a:ext>
-            </a:extLst>
-          </a:blip>
-          <a:stretch>
-            <a:fillRect/>
-          </a:stretch>
-        </p:blipFill>
-        <p:spPr>
-          <a:xfrm>
-            <a:off x="737982" y="1206499"/>
-            <a:ext cx="7628247" cy="3643087"/>
-          </a:xfrm>
-          <a:prstGeom prst="rect">
-            <a:avLst/>
-          </a:prstGeom>
-        </p:spPr>
-      </p:pic>
-      <p:sp>
-        <p:nvSpPr>
-          <p:cNvPr id="5" name="Rounded Rectangle 4"/>
-          <p:cNvSpPr/>
-          <p:nvPr/>
-        </p:nvSpPr>
-        <p:spPr>
-          <a:xfrm>
-            <a:off x="6127851" y="3193686"/>
-            <a:ext cx="1343936" cy="517895"/>
-          </a:xfrm>
-          <a:prstGeom prst="roundRect">
-            <a:avLst/>
-          </a:prstGeom>
-        </p:spPr>
-        <p:style>
-          <a:lnRef idx="1">
-            <a:schemeClr val="accent1"/>
-          </a:lnRef>
-          <a:fillRef idx="3">
-            <a:schemeClr val="accent1"/>
-          </a:fillRef>
-          <a:effectRef idx="2">
-            <a:schemeClr val="accent1"/>
-          </a:effectRef>
-          <a:fontRef idx="minor">
-            <a:schemeClr val="lt1"/>
-          </a:fontRef>
-        </p:style>
-        <p:txBody>
-          <a:bodyPr rtlCol="0" anchor="ctr"/>
-          <a:lstStyle/>
-          <a:p>
-            <a:pPr algn="ctr"/>
-            <a:r>
-              <a:rPr lang="en-US" smtClean="0"/>
-              <a:t>Code input</a:t>
-            </a:r>
-            <a:endParaRPr lang="en-US"/>
-          </a:p>
-        </p:txBody>
-      </p:sp>
-      <p:sp>
-        <p:nvSpPr>
-          <p:cNvPr id="6" name="Rounded Rectangle 5"/>
-          <p:cNvSpPr/>
-          <p:nvPr/>
-        </p:nvSpPr>
-        <p:spPr>
-          <a:xfrm>
-            <a:off x="5984339" y="4233906"/>
-            <a:ext cx="1968306" cy="353165"/>
-          </a:xfrm>
-          <a:prstGeom prst="roundRect">
-            <a:avLst/>
-          </a:prstGeom>
-        </p:spPr>
-        <p:style>
-          <a:lnRef idx="1">
-            <a:schemeClr val="accent1"/>
-          </a:lnRef>
-          <a:fillRef idx="3">
-            <a:schemeClr val="accent1"/>
-          </a:fillRef>
-          <a:effectRef idx="2">
-            <a:schemeClr val="accent1"/>
-          </a:effectRef>
-          <a:fontRef idx="minor">
-            <a:schemeClr val="lt1"/>
-          </a:fontRef>
-        </p:style>
-        <p:txBody>
-          <a:bodyPr rtlCol="0" anchor="ctr"/>
-          <a:lstStyle/>
-          <a:p>
-            <a:pPr algn="ctr"/>
-            <a:r>
-              <a:rPr lang="en-US" smtClean="0"/>
-              <a:t>Numerical output</a:t>
-            </a:r>
-            <a:endParaRPr lang="en-US"/>
-          </a:p>
-        </p:txBody>
-      </p:sp>
-    </p:spTree>
-    <p:extLst>
-      <p:ext uri="{BB962C8B-B14F-4D97-AF65-F5344CB8AC3E}">
-        <p14:creationId xmlns:p14="http://schemas.microsoft.com/office/powerpoint/2010/main" val="3780337053"/>
-      </p:ext>
-    </p:extLst>
-  </p:cSld>
-  <p:clrMapOvr>
-    <a:masterClrMapping/>
-  </p:clrMapOvr>
-  <p:timing>
-    <p:tnLst>
-      <p:par>
-        <p:cTn id="1" dur="indefinite" restart="never" nodeType="tmRoot">
-          <p:childTnLst>
-            <p:seq concurrent="1" nextAc="seek">
-              <p:cTn id="2" dur="indefinite" nodeType="mainSeq">
-                <p:childTnLst>
-                  <p:par>
-                    <p:cTn id="3" fill="hold">
-                      <p:stCondLst>
-                        <p:cond delay="indefinite"/>
-                      </p:stCondLst>
-                      <p:childTnLst>
-                        <p:par>
-                          <p:cTn id="4" fill="hold">
-                            <p:stCondLst>
-                              <p:cond delay="0"/>
-                            </p:stCondLst>
-                            <p:childTnLst>
-                              <p:par>
-                                <p:cTn id="5" presetID="1" presetClass="entr" presetSubtype="0" fill="hold" grpId="0" nodeType="clickEffect">
-                                  <p:stCondLst>
-                                    <p:cond delay="0"/>
-                                  </p:stCondLst>
-                                  <p:childTnLst>
-                                    <p:set>
-                                      <p:cBhvr>
-                                        <p:cTn id="6" dur="1" fill="hold">
-                                          <p:stCondLst>
-                                            <p:cond delay="0"/>
-                                          </p:stCondLst>
-                                        </p:cTn>
-                                        <p:tgtEl>
-                                          <p:spTgt spid="6"/>
-                                        </p:tgtEl>
-                                        <p:attrNameLst>
-                                          <p:attrName>style.visibility</p:attrName>
-                                        </p:attrNameLst>
-                                      </p:cBhvr>
-                                      <p:to>
-                                        <p:strVal val="visible"/>
-                                      </p:to>
-                                    </p:set>
-                                  </p:childTnLst>
-                                </p:cTn>
-                              </p:par>
-                              <p:par>
-                                <p:cTn id="7" presetID="1" presetClass="entr" presetSubtype="0" fill="hold" grpId="0" nodeType="withEffect">
-                                  <p:stCondLst>
-                                    <p:cond delay="0"/>
-                                  </p:stCondLst>
-                                  <p:childTnLst>
-                                    <p:set>
-                                      <p:cBhvr>
-                                        <p:cTn id="8" dur="1" fill="hold">
-                                          <p:stCondLst>
-                                            <p:cond delay="0"/>
-                                          </p:stCondLst>
-                                        </p:cTn>
-                                        <p:tgtEl>
-                                          <p:spTgt spid="5"/>
-                                        </p:tgtEl>
-                                        <p:attrNameLst>
-                                          <p:attrName>style.visibility</p:attrName>
-                                        </p:attrNameLst>
-                                      </p:cBhvr>
-                                      <p:to>
-                                        <p:strVal val="visible"/>
-                                      </p:to>
-                                    </p:set>
-                                  </p:childTnLst>
-                                </p:cTn>
-                              </p:par>
-                            </p:childTnLst>
-                          </p:cTn>
-                        </p:par>
-                      </p:childTnLst>
-                    </p:cTn>
-                  </p:par>
-                </p:childTnLst>
-              </p:cTn>
-              <p:prevCondLst>
-                <p:cond evt="onPrev" delay="0">
-                  <p:tgtEl>
-                    <p:sldTgt/>
-                  </p:tgtEl>
-                </p:cond>
-              </p:prevCondLst>
-              <p:nextCondLst>
-                <p:cond evt="onNext" delay="0">
-                  <p:tgtEl>
-                    <p:sldTgt/>
-                  </p:tgtEl>
-                </p:cond>
-              </p:nextCondLst>
-            </p:seq>
-          </p:childTnLst>
-        </p:cTn>
-      </p:par>
-    </p:tnLst>
-    <p:bldLst>
-      <p:bldP spid="5" grpId="0" animBg="1"/>
-      <p:bldP spid="6" grpId="0" animBg="1"/>
-    </p:bldLst>
-  </p:timing>
-</p:sld>
-</file>
-
-<file path=ppt/slides/slide21.xml><?xml version="1.0" encoding="utf-8"?>
-<p:sld xmlns:a="http://schemas.openxmlformats.org/drawingml/2006/main" xmlns:r="http://schemas.openxmlformats.org/officeDocument/2006/relationships" xmlns:p="http://schemas.openxmlformats.org/presentationml/2006/main">
-  <p:cSld>
-    <p:spTree>
-      <p:nvGrpSpPr>
-        <p:cNvPr id="1" name=""/>
-        <p:cNvGrpSpPr/>
-        <p:nvPr/>
-      </p:nvGrpSpPr>
-      <p:grpSpPr>
-        <a:xfrm>
-          <a:off x="0" y="0"/>
-          <a:ext cx="0" cy="0"/>
-          <a:chOff x="0" y="0"/>
-          <a:chExt cx="0" cy="0"/>
-        </a:xfrm>
-      </p:grpSpPr>
-      <p:sp>
-        <p:nvSpPr>
-          <p:cNvPr id="2" name="Title 1"/>
-          <p:cNvSpPr>
-            <a:spLocks noGrp="1"/>
-          </p:cNvSpPr>
-          <p:nvPr>
-            <p:ph type="title"/>
-          </p:nvPr>
-        </p:nvSpPr>
-        <p:spPr/>
-        <p:txBody>
-          <a:bodyPr/>
-          <a:lstStyle/>
-          <a:p>
-            <a:r>
-              <a:rPr lang="en-US" smtClean="0"/>
               <a:t>What knitr Produces: Markdown</a:t>
             </a:r>
             <a:endParaRPr lang="en-US"/>
@@ -6720,7 +4131,7 @@
 </p:sld>
 </file>
 
-<file path=ppt/slides/slide22.xml><?xml version="1.0" encoding="utf-8"?>
+<file path=ppt/slides/slide11.xml><?xml version="1.0" encoding="utf-8"?>
 <p:sld xmlns:a="http://schemas.openxmlformats.org/drawingml/2006/main" xmlns:r="http://schemas.openxmlformats.org/officeDocument/2006/relationships" xmlns:p="http://schemas.openxmlformats.org/presentationml/2006/main">
   <p:cSld>
     <p:spTree>
@@ -6895,7 +4306,7 @@
 </p:sld>
 </file>
 
-<file path=ppt/slides/slide23.xml><?xml version="1.0" encoding="utf-8"?>
+<file path=ppt/slides/slide12.xml><?xml version="1.0" encoding="utf-8"?>
 <p:sld xmlns:a="http://schemas.openxmlformats.org/drawingml/2006/main" xmlns:r="http://schemas.openxmlformats.org/officeDocument/2006/relationships" xmlns:p="http://schemas.openxmlformats.org/presentationml/2006/main">
   <p:cSld>
     <p:spTree>
@@ -7029,7 +4440,7 @@
 </p:sld>
 </file>
 
-<file path=ppt/slides/slide24.xml><?xml version="1.0" encoding="utf-8"?>
+<file path=ppt/slides/slide13.xml><?xml version="1.0" encoding="utf-8"?>
 <p:sld xmlns:a="http://schemas.openxmlformats.org/drawingml/2006/main" xmlns:r="http://schemas.openxmlformats.org/officeDocument/2006/relationships" xmlns:p="http://schemas.openxmlformats.org/presentationml/2006/main">
   <p:cSld>
     <p:spTree>
@@ -7594,7 +5005,7 @@
 </p:sld>
 </file>
 
-<file path=ppt/slides/slide25.xml><?xml version="1.0" encoding="utf-8"?>
+<file path=ppt/slides/slide14.xml><?xml version="1.0" encoding="utf-8"?>
 <p:sld xmlns:a="http://schemas.openxmlformats.org/drawingml/2006/main" xmlns:r="http://schemas.openxmlformats.org/officeDocument/2006/relationships" xmlns:p="http://schemas.openxmlformats.org/presentationml/2006/main">
   <p:cSld>
     <p:spTree>
@@ -7684,7 +5095,7 @@
 </p:sld>
 </file>
 
-<file path=ppt/slides/slide26.xml><?xml version="1.0" encoding="utf-8"?>
+<file path=ppt/slides/slide15.xml><?xml version="1.0" encoding="utf-8"?>
 <p:sld xmlns:a="http://schemas.openxmlformats.org/drawingml/2006/main" xmlns:r="http://schemas.openxmlformats.org/officeDocument/2006/relationships" xmlns:p="http://schemas.openxmlformats.org/presentationml/2006/main">
   <p:cSld>
     <p:spTree>
@@ -7774,7 +5185,7 @@
 </p:sld>
 </file>
 
-<file path=ppt/slides/slide27.xml><?xml version="1.0" encoding="utf-8"?>
+<file path=ppt/slides/slide16.xml><?xml version="1.0" encoding="utf-8"?>
 <p:sld xmlns:a="http://schemas.openxmlformats.org/drawingml/2006/main" xmlns:r="http://schemas.openxmlformats.org/officeDocument/2006/relationships" xmlns:p="http://schemas.openxmlformats.org/presentationml/2006/main">
   <p:cSld>
     <p:spTree>
@@ -7864,7 +5275,7 @@
 </p:sld>
 </file>
 
-<file path=ppt/slides/slide28.xml><?xml version="1.0" encoding="utf-8"?>
+<file path=ppt/slides/slide17.xml><?xml version="1.0" encoding="utf-8"?>
 <p:sld xmlns:a="http://schemas.openxmlformats.org/drawingml/2006/main" xmlns:r="http://schemas.openxmlformats.org/officeDocument/2006/relationships" xmlns:p="http://schemas.openxmlformats.org/presentationml/2006/main">
   <p:cSld>
     <p:spTree>
@@ -7954,7 +5365,7 @@
 </p:sld>
 </file>
 
-<file path=ppt/slides/slide29.xml><?xml version="1.0" encoding="utf-8"?>
+<file path=ppt/slides/slide18.xml><?xml version="1.0" encoding="utf-8"?>
 <p:sld xmlns:a="http://schemas.openxmlformats.org/drawingml/2006/main" xmlns:r="http://schemas.openxmlformats.org/officeDocument/2006/relationships" xmlns:p="http://schemas.openxmlformats.org/presentationml/2006/main">
   <p:cSld>
     <p:spTree>
@@ -8044,148 +5455,7 @@
 </p:sld>
 </file>
 
-<file path=ppt/slides/slide3.xml><?xml version="1.0" encoding="utf-8"?>
-<p:sld xmlns:a="http://schemas.openxmlformats.org/drawingml/2006/main" xmlns:r="http://schemas.openxmlformats.org/officeDocument/2006/relationships" xmlns:p="http://schemas.openxmlformats.org/presentationml/2006/main">
-  <p:cSld>
-    <p:spTree>
-      <p:nvGrpSpPr>
-        <p:cNvPr id="1" name=""/>
-        <p:cNvGrpSpPr/>
-        <p:nvPr/>
-      </p:nvGrpSpPr>
-      <p:grpSpPr>
-        <a:xfrm>
-          <a:off x="0" y="0"/>
-          <a:ext cx="0" cy="0"/>
-          <a:chOff x="0" y="0"/>
-          <a:chExt cx="0" cy="0"/>
-        </a:xfrm>
-      </p:grpSpPr>
-      <p:sp>
-        <p:nvSpPr>
-          <p:cNvPr id="2" name="Title 1"/>
-          <p:cNvSpPr>
-            <a:spLocks noGrp="1"/>
-          </p:cNvSpPr>
-          <p:nvPr>
-            <p:ph type="title"/>
-          </p:nvPr>
-        </p:nvSpPr>
-        <p:spPr/>
-        <p:txBody>
-          <a:bodyPr/>
-          <a:lstStyle/>
-          <a:p>
-            <a:r>
-              <a:rPr lang="en-US" smtClean="0"/>
-              <a:t>Literate Statistical Programming</a:t>
-            </a:r>
-            <a:endParaRPr lang="en-US"/>
-          </a:p>
-        </p:txBody>
-      </p:sp>
-      <p:sp>
-        <p:nvSpPr>
-          <p:cNvPr id="3" name="Content Placeholder 2"/>
-          <p:cNvSpPr>
-            <a:spLocks noGrp="1"/>
-          </p:cNvSpPr>
-          <p:nvPr>
-            <p:ph idx="1"/>
-          </p:nvPr>
-        </p:nvSpPr>
-        <p:spPr>
-          <a:xfrm>
-            <a:off x="457200" y="1200150"/>
-            <a:ext cx="8229600" cy="3676549"/>
-          </a:xfrm>
-        </p:spPr>
-        <p:txBody>
-          <a:bodyPr>
-            <a:normAutofit fontScale="85000" lnSpcReduction="10000"/>
-          </a:bodyPr>
-          <a:lstStyle/>
-          <a:p>
-            <a:r>
-              <a:rPr lang="en-US" smtClean="0"/>
-              <a:t>Original idea comes from Don Knuth</a:t>
-            </a:r>
-          </a:p>
-          <a:p>
-            <a:r>
-              <a:rPr lang="en-US" smtClean="0"/>
-              <a:t>An article is a stream of </a:t>
-            </a:r>
-            <a:r>
-              <a:rPr lang="en-US" b="1" smtClean="0"/>
-              <a:t>text</a:t>
-            </a:r>
-            <a:r>
-              <a:rPr lang="en-US" smtClean="0"/>
-              <a:t> and </a:t>
-            </a:r>
-            <a:r>
-              <a:rPr lang="en-US" b="1" smtClean="0"/>
-              <a:t>code</a:t>
-            </a:r>
-            <a:endParaRPr lang="en-US" smtClean="0"/>
-          </a:p>
-          <a:p>
-            <a:r>
-              <a:rPr lang="en-US" smtClean="0"/>
-              <a:t>Analysis code is divided into text and code “chunks”</a:t>
-            </a:r>
-          </a:p>
-          <a:p>
-            <a:r>
-              <a:rPr lang="en-US" smtClean="0"/>
-              <a:t>Presentation code formats results (tables, figures, etc.)</a:t>
-            </a:r>
-          </a:p>
-          <a:p>
-            <a:r>
-              <a:rPr lang="en-US" smtClean="0"/>
-              <a:t>Article text explains what is going on</a:t>
-            </a:r>
-          </a:p>
-          <a:p>
-            <a:r>
-              <a:rPr lang="en-US" smtClean="0"/>
-              <a:t>Literate programs are </a:t>
-            </a:r>
-            <a:r>
-              <a:rPr lang="en-US" b="1" smtClean="0"/>
-              <a:t>weaved</a:t>
-            </a:r>
-            <a:r>
-              <a:rPr lang="en-US" smtClean="0"/>
-              <a:t> to produce human-readable documents and </a:t>
-            </a:r>
-            <a:r>
-              <a:rPr lang="en-US" b="1" smtClean="0"/>
-              <a:t>tangled</a:t>
-            </a:r>
-            <a:r>
-              <a:rPr lang="en-US" smtClean="0"/>
-              <a:t> to produce machine-readable documents</a:t>
-            </a:r>
-          </a:p>
-        </p:txBody>
-      </p:sp>
-    </p:spTree>
-    <p:extLst>
-      <p:ext uri="{BB962C8B-B14F-4D97-AF65-F5344CB8AC3E}">
-        <p14:creationId xmlns:p14="http://schemas.microsoft.com/office/powerpoint/2010/main" val="916578490"/>
-      </p:ext>
-    </p:extLst>
-  </p:cSld>
-  <p:clrMapOvr>
-    <a:masterClrMapping/>
-  </p:clrMapOvr>
-</p:sld>
-</file>
-
-<file path=ppt/slides/slide30.xml><?xml version="1.0" encoding="utf-8"?>
+<file path=ppt/slides/slide19.xml><?xml version="1.0" encoding="utf-8"?>
 <p:sld xmlns:a="http://schemas.openxmlformats.org/drawingml/2006/main" xmlns:r="http://schemas.openxmlformats.org/officeDocument/2006/relationships" xmlns:p="http://schemas.openxmlformats.org/presentationml/2006/main">
   <p:cSld>
     <p:spTree>
@@ -8450,7 +5720,158 @@
 </p:sld>
 </file>
 
-<file path=ppt/slides/slide31.xml><?xml version="1.0" encoding="utf-8"?>
+<file path=ppt/slides/slide2.xml><?xml version="1.0" encoding="utf-8"?>
+<p:sld xmlns:a="http://schemas.openxmlformats.org/drawingml/2006/main" xmlns:r="http://schemas.openxmlformats.org/officeDocument/2006/relationships" xmlns:p="http://schemas.openxmlformats.org/presentationml/2006/main">
+  <p:cSld>
+    <p:spTree>
+      <p:nvGrpSpPr>
+        <p:cNvPr id="1" name=""/>
+        <p:cNvGrpSpPr/>
+        <p:nvPr/>
+      </p:nvGrpSpPr>
+      <p:grpSpPr>
+        <a:xfrm>
+          <a:off x="0" y="0"/>
+          <a:ext cx="0" cy="0"/>
+          <a:chOff x="0" y="0"/>
+          <a:chExt cx="0" cy="0"/>
+        </a:xfrm>
+      </p:grpSpPr>
+      <p:sp>
+        <p:nvSpPr>
+          <p:cNvPr id="2" name="Title 1"/>
+          <p:cNvSpPr>
+            <a:spLocks noGrp="1"/>
+          </p:cNvSpPr>
+          <p:nvPr>
+            <p:ph type="title"/>
+          </p:nvPr>
+        </p:nvSpPr>
+        <p:spPr/>
+        <p:txBody>
+          <a:bodyPr/>
+          <a:lstStyle/>
+          <a:p>
+            <a:r>
+              <a:rPr lang="en-US" dirty="0" smtClean="0"/>
+              <a:t>What is </a:t>
+            </a:r>
+            <a:r>
+              <a:rPr lang="en-US" dirty="0" err="1" smtClean="0"/>
+              <a:t>knitr</a:t>
+            </a:r>
+            <a:r>
+              <a:rPr lang="en-US" dirty="0" smtClean="0"/>
+              <a:t>?</a:t>
+            </a:r>
+            <a:endParaRPr lang="en-US" dirty="0"/>
+          </a:p>
+        </p:txBody>
+      </p:sp>
+      <p:sp>
+        <p:nvSpPr>
+          <p:cNvPr id="3" name="Content Placeholder 2"/>
+          <p:cNvSpPr>
+            <a:spLocks noGrp="1"/>
+          </p:cNvSpPr>
+          <p:nvPr>
+            <p:ph idx="1"/>
+          </p:nvPr>
+        </p:nvSpPr>
+        <p:spPr/>
+        <p:txBody>
+          <a:bodyPr>
+            <a:normAutofit fontScale="92500" lnSpcReduction="10000"/>
+          </a:bodyPr>
+          <a:lstStyle/>
+          <a:p>
+            <a:r>
+              <a:rPr lang="en-US" dirty="0" smtClean="0"/>
+              <a:t>An R package written by </a:t>
+            </a:r>
+            <a:r>
+              <a:rPr lang="en-US" dirty="0" err="1" smtClean="0"/>
+              <a:t>Yihui</a:t>
+            </a:r>
+            <a:r>
+              <a:rPr lang="en-US" dirty="0" smtClean="0"/>
+              <a:t> </a:t>
+            </a:r>
+            <a:r>
+              <a:rPr lang="en-US" dirty="0" err="1" smtClean="0"/>
+              <a:t>Xie</a:t>
+            </a:r>
+            <a:r>
+              <a:rPr lang="en-US" dirty="0" smtClean="0"/>
+              <a:t> (while he was a grad student at Iowa State)</a:t>
+            </a:r>
+          </a:p>
+          <a:p>
+            <a:pPr lvl="1"/>
+            <a:r>
+              <a:rPr lang="en-US" dirty="0" smtClean="0"/>
+              <a:t>Available on CRAN</a:t>
+            </a:r>
+          </a:p>
+          <a:p>
+            <a:r>
+              <a:rPr lang="en-US" dirty="0" smtClean="0"/>
+              <a:t>Supports </a:t>
+            </a:r>
+            <a:r>
+              <a:rPr lang="en-US" dirty="0" err="1" smtClean="0"/>
+              <a:t>RMarkdown</a:t>
+            </a:r>
+            <a:r>
+              <a:rPr lang="en-US" dirty="0" smtClean="0"/>
+              <a:t>, </a:t>
+            </a:r>
+            <a:r>
+              <a:rPr lang="en-US" dirty="0" err="1" smtClean="0"/>
+              <a:t>LaTeX</a:t>
+            </a:r>
+            <a:r>
+              <a:rPr lang="en-US" dirty="0" smtClean="0"/>
+              <a:t>, and HTML as documentation languages</a:t>
+            </a:r>
+          </a:p>
+          <a:p>
+            <a:r>
+              <a:rPr lang="en-US" dirty="0" smtClean="0"/>
+              <a:t>Can export to PDF, HTML</a:t>
+            </a:r>
+          </a:p>
+          <a:p>
+            <a:r>
+              <a:rPr lang="en-US" dirty="0" smtClean="0"/>
+              <a:t>Built right into </a:t>
+            </a:r>
+            <a:r>
+              <a:rPr lang="en-US" smtClean="0"/>
+              <a:t>RStudio</a:t>
+            </a:r>
+            <a:r>
+              <a:rPr lang="en-US" dirty="0" smtClean="0"/>
+              <a:t> for your convenience</a:t>
+            </a:r>
+            <a:endParaRPr lang="en-US" dirty="0"/>
+          </a:p>
+        </p:txBody>
+      </p:sp>
+    </p:spTree>
+    <p:extLst>
+      <p:ext uri="{BB962C8B-B14F-4D97-AF65-F5344CB8AC3E}">
+        <p14:creationId xmlns:p14="http://schemas.microsoft.com/office/powerpoint/2010/main" val="3096023671"/>
+      </p:ext>
+    </p:extLst>
+  </p:cSld>
+  <p:clrMapOvr>
+    <a:masterClrMapping/>
+  </p:clrMapOvr>
+</p:sld>
+</file>
+
+<file path=ppt/slides/slide20.xml><?xml version="1.0" encoding="utf-8"?>
 <p:sld xmlns:a="http://schemas.openxmlformats.org/drawingml/2006/main" xmlns:r="http://schemas.openxmlformats.org/officeDocument/2006/relationships" xmlns:p="http://schemas.openxmlformats.org/presentationml/2006/main">
   <p:cSld>
     <p:spTree>
@@ -8617,7 +6038,7 @@
 </p:sld>
 </file>
 
-<file path=ppt/slides/slide32.xml><?xml version="1.0" encoding="utf-8"?>
+<file path=ppt/slides/slide21.xml><?xml version="1.0" encoding="utf-8"?>
 <p:sld xmlns:a="http://schemas.openxmlformats.org/drawingml/2006/main" xmlns:r="http://schemas.openxmlformats.org/officeDocument/2006/relationships" xmlns:p="http://schemas.openxmlformats.org/presentationml/2006/main">
   <p:cSld>
     <p:spTree>
@@ -8707,7 +6128,7 @@
 </p:sld>
 </file>
 
-<file path=ppt/slides/slide33.xml><?xml version="1.0" encoding="utf-8"?>
+<file path=ppt/slides/slide22.xml><?xml version="1.0" encoding="utf-8"?>
 <p:sld xmlns:a="http://schemas.openxmlformats.org/drawingml/2006/main" xmlns:r="http://schemas.openxmlformats.org/officeDocument/2006/relationships" xmlns:p="http://schemas.openxmlformats.org/presentationml/2006/main">
   <p:cSld>
     <p:spTree>
@@ -8797,7 +6218,7 @@
 </p:sld>
 </file>
 
-<file path=ppt/slides/slide34.xml><?xml version="1.0" encoding="utf-8"?>
+<file path=ppt/slides/slide23.xml><?xml version="1.0" encoding="utf-8"?>
 <p:sld xmlns:a="http://schemas.openxmlformats.org/drawingml/2006/main" xmlns:r="http://schemas.openxmlformats.org/officeDocument/2006/relationships" xmlns:p="http://schemas.openxmlformats.org/presentationml/2006/main">
   <p:cSld>
     <p:spTree>
@@ -8880,7 +6301,7 @@
 </p:sld>
 </file>
 
-<file path=ppt/slides/slide35.xml><?xml version="1.0" encoding="utf-8"?>
+<file path=ppt/slides/slide24.xml><?xml version="1.0" encoding="utf-8"?>
 <p:sld xmlns:a="http://schemas.openxmlformats.org/drawingml/2006/main" xmlns:r="http://schemas.openxmlformats.org/officeDocument/2006/relationships" xmlns:p="http://schemas.openxmlformats.org/presentationml/2006/main">
   <p:cSld>
     <p:spTree>
@@ -8978,7 +6399,7 @@
 </p:sld>
 </file>
 
-<file path=ppt/slides/slide36.xml><?xml version="1.0" encoding="utf-8"?>
+<file path=ppt/slides/slide25.xml><?xml version="1.0" encoding="utf-8"?>
 <p:sld xmlns:a="http://schemas.openxmlformats.org/drawingml/2006/main" xmlns:r="http://schemas.openxmlformats.org/officeDocument/2006/relationships" xmlns:p="http://schemas.openxmlformats.org/presentationml/2006/main">
   <p:cSld>
     <p:spTree>
@@ -9481,7 +6902,7 @@
 </p:sld>
 </file>
 
-<file path=ppt/slides/slide37.xml><?xml version="1.0" encoding="utf-8"?>
+<file path=ppt/slides/slide26.xml><?xml version="1.0" encoding="utf-8"?>
 <p:sld xmlns:a="http://schemas.openxmlformats.org/drawingml/2006/main" xmlns:r="http://schemas.openxmlformats.org/officeDocument/2006/relationships" xmlns:p="http://schemas.openxmlformats.org/presentationml/2006/main">
   <p:cSld>
     <p:spTree>
@@ -9571,7 +6992,7 @@
 </p:sld>
 </file>
 
-<file path=ppt/slides/slide38.xml><?xml version="1.0" encoding="utf-8"?>
+<file path=ppt/slides/slide27.xml><?xml version="1.0" encoding="utf-8"?>
 <p:sld xmlns:a="http://schemas.openxmlformats.org/drawingml/2006/main" xmlns:r="http://schemas.openxmlformats.org/officeDocument/2006/relationships" xmlns:p="http://schemas.openxmlformats.org/presentationml/2006/main">
   <p:cSld>
     <p:spTree>
@@ -9688,7 +7109,7 @@
 </p:sld>
 </file>
 
-<file path=ppt/slides/slide39.xml><?xml version="1.0" encoding="utf-8"?>
+<file path=ppt/slides/slide28.xml><?xml version="1.0" encoding="utf-8"?>
 <p:sld xmlns:a="http://schemas.openxmlformats.org/drawingml/2006/main" xmlns:r="http://schemas.openxmlformats.org/officeDocument/2006/relationships" xmlns:p="http://schemas.openxmlformats.org/presentationml/2006/main">
   <p:cSld>
     <p:spTree>
@@ -9786,6 +7207,293 @@
     <p:extLst>
       <p:ext uri="{BB962C8B-B14F-4D97-AF65-F5344CB8AC3E}">
         <p14:creationId xmlns:p14="http://schemas.microsoft.com/office/powerpoint/2010/main" val="773173514"/>
+      </p:ext>
+    </p:extLst>
+  </p:cSld>
+  <p:clrMapOvr>
+    <a:masterClrMapping/>
+  </p:clrMapOvr>
+</p:sld>
+</file>
+
+<file path=ppt/slides/slide29.xml><?xml version="1.0" encoding="utf-8"?>
+<p:sld xmlns:a="http://schemas.openxmlformats.org/drawingml/2006/main" xmlns:r="http://schemas.openxmlformats.org/officeDocument/2006/relationships" xmlns:p="http://schemas.openxmlformats.org/presentationml/2006/main">
+  <p:cSld>
+    <p:spTree>
+      <p:nvGrpSpPr>
+        <p:cNvPr id="1" name=""/>
+        <p:cNvGrpSpPr/>
+        <p:nvPr/>
+      </p:nvGrpSpPr>
+      <p:grpSpPr>
+        <a:xfrm>
+          <a:off x="0" y="0"/>
+          <a:ext cx="0" cy="0"/>
+          <a:chOff x="0" y="0"/>
+          <a:chExt cx="0" cy="0"/>
+        </a:xfrm>
+      </p:grpSpPr>
+      <p:sp>
+        <p:nvSpPr>
+          <p:cNvPr id="2" name="Title 1"/>
+          <p:cNvSpPr>
+            <a:spLocks noGrp="1"/>
+          </p:cNvSpPr>
+          <p:nvPr>
+            <p:ph type="title"/>
+          </p:nvPr>
+        </p:nvSpPr>
+        <p:spPr/>
+        <p:txBody>
+          <a:bodyPr/>
+          <a:lstStyle/>
+          <a:p>
+            <a:r>
+              <a:rPr lang="en-US" smtClean="0"/>
+              <a:t>Caching Caveats</a:t>
+            </a:r>
+            <a:endParaRPr lang="en-US"/>
+          </a:p>
+        </p:txBody>
+      </p:sp>
+      <p:sp>
+        <p:nvSpPr>
+          <p:cNvPr id="3" name="Content Placeholder 2"/>
+          <p:cNvSpPr>
+            <a:spLocks noGrp="1"/>
+          </p:cNvSpPr>
+          <p:nvPr>
+            <p:ph idx="1"/>
+          </p:nvPr>
+        </p:nvSpPr>
+        <p:spPr/>
+        <p:txBody>
+          <a:bodyPr/>
+          <a:lstStyle/>
+          <a:p>
+            <a:r>
+              <a:rPr lang="en-US" smtClean="0"/>
+              <a:t>If the data or code (or anything external) changes, you need to re-run the cached code chunks</a:t>
+            </a:r>
+          </a:p>
+          <a:p>
+            <a:r>
+              <a:rPr lang="en-US" smtClean="0"/>
+              <a:t>Dependencies are not checked explicitly</a:t>
+            </a:r>
+          </a:p>
+          <a:p>
+            <a:r>
+              <a:rPr lang="en-US" smtClean="0"/>
+              <a:t>Chunks with significant </a:t>
+            </a:r>
+            <a:r>
+              <a:rPr lang="en-US" i="1" smtClean="0"/>
+              <a:t>side effects</a:t>
+            </a:r>
+            <a:r>
+              <a:rPr lang="en-US" smtClean="0"/>
+              <a:t> may not be cacheable</a:t>
+            </a:r>
+            <a:endParaRPr lang="en-US"/>
+          </a:p>
+        </p:txBody>
+      </p:sp>
+    </p:spTree>
+    <p:extLst>
+      <p:ext uri="{BB962C8B-B14F-4D97-AF65-F5344CB8AC3E}">
+        <p14:creationId xmlns:p14="http://schemas.microsoft.com/office/powerpoint/2010/main" val="834833086"/>
+      </p:ext>
+    </p:extLst>
+  </p:cSld>
+  <p:clrMapOvr>
+    <a:masterClrMapping/>
+  </p:clrMapOvr>
+</p:sld>
+</file>
+
+<file path=ppt/slides/slide3.xml><?xml version="1.0" encoding="utf-8"?>
+<p:sld xmlns:a="http://schemas.openxmlformats.org/drawingml/2006/main" xmlns:r="http://schemas.openxmlformats.org/officeDocument/2006/relationships" xmlns:p="http://schemas.openxmlformats.org/presentationml/2006/main">
+  <p:cSld>
+    <p:spTree>
+      <p:nvGrpSpPr>
+        <p:cNvPr id="1" name=""/>
+        <p:cNvGrpSpPr/>
+        <p:nvPr/>
+      </p:nvGrpSpPr>
+      <p:grpSpPr>
+        <a:xfrm>
+          <a:off x="0" y="0"/>
+          <a:ext cx="0" cy="0"/>
+          <a:chOff x="0" y="0"/>
+          <a:chExt cx="0" cy="0"/>
+        </a:xfrm>
+      </p:grpSpPr>
+      <p:sp>
+        <p:nvSpPr>
+          <p:cNvPr id="2" name="Title 1"/>
+          <p:cNvSpPr>
+            <a:spLocks noGrp="1"/>
+          </p:cNvSpPr>
+          <p:nvPr>
+            <p:ph type="title"/>
+          </p:nvPr>
+        </p:nvSpPr>
+        <p:spPr/>
+        <p:txBody>
+          <a:bodyPr>
+            <a:noAutofit/>
+          </a:bodyPr>
+          <a:lstStyle/>
+          <a:p>
+            <a:r>
+              <a:rPr lang="en-US" sz="4000" smtClean="0"/>
+              <a:t>What is knitr Good For?</a:t>
+            </a:r>
+            <a:endParaRPr lang="en-US" sz="4000"/>
+          </a:p>
+        </p:txBody>
+      </p:sp>
+      <p:sp>
+        <p:nvSpPr>
+          <p:cNvPr id="3" name="Content Placeholder 2"/>
+          <p:cNvSpPr>
+            <a:spLocks noGrp="1"/>
+          </p:cNvSpPr>
+          <p:nvPr>
+            <p:ph idx="1"/>
+          </p:nvPr>
+        </p:nvSpPr>
+        <p:spPr>
+          <a:xfrm>
+            <a:off x="457200" y="1360452"/>
+            <a:ext cx="8229600" cy="3394472"/>
+          </a:xfrm>
+        </p:spPr>
+        <p:txBody>
+          <a:bodyPr/>
+          <a:lstStyle/>
+          <a:p>
+            <a:r>
+              <a:rPr lang="en-US" smtClean="0"/>
+              <a:t>Manuals</a:t>
+            </a:r>
+          </a:p>
+          <a:p>
+            <a:r>
+              <a:rPr lang="en-US" smtClean="0"/>
+              <a:t>Short/medium-length technical documents</a:t>
+            </a:r>
+          </a:p>
+          <a:p>
+            <a:r>
+              <a:rPr lang="en-US" smtClean="0"/>
+              <a:t>Tutorials</a:t>
+            </a:r>
+          </a:p>
+          <a:p>
+            <a:r>
+              <a:rPr lang="en-US" smtClean="0"/>
+              <a:t>Reports (esp. if generated periodically)</a:t>
+            </a:r>
+          </a:p>
+          <a:p>
+            <a:r>
+              <a:rPr lang="en-US" smtClean="0"/>
+              <a:t>Data preprocessing documents/summaries</a:t>
+            </a:r>
+            <a:endParaRPr lang="en-US"/>
+          </a:p>
+        </p:txBody>
+      </p:sp>
+    </p:spTree>
+    <p:extLst>
+      <p:ext uri="{BB962C8B-B14F-4D97-AF65-F5344CB8AC3E}">
+        <p14:creationId xmlns:p14="http://schemas.microsoft.com/office/powerpoint/2010/main" val="81591838"/>
+      </p:ext>
+    </p:extLst>
+  </p:cSld>
+  <p:clrMapOvr>
+    <a:masterClrMapping/>
+  </p:clrMapOvr>
+</p:sld>
+</file>
+
+<file path=ppt/slides/slide30.xml><?xml version="1.0" encoding="utf-8"?>
+<p:sld xmlns:a="http://schemas.openxmlformats.org/drawingml/2006/main" xmlns:r="http://schemas.openxmlformats.org/officeDocument/2006/relationships" xmlns:p="http://schemas.openxmlformats.org/presentationml/2006/main">
+  <p:cSld>
+    <p:spTree>
+      <p:nvGrpSpPr>
+        <p:cNvPr id="1" name=""/>
+        <p:cNvGrpSpPr/>
+        <p:nvPr/>
+      </p:nvGrpSpPr>
+      <p:grpSpPr>
+        <a:xfrm>
+          <a:off x="0" y="0"/>
+          <a:ext cx="0" cy="0"/>
+          <a:chOff x="0" y="0"/>
+          <a:chExt cx="0" cy="0"/>
+        </a:xfrm>
+      </p:grpSpPr>
+      <p:sp>
+        <p:nvSpPr>
+          <p:cNvPr id="2" name="Title 1"/>
+          <p:cNvSpPr>
+            <a:spLocks noGrp="1"/>
+          </p:cNvSpPr>
+          <p:nvPr>
+            <p:ph type="title"/>
+          </p:nvPr>
+        </p:nvSpPr>
+        <p:spPr/>
+        <p:txBody>
+          <a:bodyPr/>
+          <a:lstStyle/>
+          <a:p>
+            <a:r>
+              <a:rPr lang="en-US" smtClean="0"/>
+              <a:t>Summary</a:t>
+            </a:r>
+            <a:endParaRPr lang="en-US"/>
+          </a:p>
+        </p:txBody>
+      </p:sp>
+      <p:sp>
+        <p:nvSpPr>
+          <p:cNvPr id="3" name="Content Placeholder 2"/>
+          <p:cNvSpPr>
+            <a:spLocks noGrp="1"/>
+          </p:cNvSpPr>
+          <p:nvPr>
+            <p:ph idx="1"/>
+          </p:nvPr>
+        </p:nvSpPr>
+        <p:spPr/>
+        <p:txBody>
+          <a:bodyPr/>
+          <a:lstStyle/>
+          <a:p>
+            <a:r>
+              <a:rPr lang="en-US" smtClean="0"/>
+              <a:t>Literate statistical programming can be a useful way to put text, code, data, output all in one document</a:t>
+            </a:r>
+          </a:p>
+          <a:p>
+            <a:r>
+              <a:rPr lang="en-US" smtClean="0"/>
+              <a:t>knitr is a powerful tool for integrating code and text in a simple document format</a:t>
+            </a:r>
+          </a:p>
+          <a:p>
+            <a:endParaRPr lang="en-US"/>
+          </a:p>
+        </p:txBody>
+      </p:sp>
+    </p:spTree>
+    <p:extLst>
+      <p:ext uri="{BB962C8B-B14F-4D97-AF65-F5344CB8AC3E}">
+        <p14:creationId xmlns:p14="http://schemas.microsoft.com/office/powerpoint/2010/main" val="945192551"/>
       </p:ext>
     </p:extLst>
   </p:cSld>
@@ -9828,10 +7536,10 @@
           <a:lstStyle/>
           <a:p>
             <a:r>
-              <a:rPr lang="en-US" dirty="0" smtClean="0"/>
-              <a:t>Literate (Statistical) Programming</a:t>
-            </a:r>
-            <a:endParaRPr lang="en-US" dirty="0"/>
+              <a:rPr lang="en-US" smtClean="0"/>
+              <a:t>What is knitr NOT Good For?</a:t>
+            </a:r>
+            <a:endParaRPr lang="en-US"/>
           </a:p>
         </p:txBody>
       </p:sp>
@@ -9845,190 +7553,35 @@
             <p:ph idx="1"/>
           </p:nvPr>
         </p:nvSpPr>
-        <p:spPr>
-          <a:xfrm>
-            <a:off x="457200" y="1200150"/>
-            <a:ext cx="8229600" cy="3676650"/>
-          </a:xfrm>
-        </p:spPr>
-        <p:txBody>
-          <a:bodyPr>
-            <a:normAutofit fontScale="85000" lnSpcReduction="20000"/>
-          </a:bodyPr>
-          <a:lstStyle/>
-          <a:p>
-            <a:r>
-              <a:rPr lang="en-US" dirty="0"/>
-              <a:t>Literate programming is a general </a:t>
-            </a:r>
-            <a:r>
-              <a:rPr lang="en-US" dirty="0" smtClean="0"/>
-              <a:t>concept that requires</a:t>
-            </a:r>
-          </a:p>
-          <a:p>
-            <a:pPr marL="971550" lvl="1" indent="-514350">
-              <a:buFont typeface="+mj-lt"/>
-              <a:buAutoNum type="arabicPeriod"/>
-            </a:pPr>
-            <a:r>
-              <a:rPr lang="en-US" dirty="0" smtClean="0"/>
-              <a:t>A </a:t>
-            </a:r>
-            <a:r>
-              <a:rPr lang="en-US" dirty="0"/>
-              <a:t>documentation language (human readable</a:t>
-            </a:r>
-            <a:r>
-              <a:rPr lang="en-US" dirty="0" smtClean="0"/>
-              <a:t>)</a:t>
-            </a:r>
-            <a:endParaRPr lang="en-US" dirty="0"/>
-          </a:p>
-          <a:p>
-            <a:pPr marL="971550" lvl="1" indent="-514350">
-              <a:buFont typeface="+mj-lt"/>
-              <a:buAutoNum type="arabicPeriod"/>
-            </a:pPr>
-            <a:r>
-              <a:rPr lang="en-US" dirty="0" smtClean="0"/>
-              <a:t>A </a:t>
-            </a:r>
-            <a:r>
-              <a:rPr lang="en-US" dirty="0"/>
-              <a:t>programming language (machine readable</a:t>
-            </a:r>
-            <a:r>
-              <a:rPr lang="en-US" dirty="0" smtClean="0"/>
-              <a:t>)</a:t>
-            </a:r>
-          </a:p>
-          <a:p>
-            <a:pPr marL="571500" indent="-514350"/>
-            <a:r>
-              <a:rPr lang="en-US" dirty="0" err="1" smtClean="0"/>
-              <a:t>Sweave</a:t>
-            </a:r>
-            <a:r>
-              <a:rPr lang="en-US" dirty="0" smtClean="0"/>
-              <a:t> uses </a:t>
-            </a:r>
-            <a:r>
-              <a:rPr lang="en-US" dirty="0"/>
-              <a:t>L</a:t>
-            </a:r>
-            <a:r>
-              <a:rPr lang="en-US" baseline="30000" dirty="0"/>
-              <a:t>A</a:t>
-            </a:r>
-            <a:r>
-              <a:rPr lang="en-US" dirty="0"/>
-              <a:t>T</a:t>
-            </a:r>
-            <a:r>
-              <a:rPr lang="en-US" baseline="-25000" dirty="0"/>
-              <a:t>E</a:t>
-            </a:r>
-            <a:r>
-              <a:rPr lang="en-US" dirty="0"/>
-              <a:t>X and R as</a:t>
-            </a:r>
-            <a:r>
-              <a:rPr lang="en-US" dirty="0" smtClean="0"/>
-              <a:t> the documentation </a:t>
-            </a:r>
-            <a:r>
-              <a:rPr lang="en-US" dirty="0"/>
-              <a:t>and programming </a:t>
-            </a:r>
-            <a:r>
-              <a:rPr lang="en-US" dirty="0" smtClean="0"/>
-              <a:t>languages</a:t>
-            </a:r>
-          </a:p>
-          <a:p>
-            <a:pPr marL="571500" indent="-514350"/>
-            <a:r>
-              <a:rPr lang="en-US" dirty="0" err="1" smtClean="0"/>
-              <a:t>Sweave</a:t>
-            </a:r>
-            <a:r>
-              <a:rPr lang="en-US" dirty="0" smtClean="0"/>
-              <a:t> was developed </a:t>
-            </a:r>
-            <a:r>
-              <a:rPr lang="en-US" dirty="0"/>
-              <a:t>by Friedrich </a:t>
-            </a:r>
-            <a:r>
-              <a:rPr lang="en-US" dirty="0" err="1"/>
-              <a:t>Leisch</a:t>
-            </a:r>
-            <a:r>
-              <a:rPr lang="en-US" dirty="0"/>
-              <a:t> (member of the R </a:t>
-            </a:r>
-            <a:r>
-              <a:rPr lang="en-US" dirty="0" smtClean="0"/>
-              <a:t>Core) and is maintained by R core</a:t>
-            </a:r>
-          </a:p>
-          <a:p>
-            <a:pPr marL="571500" indent="-514350"/>
-            <a:r>
-              <a:rPr lang="en-US" dirty="0" smtClean="0"/>
-              <a:t>Main </a:t>
-            </a:r>
-            <a:r>
-              <a:rPr lang="en-US" dirty="0"/>
-              <a:t>web site: </a:t>
-            </a:r>
-            <a:r>
-              <a:rPr lang="en-US" sz="2200" dirty="0">
-                <a:latin typeface="Courier New"/>
-                <a:cs typeface="Courier New"/>
-              </a:rPr>
-              <a:t>http://</a:t>
-            </a:r>
-            <a:r>
-              <a:rPr lang="en-US" sz="2200" dirty="0" err="1">
-                <a:latin typeface="Courier New"/>
-                <a:cs typeface="Courier New"/>
-              </a:rPr>
-              <a:t>www.statistik.lmu.de</a:t>
-            </a:r>
-            <a:r>
-              <a:rPr lang="en-US" sz="2200" dirty="0">
-                <a:latin typeface="Courier New"/>
-                <a:cs typeface="Courier New"/>
-              </a:rPr>
-              <a:t>/~</a:t>
-            </a:r>
-            <a:r>
-              <a:rPr lang="en-US" sz="2200" dirty="0" err="1">
-                <a:latin typeface="Courier New"/>
-                <a:cs typeface="Courier New"/>
-              </a:rPr>
-              <a:t>leisch/</a:t>
-            </a:r>
-            <a:r>
-              <a:rPr lang="en-US" sz="2200" dirty="0" err="1" smtClean="0">
-                <a:latin typeface="Courier New"/>
-                <a:cs typeface="Courier New"/>
-              </a:rPr>
-              <a:t>Sweave</a:t>
-            </a:r>
-            <a:endParaRPr lang="en-US" dirty="0" smtClean="0">
-              <a:latin typeface="Courier New"/>
-              <a:cs typeface="Courier New"/>
-            </a:endParaRPr>
+        <p:spPr/>
+        <p:txBody>
+          <a:bodyPr/>
+          <a:lstStyle/>
+          <a:p>
+            <a:r>
+              <a:rPr lang="en-US" smtClean="0"/>
+              <a:t>Very long research articles</a:t>
+            </a:r>
+          </a:p>
+          <a:p>
+            <a:r>
+              <a:rPr lang="en-US" smtClean="0"/>
+              <a:t>Complex time-consuming computations</a:t>
+            </a:r>
+          </a:p>
+          <a:p>
+            <a:r>
+              <a:rPr lang="en-US" smtClean="0"/>
+              <a:t>Documents that require precise formatting</a:t>
+            </a:r>
+            <a:endParaRPr lang="en-US"/>
           </a:p>
         </p:txBody>
       </p:sp>
     </p:spTree>
     <p:extLst>
       <p:ext uri="{BB962C8B-B14F-4D97-AF65-F5344CB8AC3E}">
-        <p14:creationId xmlns:p14="http://schemas.microsoft.com/office/powerpoint/2010/main" val="1282410788"/>
+        <p14:creationId xmlns:p14="http://schemas.microsoft.com/office/powerpoint/2010/main" val="3955909567"/>
       </p:ext>
     </p:extLst>
   </p:cSld>
@@ -10042,186 +7595,6 @@
       </p:par>
     </p:tnLst>
   </p:timing>
-</p:sld>
-</file>
-
-<file path=ppt/slides/slide40.xml><?xml version="1.0" encoding="utf-8"?>
-<p:sld xmlns:a="http://schemas.openxmlformats.org/drawingml/2006/main" xmlns:r="http://schemas.openxmlformats.org/officeDocument/2006/relationships" xmlns:p="http://schemas.openxmlformats.org/presentationml/2006/main">
-  <p:cSld>
-    <p:spTree>
-      <p:nvGrpSpPr>
-        <p:cNvPr id="1" name=""/>
-        <p:cNvGrpSpPr/>
-        <p:nvPr/>
-      </p:nvGrpSpPr>
-      <p:grpSpPr>
-        <a:xfrm>
-          <a:off x="0" y="0"/>
-          <a:ext cx="0" cy="0"/>
-          <a:chOff x="0" y="0"/>
-          <a:chExt cx="0" cy="0"/>
-        </a:xfrm>
-      </p:grpSpPr>
-      <p:sp>
-        <p:nvSpPr>
-          <p:cNvPr id="2" name="Title 1"/>
-          <p:cNvSpPr>
-            <a:spLocks noGrp="1"/>
-          </p:cNvSpPr>
-          <p:nvPr>
-            <p:ph type="title"/>
-          </p:nvPr>
-        </p:nvSpPr>
-        <p:spPr/>
-        <p:txBody>
-          <a:bodyPr/>
-          <a:lstStyle/>
-          <a:p>
-            <a:r>
-              <a:rPr lang="en-US" smtClean="0"/>
-              <a:t>Caching Caveats</a:t>
-            </a:r>
-            <a:endParaRPr lang="en-US"/>
-          </a:p>
-        </p:txBody>
-      </p:sp>
-      <p:sp>
-        <p:nvSpPr>
-          <p:cNvPr id="3" name="Content Placeholder 2"/>
-          <p:cNvSpPr>
-            <a:spLocks noGrp="1"/>
-          </p:cNvSpPr>
-          <p:nvPr>
-            <p:ph idx="1"/>
-          </p:nvPr>
-        </p:nvSpPr>
-        <p:spPr/>
-        <p:txBody>
-          <a:bodyPr/>
-          <a:lstStyle/>
-          <a:p>
-            <a:r>
-              <a:rPr lang="en-US" smtClean="0"/>
-              <a:t>If the data or code (or anything external) changes, you need to re-run the cached code chunks</a:t>
-            </a:r>
-          </a:p>
-          <a:p>
-            <a:r>
-              <a:rPr lang="en-US" smtClean="0"/>
-              <a:t>Dependencies are not checked explicitly</a:t>
-            </a:r>
-          </a:p>
-          <a:p>
-            <a:r>
-              <a:rPr lang="en-US" smtClean="0"/>
-              <a:t>Chunks with significant </a:t>
-            </a:r>
-            <a:r>
-              <a:rPr lang="en-US" i="1" smtClean="0"/>
-              <a:t>side effects</a:t>
-            </a:r>
-            <a:r>
-              <a:rPr lang="en-US" smtClean="0"/>
-              <a:t> may not be cacheable</a:t>
-            </a:r>
-            <a:endParaRPr lang="en-US"/>
-          </a:p>
-        </p:txBody>
-      </p:sp>
-    </p:spTree>
-    <p:extLst>
-      <p:ext uri="{BB962C8B-B14F-4D97-AF65-F5344CB8AC3E}">
-        <p14:creationId xmlns:p14="http://schemas.microsoft.com/office/powerpoint/2010/main" val="834833086"/>
-      </p:ext>
-    </p:extLst>
-  </p:cSld>
-  <p:clrMapOvr>
-    <a:masterClrMapping/>
-  </p:clrMapOvr>
-</p:sld>
-</file>
-
-<file path=ppt/slides/slide41.xml><?xml version="1.0" encoding="utf-8"?>
-<p:sld xmlns:a="http://schemas.openxmlformats.org/drawingml/2006/main" xmlns:r="http://schemas.openxmlformats.org/officeDocument/2006/relationships" xmlns:p="http://schemas.openxmlformats.org/presentationml/2006/main">
-  <p:cSld>
-    <p:spTree>
-      <p:nvGrpSpPr>
-        <p:cNvPr id="1" name=""/>
-        <p:cNvGrpSpPr/>
-        <p:nvPr/>
-      </p:nvGrpSpPr>
-      <p:grpSpPr>
-        <a:xfrm>
-          <a:off x="0" y="0"/>
-          <a:ext cx="0" cy="0"/>
-          <a:chOff x="0" y="0"/>
-          <a:chExt cx="0" cy="0"/>
-        </a:xfrm>
-      </p:grpSpPr>
-      <p:sp>
-        <p:nvSpPr>
-          <p:cNvPr id="2" name="Title 1"/>
-          <p:cNvSpPr>
-            <a:spLocks noGrp="1"/>
-          </p:cNvSpPr>
-          <p:nvPr>
-            <p:ph type="title"/>
-          </p:nvPr>
-        </p:nvSpPr>
-        <p:spPr/>
-        <p:txBody>
-          <a:bodyPr/>
-          <a:lstStyle/>
-          <a:p>
-            <a:r>
-              <a:rPr lang="en-US" smtClean="0"/>
-              <a:t>Summary</a:t>
-            </a:r>
-            <a:endParaRPr lang="en-US"/>
-          </a:p>
-        </p:txBody>
-      </p:sp>
-      <p:sp>
-        <p:nvSpPr>
-          <p:cNvPr id="3" name="Content Placeholder 2"/>
-          <p:cNvSpPr>
-            <a:spLocks noGrp="1"/>
-          </p:cNvSpPr>
-          <p:nvPr>
-            <p:ph idx="1"/>
-          </p:nvPr>
-        </p:nvSpPr>
-        <p:spPr/>
-        <p:txBody>
-          <a:bodyPr/>
-          <a:lstStyle/>
-          <a:p>
-            <a:r>
-              <a:rPr lang="en-US" smtClean="0"/>
-              <a:t>Literate statistical programming can be a useful way to put text, code, data, output all in one document</a:t>
-            </a:r>
-          </a:p>
-          <a:p>
-            <a:r>
-              <a:rPr lang="en-US" smtClean="0"/>
-              <a:t>knitr is a powerful tool for integrating code and text in a simple document format</a:t>
-            </a:r>
-          </a:p>
-          <a:p>
-            <a:endParaRPr lang="en-US"/>
-          </a:p>
-        </p:txBody>
-      </p:sp>
-    </p:spTree>
-    <p:extLst>
-      <p:ext uri="{BB962C8B-B14F-4D97-AF65-F5344CB8AC3E}">
-        <p14:creationId xmlns:p14="http://schemas.microsoft.com/office/powerpoint/2010/main" val="945192551"/>
-      </p:ext>
-    </p:extLst>
-  </p:cSld>
-  <p:clrMapOvr>
-    <a:masterClrMapping/>
-  </p:clrMapOvr>
 </p:sld>
 </file>
 
@@ -10242,9 +7615,39 @@
           <a:chExt cx="0" cy="0"/>
         </a:xfrm>
       </p:grpSpPr>
-      <p:sp>
-        <p:nvSpPr>
-          <p:cNvPr id="2" name="Title 1"/>
+      <p:pic>
+        <p:nvPicPr>
+          <p:cNvPr id="2" name="Picture 1"/>
+          <p:cNvPicPr>
+            <a:picLocks noChangeAspect="1"/>
+          </p:cNvPicPr>
+          <p:nvPr/>
+        </p:nvPicPr>
+        <p:blipFill>
+          <a:blip r:embed="rId2">
+            <a:extLst>
+              <a:ext uri="{28A0092B-C50C-407E-A947-70E740481C1C}">
+                <a14:useLocalDpi xmlns:a14="http://schemas.microsoft.com/office/drawing/2010/main" val="0"/>
+              </a:ext>
+            </a:extLst>
+          </a:blip>
+          <a:stretch>
+            <a:fillRect/>
+          </a:stretch>
+        </p:blipFill>
+        <p:spPr>
+          <a:xfrm>
+            <a:off x="2201481" y="977647"/>
+            <a:ext cx="5669900" cy="3783654"/>
+          </a:xfrm>
+          <a:prstGeom prst="rect">
+            <a:avLst/>
+          </a:prstGeom>
+        </p:spPr>
+      </p:pic>
+      <p:sp>
+        <p:nvSpPr>
+          <p:cNvPr id="4" name="Title 3"/>
           <p:cNvSpPr>
             <a:spLocks noGrp="1"/>
           </p:cNvSpPr>
@@ -10258,81 +7661,171 @@
           <a:lstStyle/>
           <a:p>
             <a:r>
-              <a:rPr lang="en-US" dirty="0" err="1" smtClean="0"/>
-              <a:t>Sweave</a:t>
-            </a:r>
-            <a:r>
-              <a:rPr lang="en-US" dirty="0" smtClean="0"/>
-              <a:t> Limitations</a:t>
-            </a:r>
-            <a:endParaRPr lang="en-US" dirty="0"/>
-          </a:p>
-        </p:txBody>
-      </p:sp>
-      <p:sp>
-        <p:nvSpPr>
-          <p:cNvPr id="3" name="Content Placeholder 2"/>
-          <p:cNvSpPr>
-            <a:spLocks noGrp="1"/>
-          </p:cNvSpPr>
-          <p:nvPr>
-            <p:ph idx="1"/>
-          </p:nvPr>
-        </p:nvSpPr>
-        <p:spPr/>
-        <p:txBody>
-          <a:bodyPr>
-            <a:normAutofit fontScale="92500" lnSpcReduction="20000"/>
-          </a:bodyPr>
-          <a:lstStyle/>
-          <a:p>
-            <a:r>
-              <a:rPr lang="en-US" dirty="0" err="1" smtClean="0"/>
-              <a:t>Sweave</a:t>
-            </a:r>
-            <a:r>
-              <a:rPr lang="en-US" dirty="0" smtClean="0"/>
-              <a:t> has many limitations</a:t>
-            </a:r>
-          </a:p>
-          <a:p>
-            <a:r>
-              <a:rPr lang="en-US" dirty="0" smtClean="0"/>
-              <a:t>Focused primarily on </a:t>
-            </a:r>
-            <a:r>
-              <a:rPr lang="en-US" dirty="0" err="1" smtClean="0"/>
-              <a:t>LaTeX</a:t>
-            </a:r>
-            <a:r>
-              <a:rPr lang="en-US" dirty="0" smtClean="0"/>
-              <a:t>, a difficult to learn markup language used only by </a:t>
-            </a:r>
-            <a:r>
-              <a:rPr lang="en-US" dirty="0" err="1" smtClean="0"/>
-              <a:t>weirdos</a:t>
-            </a:r>
-            <a:endParaRPr lang="en-US" dirty="0" smtClean="0"/>
-          </a:p>
-          <a:p>
-            <a:r>
-              <a:rPr lang="en-US" dirty="0" smtClean="0"/>
-              <a:t>Lacks features like caching, multiple plots per chunk, mixing programming languages and many other technical items</a:t>
-            </a:r>
-          </a:p>
-          <a:p>
-            <a:r>
-              <a:rPr lang="en-US" dirty="0" smtClean="0"/>
-              <a:t>Not frequently updated or very actively developed</a:t>
-            </a:r>
-            <a:endParaRPr lang="en-US" dirty="0"/>
-          </a:p>
-        </p:txBody>
-      </p:sp>
+              <a:rPr lang="en-US" smtClean="0"/>
+              <a:t>My First knitr Document</a:t>
+            </a:r>
+            <a:endParaRPr lang="en-US"/>
+          </a:p>
+        </p:txBody>
+      </p:sp>
+      <p:sp>
+        <p:nvSpPr>
+          <p:cNvPr id="6" name="Rounded Rectangle 5"/>
+          <p:cNvSpPr/>
+          <p:nvPr/>
+        </p:nvSpPr>
+        <p:spPr>
+          <a:xfrm>
+            <a:off x="110967" y="2490829"/>
+            <a:ext cx="1602859" cy="974136"/>
+          </a:xfrm>
+          <a:prstGeom prst="roundRect">
+            <a:avLst/>
+          </a:prstGeom>
+        </p:spPr>
+        <p:style>
+          <a:lnRef idx="1">
+            <a:schemeClr val="accent1"/>
+          </a:lnRef>
+          <a:fillRef idx="3">
+            <a:schemeClr val="accent1"/>
+          </a:fillRef>
+          <a:effectRef idx="2">
+            <a:schemeClr val="accent1"/>
+          </a:effectRef>
+          <a:fontRef idx="minor">
+            <a:schemeClr val="lt1"/>
+          </a:fontRef>
+        </p:style>
+        <p:txBody>
+          <a:bodyPr rtlCol="0" anchor="ctr"/>
+          <a:lstStyle/>
+          <a:p>
+            <a:pPr algn="ctr"/>
+            <a:r>
+              <a:rPr lang="en-US" smtClean="0"/>
+              <a:t>Create a new document</a:t>
+            </a:r>
+            <a:endParaRPr lang="en-US"/>
+          </a:p>
+        </p:txBody>
+      </p:sp>
+      <p:sp>
+        <p:nvSpPr>
+          <p:cNvPr id="7" name="Rounded Rectangle 6"/>
+          <p:cNvSpPr/>
+          <p:nvPr/>
+        </p:nvSpPr>
+        <p:spPr>
+          <a:xfrm>
+            <a:off x="6798098" y="3130297"/>
+            <a:ext cx="1602859" cy="974136"/>
+          </a:xfrm>
+          <a:prstGeom prst="roundRect">
+            <a:avLst/>
+          </a:prstGeom>
+        </p:spPr>
+        <p:style>
+          <a:lnRef idx="1">
+            <a:schemeClr val="accent1"/>
+          </a:lnRef>
+          <a:fillRef idx="3">
+            <a:schemeClr val="accent1"/>
+          </a:fillRef>
+          <a:effectRef idx="2">
+            <a:schemeClr val="accent1"/>
+          </a:effectRef>
+          <a:fontRef idx="minor">
+            <a:schemeClr val="lt1"/>
+          </a:fontRef>
+        </p:style>
+        <p:txBody>
+          <a:bodyPr rtlCol="0" anchor="ctr"/>
+          <a:lstStyle/>
+          <a:p>
+            <a:pPr algn="ctr"/>
+            <a:r>
+              <a:rPr lang="en-US" smtClean="0"/>
+              <a:t>Choose an R Markdown Document</a:t>
+            </a:r>
+            <a:endParaRPr lang="en-US"/>
+          </a:p>
+        </p:txBody>
+      </p:sp>
+      <p:cxnSp>
+        <p:nvCxnSpPr>
+          <p:cNvPr id="9" name="Straight Arrow Connector 8"/>
+          <p:cNvCxnSpPr>
+            <a:stCxn id="7" idx="1"/>
+          </p:cNvCxnSpPr>
+          <p:nvPr/>
+        </p:nvCxnSpPr>
+        <p:spPr>
+          <a:xfrm flipH="1" flipV="1">
+            <a:off x="3751868" y="2092751"/>
+            <a:ext cx="3046230" cy="1524614"/>
+          </a:xfrm>
+          <a:prstGeom prst="straightConnector1">
+            <a:avLst/>
+          </a:prstGeom>
+          <a:ln>
+            <a:tailEnd type="arrow"/>
+          </a:ln>
+        </p:spPr>
+        <p:style>
+          <a:lnRef idx="2">
+            <a:schemeClr val="accent1"/>
+          </a:lnRef>
+          <a:fillRef idx="0">
+            <a:schemeClr val="accent1"/>
+          </a:fillRef>
+          <a:effectRef idx="1">
+            <a:schemeClr val="accent1"/>
+          </a:effectRef>
+          <a:fontRef idx="minor">
+            <a:schemeClr val="tx1"/>
+          </a:fontRef>
+        </p:style>
+      </p:cxnSp>
+      <p:cxnSp>
+        <p:nvCxnSpPr>
+          <p:cNvPr id="11" name="Straight Arrow Connector 10"/>
+          <p:cNvCxnSpPr>
+            <a:stCxn id="6" idx="0"/>
+          </p:cNvCxnSpPr>
+          <p:nvPr/>
+        </p:nvCxnSpPr>
+        <p:spPr>
+          <a:xfrm flipV="1">
+            <a:off x="912397" y="1131216"/>
+            <a:ext cx="1289084" cy="1359613"/>
+          </a:xfrm>
+          <a:prstGeom prst="straightConnector1">
+            <a:avLst/>
+          </a:prstGeom>
+          <a:ln>
+            <a:tailEnd type="arrow"/>
+          </a:ln>
+        </p:spPr>
+        <p:style>
+          <a:lnRef idx="2">
+            <a:schemeClr val="accent1"/>
+          </a:lnRef>
+          <a:fillRef idx="0">
+            <a:schemeClr val="accent1"/>
+          </a:fillRef>
+          <a:effectRef idx="1">
+            <a:schemeClr val="accent1"/>
+          </a:effectRef>
+          <a:fontRef idx="minor">
+            <a:schemeClr val="tx1"/>
+          </a:fontRef>
+        </p:style>
+      </p:cxnSp>
     </p:spTree>
     <p:extLst>
       <p:ext uri="{BB962C8B-B14F-4D97-AF65-F5344CB8AC3E}">
-        <p14:creationId xmlns:p14="http://schemas.microsoft.com/office/powerpoint/2010/main" val="1000142673"/>
+        <p14:creationId xmlns:p14="http://schemas.microsoft.com/office/powerpoint/2010/main" val="1751205832"/>
       </p:ext>
     </p:extLst>
   </p:cSld>
@@ -10342,9 +7835,180 @@
   <p:timing>
     <p:tnLst>
       <p:par>
-        <p:cTn id="1" dur="indefinite" restart="never" nodeType="tmRoot"/>
+        <p:cTn id="1" dur="indefinite" restart="never" nodeType="tmRoot">
+          <p:childTnLst>
+            <p:seq concurrent="1" nextAc="seek">
+              <p:cTn id="2" dur="indefinite" nodeType="mainSeq">
+                <p:childTnLst>
+                  <p:par>
+                    <p:cTn id="3" fill="hold">
+                      <p:stCondLst>
+                        <p:cond delay="indefinite"/>
+                      </p:stCondLst>
+                      <p:childTnLst>
+                        <p:par>
+                          <p:cTn id="4" fill="hold">
+                            <p:stCondLst>
+                              <p:cond delay="0"/>
+                            </p:stCondLst>
+                            <p:childTnLst>
+                              <p:par>
+                                <p:cTn id="5" presetID="1" presetClass="entr" presetSubtype="0" fill="hold" grpId="0" nodeType="clickEffect">
+                                  <p:stCondLst>
+                                    <p:cond delay="0"/>
+                                  </p:stCondLst>
+                                  <p:childTnLst>
+                                    <p:set>
+                                      <p:cBhvr>
+                                        <p:cTn id="6" dur="1" fill="hold">
+                                          <p:stCondLst>
+                                            <p:cond delay="0"/>
+                                          </p:stCondLst>
+                                        </p:cTn>
+                                        <p:tgtEl>
+                                          <p:spTgt spid="6"/>
+                                        </p:tgtEl>
+                                        <p:attrNameLst>
+                                          <p:attrName>style.visibility</p:attrName>
+                                        </p:attrNameLst>
+                                      </p:cBhvr>
+                                      <p:to>
+                                        <p:strVal val="visible"/>
+                                      </p:to>
+                                    </p:set>
+                                  </p:childTnLst>
+                                </p:cTn>
+                              </p:par>
+                              <p:par>
+                                <p:cTn id="7" presetID="1" presetClass="entr" presetSubtype="0" fill="hold" nodeType="withEffect">
+                                  <p:stCondLst>
+                                    <p:cond delay="0"/>
+                                  </p:stCondLst>
+                                  <p:childTnLst>
+                                    <p:set>
+                                      <p:cBhvr>
+                                        <p:cTn id="8" dur="1" fill="hold">
+                                          <p:stCondLst>
+                                            <p:cond delay="0"/>
+                                          </p:stCondLst>
+                                        </p:cTn>
+                                        <p:tgtEl>
+                                          <p:spTgt spid="11"/>
+                                        </p:tgtEl>
+                                        <p:attrNameLst>
+                                          <p:attrName>style.visibility</p:attrName>
+                                        </p:attrNameLst>
+                                      </p:cBhvr>
+                                      <p:to>
+                                        <p:strVal val="visible"/>
+                                      </p:to>
+                                    </p:set>
+                                  </p:childTnLst>
+                                </p:cTn>
+                              </p:par>
+                            </p:childTnLst>
+                          </p:cTn>
+                        </p:par>
+                      </p:childTnLst>
+                    </p:cTn>
+                  </p:par>
+                  <p:par>
+                    <p:cTn id="9" fill="hold">
+                      <p:stCondLst>
+                        <p:cond delay="indefinite"/>
+                      </p:stCondLst>
+                      <p:childTnLst>
+                        <p:par>
+                          <p:cTn id="10" fill="hold">
+                            <p:stCondLst>
+                              <p:cond delay="0"/>
+                            </p:stCondLst>
+                            <p:childTnLst>
+                              <p:par>
+                                <p:cTn id="11" presetID="1" presetClass="entr" presetSubtype="0" fill="hold" grpId="0" nodeType="clickEffect">
+                                  <p:stCondLst>
+                                    <p:cond delay="0"/>
+                                  </p:stCondLst>
+                                  <p:childTnLst>
+                                    <p:set>
+                                      <p:cBhvr>
+                                        <p:cTn id="12" dur="1" fill="hold">
+                                          <p:stCondLst>
+                                            <p:cond delay="0"/>
+                                          </p:stCondLst>
+                                        </p:cTn>
+                                        <p:tgtEl>
+                                          <p:spTgt spid="7"/>
+                                        </p:tgtEl>
+                                        <p:attrNameLst>
+                                          <p:attrName>style.visibility</p:attrName>
+                                        </p:attrNameLst>
+                                      </p:cBhvr>
+                                      <p:to>
+                                        <p:strVal val="visible"/>
+                                      </p:to>
+                                    </p:set>
+                                  </p:childTnLst>
+                                </p:cTn>
+                              </p:par>
+                              <p:par>
+                                <p:cTn id="13" presetID="1" presetClass="entr" presetSubtype="0" fill="hold" nodeType="withEffect">
+                                  <p:stCondLst>
+                                    <p:cond delay="0"/>
+                                  </p:stCondLst>
+                                  <p:childTnLst>
+                                    <p:set>
+                                      <p:cBhvr>
+                                        <p:cTn id="14" dur="1" fill="hold">
+                                          <p:stCondLst>
+                                            <p:cond delay="0"/>
+                                          </p:stCondLst>
+                                        </p:cTn>
+                                        <p:tgtEl>
+                                          <p:spTgt spid="9"/>
+                                        </p:tgtEl>
+                                        <p:attrNameLst>
+                                          <p:attrName>style.visibility</p:attrName>
+                                        </p:attrNameLst>
+                                      </p:cBhvr>
+                                      <p:to>
+                                        <p:strVal val="visible"/>
+                                      </p:to>
+                                    </p:set>
+                                  </p:childTnLst>
+                                </p:cTn>
+                              </p:par>
+                            </p:childTnLst>
+                          </p:cTn>
+                        </p:par>
+                      </p:childTnLst>
+                    </p:cTn>
+                  </p:par>
+                </p:childTnLst>
+              </p:cTn>
+              <p:prevCondLst>
+                <p:cond evt="onPrev" delay="0">
+                  <p:tgtEl>
+                    <p:sldTgt/>
+                  </p:tgtEl>
+                </p:cond>
+              </p:prevCondLst>
+              <p:nextCondLst>
+                <p:cond evt="onNext" delay="0">
+                  <p:tgtEl>
+                    <p:sldTgt/>
+                  </p:tgtEl>
+                </p:cond>
+              </p:nextCondLst>
+            </p:seq>
+          </p:childTnLst>
+        </p:cTn>
       </p:par>
     </p:tnLst>
+    <p:bldLst>
+      <p:bldP spid="6" grpId="0" animBg="1"/>
+      <p:bldP spid="7" grpId="0" animBg="1"/>
+    </p:bldLst>
   </p:timing>
 </p:sld>
 </file>
@@ -10382,128 +8046,201 @@
           <a:lstStyle/>
           <a:p>
             <a:r>
-              <a:rPr lang="en-US" dirty="0"/>
-              <a:t>Literate (Statistical) Programming</a:t>
-            </a:r>
-          </a:p>
-        </p:txBody>
-      </p:sp>
-      <p:sp>
-        <p:nvSpPr>
-          <p:cNvPr id="3" name="Content Placeholder 2"/>
-          <p:cNvSpPr>
-            <a:spLocks noGrp="1"/>
-          </p:cNvSpPr>
-          <p:nvPr>
-            <p:ph idx="1"/>
-          </p:nvPr>
-        </p:nvSpPr>
-        <p:spPr/>
-        <p:txBody>
-          <a:bodyPr>
-            <a:normAutofit fontScale="77500" lnSpcReduction="20000"/>
-          </a:bodyPr>
-          <a:lstStyle/>
-          <a:p>
-            <a:r>
-              <a:rPr lang="en-US" dirty="0" err="1" smtClean="0"/>
-              <a:t>knitr</a:t>
-            </a:r>
-            <a:r>
-              <a:rPr lang="en-US" dirty="0" smtClean="0"/>
-              <a:t> is an alternative (more recent) package</a:t>
-            </a:r>
-          </a:p>
-          <a:p>
-            <a:r>
-              <a:rPr lang="en-US" dirty="0" smtClean="0"/>
-              <a:t>Brings together many features added on to </a:t>
-            </a:r>
-            <a:r>
-              <a:rPr lang="en-US" dirty="0" err="1" smtClean="0"/>
-              <a:t>Sweave</a:t>
-            </a:r>
-            <a:r>
-              <a:rPr lang="en-US" dirty="0" smtClean="0"/>
-              <a:t> to address limitations</a:t>
-            </a:r>
-          </a:p>
-          <a:p>
-            <a:r>
-              <a:rPr lang="en-US" dirty="0" err="1" smtClean="0"/>
-              <a:t>knitr</a:t>
-            </a:r>
-            <a:r>
-              <a:rPr lang="en-US" dirty="0" smtClean="0"/>
-              <a:t> uses R as the programming language (although others are allowed) and variety of documentation languages</a:t>
-            </a:r>
-          </a:p>
-          <a:p>
-            <a:pPr lvl="1"/>
-            <a:r>
-              <a:rPr lang="en-US" dirty="0" err="1" smtClean="0"/>
-              <a:t>LaTeX</a:t>
-            </a:r>
-            <a:r>
-              <a:rPr lang="en-US" dirty="0" smtClean="0"/>
-              <a:t>, Markdown, HTML</a:t>
-            </a:r>
-          </a:p>
-          <a:p>
-            <a:r>
-              <a:rPr lang="en-US" dirty="0" err="1" smtClean="0"/>
-              <a:t>knitr</a:t>
-            </a:r>
-            <a:r>
-              <a:rPr lang="en-US" dirty="0" smtClean="0"/>
-              <a:t> was developed by </a:t>
-            </a:r>
-            <a:r>
-              <a:rPr lang="en-US" dirty="0" err="1" smtClean="0"/>
-              <a:t>Yihui</a:t>
-            </a:r>
-            <a:r>
-              <a:rPr lang="en-US" dirty="0" smtClean="0"/>
-              <a:t> </a:t>
-            </a:r>
-            <a:r>
-              <a:rPr lang="en-US" dirty="0" err="1" smtClean="0"/>
-              <a:t>Xie</a:t>
-            </a:r>
-            <a:r>
-              <a:rPr lang="en-US" dirty="0" smtClean="0"/>
-              <a:t> (while a graduate student in statistics at Iowa State)</a:t>
-            </a:r>
-          </a:p>
-          <a:p>
-            <a:r>
-              <a:rPr lang="en-US" dirty="0"/>
-              <a:t>See </a:t>
-            </a:r>
-            <a:r>
-              <a:rPr lang="en-US" dirty="0">
-                <a:hlinkClick r:id="rId3"/>
-              </a:rPr>
-              <a:t>http://yihui.name/knitr</a:t>
-            </a:r>
-            <a:r>
-              <a:rPr lang="en-US" dirty="0" smtClean="0">
-                <a:hlinkClick r:id="rId3"/>
-              </a:rPr>
-              <a:t>/</a:t>
-            </a:r>
-            <a:r>
-              <a:rPr lang="en-US" dirty="0" smtClean="0"/>
-              <a:t>	</a:t>
-            </a:r>
-            <a:endParaRPr lang="en-US" dirty="0"/>
-          </a:p>
-        </p:txBody>
-      </p:sp>
+              <a:rPr lang="en-US" smtClean="0"/>
+              <a:t>My First knitr Document</a:t>
+            </a:r>
+            <a:endParaRPr lang="en-US"/>
+          </a:p>
+        </p:txBody>
+      </p:sp>
+      <p:pic>
+        <p:nvPicPr>
+          <p:cNvPr id="4" name="Picture 3" descr="Screen Shot 2013-09-04 at 4.04.48 PM.png"/>
+          <p:cNvPicPr>
+            <a:picLocks noChangeAspect="1"/>
+          </p:cNvPicPr>
+          <p:nvPr/>
+        </p:nvPicPr>
+        <p:blipFill>
+          <a:blip r:embed="rId2">
+            <a:extLst>
+              <a:ext uri="{28A0092B-C50C-407E-A947-70E740481C1C}">
+                <a14:useLocalDpi xmlns:a14="http://schemas.microsoft.com/office/drawing/2010/main" val="0"/>
+              </a:ext>
+            </a:extLst>
+          </a:blip>
+          <a:stretch>
+            <a:fillRect/>
+          </a:stretch>
+        </p:blipFill>
+        <p:spPr>
+          <a:xfrm>
+            <a:off x="565810" y="1346200"/>
+            <a:ext cx="7867692" cy="3496752"/>
+          </a:xfrm>
+          <a:prstGeom prst="rect">
+            <a:avLst/>
+          </a:prstGeom>
+        </p:spPr>
+      </p:pic>
+      <p:sp>
+        <p:nvSpPr>
+          <p:cNvPr id="5" name="Rectangle 4"/>
+          <p:cNvSpPr/>
+          <p:nvPr/>
+        </p:nvSpPr>
+        <p:spPr>
+          <a:xfrm>
+            <a:off x="5166137" y="3045717"/>
+            <a:ext cx="2367298" cy="468571"/>
+          </a:xfrm>
+          <a:prstGeom prst="rect">
+            <a:avLst/>
+          </a:prstGeom>
+        </p:spPr>
+        <p:style>
+          <a:lnRef idx="1">
+            <a:schemeClr val="accent1"/>
+          </a:lnRef>
+          <a:fillRef idx="3">
+            <a:schemeClr val="accent1"/>
+          </a:fillRef>
+          <a:effectRef idx="2">
+            <a:schemeClr val="accent1"/>
+          </a:effectRef>
+          <a:fontRef idx="minor">
+            <a:schemeClr val="lt1"/>
+          </a:fontRef>
+        </p:style>
+        <p:txBody>
+          <a:bodyPr rtlCol="0" anchor="ctr"/>
+          <a:lstStyle/>
+          <a:p>
+            <a:pPr algn="ctr"/>
+            <a:r>
+              <a:rPr lang="en-US" smtClean="0"/>
+              <a:t>Start of code chunk</a:t>
+            </a:r>
+            <a:endParaRPr lang="en-US"/>
+          </a:p>
+        </p:txBody>
+      </p:sp>
+      <p:sp>
+        <p:nvSpPr>
+          <p:cNvPr id="6" name="Rectangle 5"/>
+          <p:cNvSpPr/>
+          <p:nvPr/>
+        </p:nvSpPr>
+        <p:spPr>
+          <a:xfrm>
+            <a:off x="5166137" y="4374381"/>
+            <a:ext cx="2367298" cy="468571"/>
+          </a:xfrm>
+          <a:prstGeom prst="rect">
+            <a:avLst/>
+          </a:prstGeom>
+        </p:spPr>
+        <p:style>
+          <a:lnRef idx="1">
+            <a:schemeClr val="accent1"/>
+          </a:lnRef>
+          <a:fillRef idx="3">
+            <a:schemeClr val="accent1"/>
+          </a:fillRef>
+          <a:effectRef idx="2">
+            <a:schemeClr val="accent1"/>
+          </a:effectRef>
+          <a:fontRef idx="minor">
+            <a:schemeClr val="lt1"/>
+          </a:fontRef>
+        </p:style>
+        <p:txBody>
+          <a:bodyPr rtlCol="0" anchor="ctr"/>
+          <a:lstStyle/>
+          <a:p>
+            <a:pPr algn="ctr"/>
+            <a:r>
+              <a:rPr lang="en-US" smtClean="0"/>
+              <a:t>End of code chunk</a:t>
+            </a:r>
+            <a:endParaRPr lang="en-US"/>
+          </a:p>
+        </p:txBody>
+      </p:sp>
+      <p:cxnSp>
+        <p:nvCxnSpPr>
+          <p:cNvPr id="8" name="Straight Arrow Connector 7"/>
+          <p:cNvCxnSpPr>
+            <a:stCxn id="5" idx="1"/>
+          </p:cNvCxnSpPr>
+          <p:nvPr/>
+        </p:nvCxnSpPr>
+        <p:spPr>
+          <a:xfrm flipH="1">
+            <a:off x="2009738" y="3280003"/>
+            <a:ext cx="3156399" cy="123308"/>
+          </a:xfrm>
+          <a:prstGeom prst="straightConnector1">
+            <a:avLst/>
+          </a:prstGeom>
+          <a:ln>
+            <a:tailEnd type="arrow"/>
+          </a:ln>
+        </p:spPr>
+        <p:style>
+          <a:lnRef idx="2">
+            <a:schemeClr val="accent1"/>
+          </a:lnRef>
+          <a:fillRef idx="0">
+            <a:schemeClr val="accent1"/>
+          </a:fillRef>
+          <a:effectRef idx="1">
+            <a:schemeClr val="accent1"/>
+          </a:effectRef>
+          <a:fontRef idx="minor">
+            <a:schemeClr val="tx1"/>
+          </a:fontRef>
+        </p:style>
+      </p:cxnSp>
+      <p:cxnSp>
+        <p:nvCxnSpPr>
+          <p:cNvPr id="9" name="Straight Arrow Connector 8"/>
+          <p:cNvCxnSpPr>
+            <a:stCxn id="6" idx="1"/>
+          </p:cNvCxnSpPr>
+          <p:nvPr/>
+        </p:nvCxnSpPr>
+        <p:spPr>
+          <a:xfrm flipH="1">
+            <a:off x="1726155" y="4608667"/>
+            <a:ext cx="3439982" cy="0"/>
+          </a:xfrm>
+          <a:prstGeom prst="straightConnector1">
+            <a:avLst/>
+          </a:prstGeom>
+          <a:ln>
+            <a:tailEnd type="arrow"/>
+          </a:ln>
+        </p:spPr>
+        <p:style>
+          <a:lnRef idx="2">
+            <a:schemeClr val="accent1"/>
+          </a:lnRef>
+          <a:fillRef idx="0">
+            <a:schemeClr val="accent1"/>
+          </a:fillRef>
+          <a:effectRef idx="1">
+            <a:schemeClr val="accent1"/>
+          </a:effectRef>
+          <a:fontRef idx="minor">
+            <a:schemeClr val="tx1"/>
+          </a:fontRef>
+        </p:style>
+      </p:cxnSp>
     </p:spTree>
     <p:extLst>
       <p:ext uri="{BB962C8B-B14F-4D97-AF65-F5344CB8AC3E}">
-        <p14:creationId xmlns:p14="http://schemas.microsoft.com/office/powerpoint/2010/main" val="756633217"/>
+        <p14:creationId xmlns:p14="http://schemas.microsoft.com/office/powerpoint/2010/main" val="1789113151"/>
       </p:ext>
     </p:extLst>
   </p:cSld>
@@ -10513,9 +8250,180 @@
   <p:timing>
     <p:tnLst>
       <p:par>
-        <p:cTn id="1" dur="indefinite" restart="never" nodeType="tmRoot"/>
+        <p:cTn id="1" dur="indefinite" restart="never" nodeType="tmRoot">
+          <p:childTnLst>
+            <p:seq concurrent="1" nextAc="seek">
+              <p:cTn id="2" dur="indefinite" nodeType="mainSeq">
+                <p:childTnLst>
+                  <p:par>
+                    <p:cTn id="3" fill="hold">
+                      <p:stCondLst>
+                        <p:cond delay="indefinite"/>
+                      </p:stCondLst>
+                      <p:childTnLst>
+                        <p:par>
+                          <p:cTn id="4" fill="hold">
+                            <p:stCondLst>
+                              <p:cond delay="0"/>
+                            </p:stCondLst>
+                            <p:childTnLst>
+                              <p:par>
+                                <p:cTn id="5" presetID="1" presetClass="entr" presetSubtype="0" fill="hold" grpId="0" nodeType="clickEffect">
+                                  <p:stCondLst>
+                                    <p:cond delay="0"/>
+                                  </p:stCondLst>
+                                  <p:childTnLst>
+                                    <p:set>
+                                      <p:cBhvr>
+                                        <p:cTn id="6" dur="1" fill="hold">
+                                          <p:stCondLst>
+                                            <p:cond delay="0"/>
+                                          </p:stCondLst>
+                                        </p:cTn>
+                                        <p:tgtEl>
+                                          <p:spTgt spid="5"/>
+                                        </p:tgtEl>
+                                        <p:attrNameLst>
+                                          <p:attrName>style.visibility</p:attrName>
+                                        </p:attrNameLst>
+                                      </p:cBhvr>
+                                      <p:to>
+                                        <p:strVal val="visible"/>
+                                      </p:to>
+                                    </p:set>
+                                  </p:childTnLst>
+                                </p:cTn>
+                              </p:par>
+                              <p:par>
+                                <p:cTn id="7" presetID="1" presetClass="entr" presetSubtype="0" fill="hold" nodeType="withEffect">
+                                  <p:stCondLst>
+                                    <p:cond delay="0"/>
+                                  </p:stCondLst>
+                                  <p:childTnLst>
+                                    <p:set>
+                                      <p:cBhvr>
+                                        <p:cTn id="8" dur="1" fill="hold">
+                                          <p:stCondLst>
+                                            <p:cond delay="0"/>
+                                          </p:stCondLst>
+                                        </p:cTn>
+                                        <p:tgtEl>
+                                          <p:spTgt spid="8"/>
+                                        </p:tgtEl>
+                                        <p:attrNameLst>
+                                          <p:attrName>style.visibility</p:attrName>
+                                        </p:attrNameLst>
+                                      </p:cBhvr>
+                                      <p:to>
+                                        <p:strVal val="visible"/>
+                                      </p:to>
+                                    </p:set>
+                                  </p:childTnLst>
+                                </p:cTn>
+                              </p:par>
+                            </p:childTnLst>
+                          </p:cTn>
+                        </p:par>
+                      </p:childTnLst>
+                    </p:cTn>
+                  </p:par>
+                  <p:par>
+                    <p:cTn id="9" fill="hold">
+                      <p:stCondLst>
+                        <p:cond delay="indefinite"/>
+                      </p:stCondLst>
+                      <p:childTnLst>
+                        <p:par>
+                          <p:cTn id="10" fill="hold">
+                            <p:stCondLst>
+                              <p:cond delay="0"/>
+                            </p:stCondLst>
+                            <p:childTnLst>
+                              <p:par>
+                                <p:cTn id="11" presetID="1" presetClass="entr" presetSubtype="0" fill="hold" grpId="0" nodeType="clickEffect">
+                                  <p:stCondLst>
+                                    <p:cond delay="0"/>
+                                  </p:stCondLst>
+                                  <p:childTnLst>
+                                    <p:set>
+                                      <p:cBhvr>
+                                        <p:cTn id="12" dur="1" fill="hold">
+                                          <p:stCondLst>
+                                            <p:cond delay="0"/>
+                                          </p:stCondLst>
+                                        </p:cTn>
+                                        <p:tgtEl>
+                                          <p:spTgt spid="6"/>
+                                        </p:tgtEl>
+                                        <p:attrNameLst>
+                                          <p:attrName>style.visibility</p:attrName>
+                                        </p:attrNameLst>
+                                      </p:cBhvr>
+                                      <p:to>
+                                        <p:strVal val="visible"/>
+                                      </p:to>
+                                    </p:set>
+                                  </p:childTnLst>
+                                </p:cTn>
+                              </p:par>
+                              <p:par>
+                                <p:cTn id="13" presetID="1" presetClass="entr" presetSubtype="0" fill="hold" nodeType="withEffect">
+                                  <p:stCondLst>
+                                    <p:cond delay="0"/>
+                                  </p:stCondLst>
+                                  <p:childTnLst>
+                                    <p:set>
+                                      <p:cBhvr>
+                                        <p:cTn id="14" dur="1" fill="hold">
+                                          <p:stCondLst>
+                                            <p:cond delay="0"/>
+                                          </p:stCondLst>
+                                        </p:cTn>
+                                        <p:tgtEl>
+                                          <p:spTgt spid="9"/>
+                                        </p:tgtEl>
+                                        <p:attrNameLst>
+                                          <p:attrName>style.visibility</p:attrName>
+                                        </p:attrNameLst>
+                                      </p:cBhvr>
+                                      <p:to>
+                                        <p:strVal val="visible"/>
+                                      </p:to>
+                                    </p:set>
+                                  </p:childTnLst>
+                                </p:cTn>
+                              </p:par>
+                            </p:childTnLst>
+                          </p:cTn>
+                        </p:par>
+                      </p:childTnLst>
+                    </p:cTn>
+                  </p:par>
+                </p:childTnLst>
+              </p:cTn>
+              <p:prevCondLst>
+                <p:cond evt="onPrev" delay="0">
+                  <p:tgtEl>
+                    <p:sldTgt/>
+                  </p:tgtEl>
+                </p:cond>
+              </p:prevCondLst>
+              <p:nextCondLst>
+                <p:cond evt="onNext" delay="0">
+                  <p:tgtEl>
+                    <p:sldTgt/>
+                  </p:tgtEl>
+                </p:cond>
+              </p:nextCondLst>
+            </p:seq>
+          </p:childTnLst>
+        </p:cTn>
       </p:par>
     </p:tnLst>
+    <p:bldLst>
+      <p:bldP spid="5" grpId="0" animBg="1"/>
+      <p:bldP spid="6" grpId="0" animBg="1"/>
+    </p:bldLst>
   </p:timing>
 </p:sld>
 </file>
@@ -10537,6 +8445,36 @@
           <a:chExt cx="0" cy="0"/>
         </a:xfrm>
       </p:grpSpPr>
+      <p:pic>
+        <p:nvPicPr>
+          <p:cNvPr id="5" name="Picture 4"/>
+          <p:cNvPicPr>
+            <a:picLocks noChangeAspect="1"/>
+          </p:cNvPicPr>
+          <p:nvPr/>
+        </p:nvPicPr>
+        <p:blipFill>
+          <a:blip r:embed="rId2">
+            <a:extLst>
+              <a:ext uri="{28A0092B-C50C-407E-A947-70E740481C1C}">
+                <a14:useLocalDpi xmlns:a14="http://schemas.microsoft.com/office/drawing/2010/main" val="0"/>
+              </a:ext>
+            </a:extLst>
+          </a:blip>
+          <a:stretch>
+            <a:fillRect/>
+          </a:stretch>
+        </p:blipFill>
+        <p:spPr>
+          <a:xfrm>
+            <a:off x="954464" y="1279019"/>
+            <a:ext cx="7235072" cy="3713178"/>
+          </a:xfrm>
+          <a:prstGeom prst="rect">
+            <a:avLst/>
+          </a:prstGeom>
+        </p:spPr>
+      </p:pic>
       <p:sp>
         <p:nvSpPr>
           <p:cNvPr id="2" name="Title 1"/>
@@ -10554,91 +8492,204 @@
           <a:p>
             <a:r>
               <a:rPr lang="en-US" smtClean="0"/>
-              <a:t>Literate Statistical Programming</a:t>
-            </a:r>
-            <a:endParaRPr lang="en-US"/>
-          </a:p>
-        </p:txBody>
-      </p:sp>
-      <p:sp>
-        <p:nvSpPr>
-          <p:cNvPr id="3" name="Content Placeholder 2"/>
-          <p:cNvSpPr>
-            <a:spLocks noGrp="1"/>
-          </p:cNvSpPr>
-          <p:nvPr>
-            <p:ph idx="1"/>
-          </p:nvPr>
-        </p:nvSpPr>
-        <p:spPr/>
-        <p:txBody>
-          <a:bodyPr>
-            <a:normAutofit fontScale="92500" lnSpcReduction="20000"/>
-          </a:bodyPr>
-          <a:lstStyle/>
-          <a:p>
-            <a:r>
-              <a:rPr lang="en-US" smtClean="0"/>
-              <a:t>Literate programming is a general concept. We need</a:t>
-            </a:r>
-          </a:p>
-          <a:p>
-            <a:pPr lvl="1"/>
-            <a:r>
-              <a:rPr lang="en-US" smtClean="0"/>
-              <a:t>A documentation language</a:t>
-            </a:r>
-          </a:p>
-          <a:p>
-            <a:pPr lvl="1"/>
-            <a:r>
-              <a:rPr lang="en-US" smtClean="0"/>
-              <a:t>A programming language</a:t>
-            </a:r>
-          </a:p>
-          <a:p>
-            <a:r>
-              <a:rPr lang="en-US" smtClean="0"/>
-              <a:t>The original </a:t>
-            </a:r>
-            <a:r>
-              <a:rPr lang="en-US" b="1" smtClean="0"/>
-              <a:t>Sweave</a:t>
-            </a:r>
-            <a:r>
-              <a:rPr lang="en-US" smtClean="0"/>
-              <a:t> system developed by Friedrich Leisch used LaTeX and R</a:t>
-            </a:r>
-          </a:p>
-          <a:p>
-            <a:r>
-              <a:rPr lang="en-US" b="1"/>
-              <a:t>k</a:t>
-            </a:r>
-            <a:r>
-              <a:rPr lang="en-US" b="1" smtClean="0"/>
-              <a:t>nitr</a:t>
-            </a:r>
-            <a:r>
-              <a:rPr lang="en-US" smtClean="0"/>
-              <a:t> supports a variety of documentation languages</a:t>
-            </a:r>
-          </a:p>
-          <a:p>
-            <a:endParaRPr lang="en-US"/>
-          </a:p>
-        </p:txBody>
-      </p:sp>
+              <a:t>Processing a knitr Document</a:t>
+            </a:r>
+            <a:endParaRPr lang="en-US"/>
+          </a:p>
+        </p:txBody>
+      </p:sp>
+      <p:sp>
+        <p:nvSpPr>
+          <p:cNvPr id="4" name="Rectangle 3"/>
+          <p:cNvSpPr/>
+          <p:nvPr/>
+        </p:nvSpPr>
+        <p:spPr>
+          <a:xfrm>
+            <a:off x="4883272" y="922353"/>
+            <a:ext cx="1516551" cy="431579"/>
+          </a:xfrm>
+          <a:prstGeom prst="rect">
+            <a:avLst/>
+          </a:prstGeom>
+        </p:spPr>
+        <p:style>
+          <a:lnRef idx="1">
+            <a:schemeClr val="accent1"/>
+          </a:lnRef>
+          <a:fillRef idx="3">
+            <a:schemeClr val="accent1"/>
+          </a:fillRef>
+          <a:effectRef idx="2">
+            <a:schemeClr val="accent1"/>
+          </a:effectRef>
+          <a:fontRef idx="minor">
+            <a:schemeClr val="lt1"/>
+          </a:fontRef>
+        </p:style>
+        <p:txBody>
+          <a:bodyPr rtlCol="0" anchor="ctr"/>
+          <a:lstStyle/>
+          <a:p>
+            <a:pPr algn="ctr"/>
+            <a:r>
+              <a:rPr lang="en-US" smtClean="0"/>
+              <a:t>Push here</a:t>
+            </a:r>
+            <a:endParaRPr lang="en-US"/>
+          </a:p>
+        </p:txBody>
+      </p:sp>
+      <p:cxnSp>
+        <p:nvCxnSpPr>
+          <p:cNvPr id="6" name="Straight Arrow Connector 5"/>
+          <p:cNvCxnSpPr>
+            <a:stCxn id="4" idx="1"/>
+          </p:cNvCxnSpPr>
+          <p:nvPr/>
+        </p:nvCxnSpPr>
+        <p:spPr>
+          <a:xfrm flipH="1">
+            <a:off x="3650304" y="1138143"/>
+            <a:ext cx="1232968" cy="450075"/>
+          </a:xfrm>
+          <a:prstGeom prst="straightConnector1">
+            <a:avLst/>
+          </a:prstGeom>
+          <a:ln>
+            <a:tailEnd type="arrow"/>
+          </a:ln>
+        </p:spPr>
+        <p:style>
+          <a:lnRef idx="2">
+            <a:schemeClr val="accent1"/>
+          </a:lnRef>
+          <a:fillRef idx="0">
+            <a:schemeClr val="accent1"/>
+          </a:fillRef>
+          <a:effectRef idx="1">
+            <a:schemeClr val="accent1"/>
+          </a:effectRef>
+          <a:fontRef idx="minor">
+            <a:schemeClr val="tx1"/>
+          </a:fontRef>
+        </p:style>
+      </p:cxnSp>
     </p:spTree>
     <p:extLst>
       <p:ext uri="{BB962C8B-B14F-4D97-AF65-F5344CB8AC3E}">
-        <p14:creationId xmlns:p14="http://schemas.microsoft.com/office/powerpoint/2010/main" val="467564262"/>
+        <p14:creationId xmlns:p14="http://schemas.microsoft.com/office/powerpoint/2010/main" val="3212027696"/>
       </p:ext>
     </p:extLst>
   </p:cSld>
   <p:clrMapOvr>
     <a:masterClrMapping/>
   </p:clrMapOvr>
+  <p:timing>
+    <p:tnLst>
+      <p:par>
+        <p:cTn id="1" dur="indefinite" restart="never" nodeType="tmRoot">
+          <p:childTnLst>
+            <p:seq concurrent="1" nextAc="seek">
+              <p:cTn id="2" dur="indefinite" nodeType="mainSeq">
+                <p:childTnLst>
+                  <p:par>
+                    <p:cTn id="3" fill="hold">
+                      <p:stCondLst>
+                        <p:cond delay="indefinite"/>
+                      </p:stCondLst>
+                      <p:childTnLst>
+                        <p:par>
+                          <p:cTn id="4" fill="hold">
+                            <p:stCondLst>
+                              <p:cond delay="0"/>
+                            </p:stCondLst>
+                            <p:childTnLst>
+                              <p:par>
+                                <p:cTn id="5" presetID="1" presetClass="entr" presetSubtype="0" fill="hold" grpId="0" nodeType="clickEffect">
+                                  <p:stCondLst>
+                                    <p:cond delay="0"/>
+                                  </p:stCondLst>
+                                  <p:childTnLst>
+                                    <p:set>
+                                      <p:cBhvr>
+                                        <p:cTn id="6" dur="1" fill="hold">
+                                          <p:stCondLst>
+                                            <p:cond delay="0"/>
+                                          </p:stCondLst>
+                                        </p:cTn>
+                                        <p:tgtEl>
+                                          <p:spTgt spid="4"/>
+                                        </p:tgtEl>
+                                        <p:attrNameLst>
+                                          <p:attrName>style.visibility</p:attrName>
+                                        </p:attrNameLst>
+                                      </p:cBhvr>
+                                      <p:to>
+                                        <p:strVal val="visible"/>
+                                      </p:to>
+                                    </p:set>
+                                  </p:childTnLst>
+                                </p:cTn>
+                              </p:par>
+                              <p:par>
+                                <p:cTn id="7" presetID="1" presetClass="entr" presetSubtype="0" fill="hold" nodeType="withEffect">
+                                  <p:stCondLst>
+                                    <p:cond delay="0"/>
+                                  </p:stCondLst>
+                                  <p:childTnLst>
+                                    <p:set>
+                                      <p:cBhvr>
+                                        <p:cTn id="8" dur="1" fill="hold">
+                                          <p:stCondLst>
+                                            <p:cond delay="0"/>
+                                          </p:stCondLst>
+                                        </p:cTn>
+                                        <p:tgtEl>
+                                          <p:spTgt spid="6"/>
+                                        </p:tgtEl>
+                                        <p:attrNameLst>
+                                          <p:attrName>style.visibility</p:attrName>
+                                        </p:attrNameLst>
+                                      </p:cBhvr>
+                                      <p:to>
+                                        <p:strVal val="visible"/>
+                                      </p:to>
+                                    </p:set>
+                                  </p:childTnLst>
+                                </p:cTn>
+                              </p:par>
+                            </p:childTnLst>
+                          </p:cTn>
+                        </p:par>
+                      </p:childTnLst>
+                    </p:cTn>
+                  </p:par>
+                </p:childTnLst>
+              </p:cTn>
+              <p:prevCondLst>
+                <p:cond evt="onPrev" delay="0">
+                  <p:tgtEl>
+                    <p:sldTgt/>
+                  </p:tgtEl>
+                </p:cond>
+              </p:prevCondLst>
+              <p:nextCondLst>
+                <p:cond evt="onNext" delay="0">
+                  <p:tgtEl>
+                    <p:sldTgt/>
+                  </p:tgtEl>
+                </p:cond>
+              </p:nextCondLst>
+            </p:seq>
+          </p:childTnLst>
+        </p:cTn>
+      </p:par>
+    </p:tnLst>
+    <p:bldLst>
+      <p:bldP spid="4" grpId="0" animBg="1"/>
+    </p:bldLst>
+  </p:timing>
 </p:sld>
 </file>
 
@@ -10671,16 +8722,14 @@
         </p:nvSpPr>
         <p:spPr/>
         <p:txBody>
-          <a:bodyPr>
-            <a:normAutofit/>
-          </a:bodyPr>
-          <a:lstStyle/>
-          <a:p>
-            <a:r>
-              <a:rPr lang="en-US" sz="3600" smtClean="0"/>
-              <a:t>How Do I Make My Work Reproducible?</a:t>
-            </a:r>
-            <a:endParaRPr lang="en-US" sz="3600"/>
+          <a:bodyPr/>
+          <a:lstStyle/>
+          <a:p>
+            <a:r>
+              <a:rPr lang="en-US" smtClean="0"/>
+              <a:t>More Complicated Way</a:t>
+            </a:r>
+            <a:endParaRPr lang="en-US"/>
           </a:p>
         </p:txBody>
       </p:sp>
@@ -10696,53 +8745,136 @@
         </p:nvSpPr>
         <p:spPr/>
         <p:txBody>
-          <a:bodyPr>
-            <a:normAutofit lnSpcReduction="10000"/>
-          </a:bodyPr>
-          <a:lstStyle/>
-          <a:p>
-            <a:r>
-              <a:rPr lang="en-US" smtClean="0"/>
-              <a:t>Decide to do it (ideally from the start)</a:t>
-            </a:r>
-          </a:p>
-          <a:p>
-            <a:r>
-              <a:rPr lang="en-US" smtClean="0"/>
-              <a:t>Keep track of things, perhaps with a version control system to track snapshots/changes</a:t>
-            </a:r>
-          </a:p>
-          <a:p>
-            <a:r>
-              <a:rPr lang="en-US" smtClean="0"/>
-              <a:t>Use software whose operation can be coded</a:t>
-            </a:r>
-          </a:p>
-          <a:p>
-            <a:r>
-              <a:rPr lang="en-US" smtClean="0"/>
-              <a:t>Don’t save output</a:t>
-            </a:r>
-          </a:p>
-          <a:p>
-            <a:r>
-              <a:rPr lang="en-US" smtClean="0"/>
-              <a:t>Save data in non-proprietary formats</a:t>
-            </a:r>
-            <a:endParaRPr lang="en-US"/>
+          <a:bodyPr/>
+          <a:lstStyle/>
+          <a:p>
+            <a:pPr marL="0" indent="0">
+              <a:buNone/>
+            </a:pPr>
+            <a:r>
+              <a:rPr lang="en-US" dirty="0" smtClean="0">
+                <a:latin typeface="Courier"/>
+                <a:cs typeface="Courier"/>
+              </a:rPr>
+              <a:t>library(</a:t>
+            </a:r>
+            <a:r>
+              <a:rPr lang="en-US" dirty="0" err="1" smtClean="0">
+                <a:latin typeface="Courier"/>
+                <a:cs typeface="Courier"/>
+              </a:rPr>
+              <a:t>rmarkdown</a:t>
+            </a:r>
+            <a:r>
+              <a:rPr lang="en-US" dirty="0" smtClean="0">
+                <a:latin typeface="Courier"/>
+                <a:cs typeface="Courier"/>
+              </a:rPr>
+              <a:t>)</a:t>
+            </a:r>
+            <a:br>
+              <a:rPr lang="en-US" dirty="0" smtClean="0">
+                <a:latin typeface="Courier"/>
+                <a:cs typeface="Courier"/>
+              </a:rPr>
+            </a:br>
+            <a:r>
+              <a:rPr lang="en-US" dirty="0" err="1" smtClean="0">
+                <a:latin typeface="Courier"/>
+                <a:cs typeface="Courier"/>
+              </a:rPr>
+              <a:t>setwd</a:t>
+            </a:r>
+            <a:r>
+              <a:rPr lang="en-US" dirty="0" smtClean="0">
+                <a:latin typeface="Courier"/>
+                <a:cs typeface="Courier"/>
+              </a:rPr>
+              <a:t>(&lt;working directory&gt;)</a:t>
+            </a:r>
+          </a:p>
+          <a:p>
+            <a:pPr marL="0" indent="0">
+              <a:buNone/>
+            </a:pPr>
+            <a:r>
+              <a:rPr lang="en-US" dirty="0" smtClean="0">
+                <a:latin typeface="Courier"/>
+                <a:cs typeface="Courier"/>
+              </a:rPr>
+              <a:t>render(“</a:t>
+            </a:r>
+            <a:r>
+              <a:rPr lang="en-US" dirty="0" err="1" smtClean="0">
+                <a:latin typeface="Courier"/>
+                <a:cs typeface="Courier"/>
+              </a:rPr>
+              <a:t>document.Rmd</a:t>
+            </a:r>
+            <a:r>
+              <a:rPr lang="en-US" dirty="0" smtClean="0">
+                <a:latin typeface="Courier"/>
+                <a:cs typeface="Courier"/>
+              </a:rPr>
+              <a:t>”)</a:t>
+            </a:r>
+          </a:p>
+          <a:p>
+            <a:pPr marL="0" indent="0">
+              <a:buNone/>
+            </a:pPr>
+            <a:r>
+              <a:rPr lang="en-US" dirty="0" err="1" smtClean="0">
+                <a:latin typeface="Courier"/>
+                <a:cs typeface="Courier"/>
+              </a:rPr>
+              <a:t>browseURL</a:t>
+            </a:r>
+            <a:r>
+              <a:rPr lang="en-US" dirty="0" smtClean="0">
+                <a:latin typeface="Courier"/>
+                <a:cs typeface="Courier"/>
+              </a:rPr>
+              <a:t>(“</a:t>
+            </a:r>
+            <a:r>
+              <a:rPr lang="en-US" dirty="0" err="1" smtClean="0">
+                <a:latin typeface="Courier"/>
+                <a:cs typeface="Courier"/>
+              </a:rPr>
+              <a:t>document.html</a:t>
+            </a:r>
+            <a:r>
+              <a:rPr lang="en-US" dirty="0" smtClean="0">
+                <a:latin typeface="Courier"/>
+                <a:cs typeface="Courier"/>
+              </a:rPr>
+              <a:t>”)</a:t>
+            </a:r>
+            <a:endParaRPr lang="en-US" dirty="0">
+              <a:latin typeface="Courier"/>
+              <a:cs typeface="Courier"/>
+            </a:endParaRPr>
           </a:p>
         </p:txBody>
       </p:sp>
     </p:spTree>
     <p:extLst>
       <p:ext uri="{BB962C8B-B14F-4D97-AF65-F5344CB8AC3E}">
-        <p14:creationId xmlns:p14="http://schemas.microsoft.com/office/powerpoint/2010/main" val="3498052192"/>
+        <p14:creationId xmlns:p14="http://schemas.microsoft.com/office/powerpoint/2010/main" val="3490930295"/>
       </p:ext>
     </p:extLst>
   </p:cSld>
   <p:clrMapOvr>
     <a:masterClrMapping/>
   </p:clrMapOvr>
+  <p:timing>
+    <p:tnLst>
+      <p:par>
+        <p:cTn id="1" dur="indefinite" restart="never" nodeType="tmRoot"/>
+      </p:par>
+    </p:tnLst>
+  </p:timing>
 </p:sld>
 </file>
 
@@ -10775,49 +8907,126 @@
         </p:nvSpPr>
         <p:spPr/>
         <p:txBody>
-          <a:bodyPr>
-            <a:normAutofit/>
-          </a:bodyPr>
-          <a:lstStyle/>
-          <a:p>
-            <a:r>
-              <a:rPr lang="en-US" smtClean="0"/>
-              <a:t>Literate Programming: Pros</a:t>
-            </a:r>
-            <a:endParaRPr lang="en-US"/>
-          </a:p>
-        </p:txBody>
-      </p:sp>
-      <p:sp>
-        <p:nvSpPr>
-          <p:cNvPr id="3" name="Content Placeholder 2"/>
-          <p:cNvSpPr>
-            <a:spLocks noGrp="1"/>
-          </p:cNvSpPr>
-          <p:nvPr>
-            <p:ph idx="1"/>
-          </p:nvPr>
-        </p:nvSpPr>
-        <p:spPr/>
-        <p:txBody>
           <a:bodyPr/>
           <a:lstStyle/>
           <a:p>
             <a:r>
               <a:rPr lang="en-US" smtClean="0"/>
-              <a:t>Text and code all in one place, logical order</a:t>
-            </a:r>
-          </a:p>
-          <a:p>
-            <a:r>
-              <a:rPr lang="en-US" smtClean="0"/>
-              <a:t>Data, results automatically updated to reflect external changes</a:t>
-            </a:r>
-          </a:p>
-          <a:p>
-            <a:r>
-              <a:rPr lang="en-US" smtClean="0"/>
-              <a:t>Automatic “regression test” when building a document</a:t>
+              <a:t>HTML Output</a:t>
+            </a:r>
+            <a:endParaRPr lang="en-US"/>
+          </a:p>
+        </p:txBody>
+      </p:sp>
+      <p:pic>
+        <p:nvPicPr>
+          <p:cNvPr id="4" name="Picture 3" descr="Screen Shot 2013-09-04 at 4.14.38 PM.png"/>
+          <p:cNvPicPr>
+            <a:picLocks noChangeAspect="1"/>
+          </p:cNvPicPr>
+          <p:nvPr/>
+        </p:nvPicPr>
+        <p:blipFill>
+          <a:blip r:embed="rId2">
+            <a:extLst>
+              <a:ext uri="{28A0092B-C50C-407E-A947-70E740481C1C}">
+                <a14:useLocalDpi xmlns:a14="http://schemas.microsoft.com/office/drawing/2010/main" val="0"/>
+              </a:ext>
+            </a:extLst>
+          </a:blip>
+          <a:stretch>
+            <a:fillRect/>
+          </a:stretch>
+        </p:blipFill>
+        <p:spPr>
+          <a:xfrm>
+            <a:off x="737982" y="1206499"/>
+            <a:ext cx="7628247" cy="3643087"/>
+          </a:xfrm>
+          <a:prstGeom prst="rect">
+            <a:avLst/>
+          </a:prstGeom>
+        </p:spPr>
+      </p:pic>
+      <p:sp>
+        <p:nvSpPr>
+          <p:cNvPr id="5" name="Rounded Rectangle 4"/>
+          <p:cNvSpPr/>
+          <p:nvPr/>
+        </p:nvSpPr>
+        <p:spPr>
+          <a:xfrm>
+            <a:off x="6127851" y="3193686"/>
+            <a:ext cx="1343936" cy="517895"/>
+          </a:xfrm>
+          <a:prstGeom prst="roundRect">
+            <a:avLst/>
+          </a:prstGeom>
+        </p:spPr>
+        <p:style>
+          <a:lnRef idx="1">
+            <a:schemeClr val="accent1"/>
+          </a:lnRef>
+          <a:fillRef idx="3">
+            <a:schemeClr val="accent1"/>
+          </a:fillRef>
+          <a:effectRef idx="2">
+            <a:schemeClr val="accent1"/>
+          </a:effectRef>
+          <a:fontRef idx="minor">
+            <a:schemeClr val="lt1"/>
+          </a:fontRef>
+        </p:style>
+        <p:txBody>
+          <a:bodyPr rtlCol="0" anchor="ctr"/>
+          <a:lstStyle/>
+          <a:p>
+            <a:pPr algn="ctr"/>
+            <a:r>
+              <a:rPr lang="en-US" smtClean="0"/>
+              <a:t>Code input</a:t>
+            </a:r>
+            <a:endParaRPr lang="en-US"/>
+          </a:p>
+        </p:txBody>
+      </p:sp>
+      <p:sp>
+        <p:nvSpPr>
+          <p:cNvPr id="6" name="Rounded Rectangle 5"/>
+          <p:cNvSpPr/>
+          <p:nvPr/>
+        </p:nvSpPr>
+        <p:spPr>
+          <a:xfrm>
+            <a:off x="5984339" y="4233906"/>
+            <a:ext cx="1968306" cy="353165"/>
+          </a:xfrm>
+          <a:prstGeom prst="roundRect">
+            <a:avLst/>
+          </a:prstGeom>
+        </p:spPr>
+        <p:style>
+          <a:lnRef idx="1">
+            <a:schemeClr val="accent1"/>
+          </a:lnRef>
+          <a:fillRef idx="3">
+            <a:schemeClr val="accent1"/>
+          </a:fillRef>
+          <a:effectRef idx="2">
+            <a:schemeClr val="accent1"/>
+          </a:effectRef>
+          <a:fontRef idx="minor">
+            <a:schemeClr val="lt1"/>
+          </a:fontRef>
+        </p:style>
+        <p:txBody>
+          <a:bodyPr rtlCol="0" anchor="ctr"/>
+          <a:lstStyle/>
+          <a:p>
+            <a:pPr algn="ctr"/>
+            <a:r>
+              <a:rPr lang="en-US" smtClean="0"/>
+              <a:t>Numerical output</a:t>
             </a:r>
             <a:endParaRPr lang="en-US"/>
           </a:p>
@@ -10826,13 +9035,119 @@
     </p:spTree>
     <p:extLst>
       <p:ext uri="{BB962C8B-B14F-4D97-AF65-F5344CB8AC3E}">
-        <p14:creationId xmlns:p14="http://schemas.microsoft.com/office/powerpoint/2010/main" val="752591070"/>
+        <p14:creationId xmlns:p14="http://schemas.microsoft.com/office/powerpoint/2010/main" val="3780337053"/>
       </p:ext>
     </p:extLst>
   </p:cSld>
   <p:clrMapOvr>
     <a:masterClrMapping/>
   </p:clrMapOvr>
+  <p:timing>
+    <p:tnLst>
+      <p:par>
+        <p:cTn id="1" dur="indefinite" restart="never" nodeType="tmRoot">
+          <p:childTnLst>
+            <p:seq concurrent="1" nextAc="seek">
+              <p:cTn id="2" dur="indefinite" nodeType="mainSeq">
+                <p:childTnLst>
+                  <p:par>
+                    <p:cTn id="3" fill="hold">
+                      <p:stCondLst>
+                        <p:cond delay="indefinite"/>
+                      </p:stCondLst>
+                      <p:childTnLst>
+                        <p:par>
+                          <p:cTn id="4" fill="hold">
+                            <p:stCondLst>
+                              <p:cond delay="0"/>
+                            </p:stCondLst>
+                            <p:childTnLst>
+                              <p:par>
+                                <p:cTn id="5" presetID="1" presetClass="entr" presetSubtype="0" fill="hold" grpId="0" nodeType="clickEffect">
+                                  <p:stCondLst>
+                                    <p:cond delay="0"/>
+                                  </p:stCondLst>
+                                  <p:childTnLst>
+                                    <p:set>
+                                      <p:cBhvr>
+                                        <p:cTn id="6" dur="1" fill="hold">
+                                          <p:stCondLst>
+                                            <p:cond delay="0"/>
+                                          </p:stCondLst>
+                                        </p:cTn>
+                                        <p:tgtEl>
+                                          <p:spTgt spid="6"/>
+                                        </p:tgtEl>
+                                        <p:attrNameLst>
+                                          <p:attrName>style.visibility</p:attrName>
+                                        </p:attrNameLst>
+                                      </p:cBhvr>
+                                      <p:to>
+                                        <p:strVal val="visible"/>
+                                      </p:to>
+                                    </p:set>
+                                  </p:childTnLst>
+                                </p:cTn>
+                              </p:par>
+                              <p:par>
+                                <p:cTn id="7" presetID="1" presetClass="entr" presetSubtype="0" fill="hold" grpId="0" nodeType="withEffect">
+                                  <p:stCondLst>
+                                    <p:cond delay="0"/>
+                                  </p:stCondLst>
+                                  <p:childTnLst>
+                                    <p:set>
+                                      <p:cBhvr>
+                                        <p:cTn id="8" dur="1" fill="hold">
+                                          <p:stCondLst>
+                                            <p:cond delay="0"/>
+                                          </p:stCondLst>
+                                        </p:cTn>
+                                        <p:tgtEl>
+                                          <p:spTgt spid="5"/>
+                                        </p:tgtEl>
+                                        <p:attrNameLst>
+                                          <p:attrName>style.visibility</p:attrName>
+                                        </p:attrNameLst>
+                                      </p:cBhvr>
+                                      <p:to>
+                                        <p:strVal val="visible"/>
+                                      </p:to>
+                                    </p:set>
+                                  </p:childTnLst>
+                                </p:cTn>
+                              </p:par>
+                            </p:childTnLst>
+                          </p:cTn>
+                        </p:par>
+                      </p:childTnLst>
+                    </p:cTn>
+                  </p:par>
+                </p:childTnLst>
+              </p:cTn>
+              <p:prevCondLst>
+                <p:cond evt="onPrev" delay="0">
+                  <p:tgtEl>
+                    <p:sldTgt/>
+                  </p:tgtEl>
+                </p:cond>
+              </p:prevCondLst>
+              <p:nextCondLst>
+                <p:cond evt="onNext" delay="0">
+                  <p:tgtEl>
+                    <p:sldTgt/>
+                  </p:tgtEl>
+                </p:cond>
+              </p:nextCondLst>
+            </p:seq>
+          </p:childTnLst>
+        </p:cTn>
+      </p:par>
+    </p:tnLst>
+    <p:bldLst>
+      <p:bldP spid="5" grpId="0" animBg="1"/>
+      <p:bldP spid="6" grpId="0" animBg="1"/>
+    </p:bldLst>
+  </p:timing>
 </p:sld>
 </file>
 
